--- a/OpenAPI.pptx
+++ b/OpenAPI.pptx
@@ -7,29 +7,30 @@
   <p:sldIdLst>
     <p:sldId id="256" r:id="rId2"/>
     <p:sldId id="257" r:id="rId3"/>
-    <p:sldId id="258" r:id="rId4"/>
-    <p:sldId id="260" r:id="rId5"/>
-    <p:sldId id="261" r:id="rId6"/>
-    <p:sldId id="259" r:id="rId7"/>
-    <p:sldId id="263" r:id="rId8"/>
-    <p:sldId id="264" r:id="rId9"/>
-    <p:sldId id="274" r:id="rId10"/>
-    <p:sldId id="265" r:id="rId11"/>
-    <p:sldId id="273" r:id="rId12"/>
-    <p:sldId id="266" r:id="rId13"/>
-    <p:sldId id="277" r:id="rId14"/>
-    <p:sldId id="276" r:id="rId15"/>
-    <p:sldId id="275" r:id="rId16"/>
-    <p:sldId id="267" r:id="rId17"/>
-    <p:sldId id="271" r:id="rId18"/>
-    <p:sldId id="272" r:id="rId19"/>
-    <p:sldId id="278" r:id="rId20"/>
-    <p:sldId id="268" r:id="rId21"/>
-    <p:sldId id="279" r:id="rId22"/>
-    <p:sldId id="280" r:id="rId23"/>
-    <p:sldId id="269" r:id="rId24"/>
-    <p:sldId id="281" r:id="rId25"/>
-    <p:sldId id="270" r:id="rId26"/>
+    <p:sldId id="282" r:id="rId4"/>
+    <p:sldId id="258" r:id="rId5"/>
+    <p:sldId id="260" r:id="rId6"/>
+    <p:sldId id="261" r:id="rId7"/>
+    <p:sldId id="259" r:id="rId8"/>
+    <p:sldId id="263" r:id="rId9"/>
+    <p:sldId id="264" r:id="rId10"/>
+    <p:sldId id="274" r:id="rId11"/>
+    <p:sldId id="265" r:id="rId12"/>
+    <p:sldId id="273" r:id="rId13"/>
+    <p:sldId id="266" r:id="rId14"/>
+    <p:sldId id="277" r:id="rId15"/>
+    <p:sldId id="276" r:id="rId16"/>
+    <p:sldId id="275" r:id="rId17"/>
+    <p:sldId id="267" r:id="rId18"/>
+    <p:sldId id="271" r:id="rId19"/>
+    <p:sldId id="272" r:id="rId20"/>
+    <p:sldId id="278" r:id="rId21"/>
+    <p:sldId id="268" r:id="rId22"/>
+    <p:sldId id="279" r:id="rId23"/>
+    <p:sldId id="280" r:id="rId24"/>
+    <p:sldId id="269" r:id="rId25"/>
+    <p:sldId id="281" r:id="rId26"/>
+    <p:sldId id="270" r:id="rId27"/>
   </p:sldIdLst>
   <p:sldSz cx="12192000" cy="6858000"/>
   <p:notesSz cx="6858000" cy="9144000"/>
@@ -128,6 +129,11 @@
       </a:defRPr>
     </a:lvl9pPr>
   </p:defaultTextStyle>
+  <p:extLst>
+    <p:ext uri="{EFAFB233-063F-42B5-8137-9DF3F51BA10A}">
+      <p15:sldGuideLst xmlns:p15="http://schemas.microsoft.com/office/powerpoint/2012/main"/>
+    </p:ext>
+  </p:extLst>
 </p:presentation>
 </file>
 
@@ -262,7 +268,7 @@
           <a:p>
             <a:fld id="{CAA94819-728F-480F-A909-E4598EC91444}" type="datetimeFigureOut">
               <a:rPr lang="en-GB" smtClean="0"/>
-              <a:t>14/10/2022</a:t>
+              <a:t>17/10/2022</a:t>
             </a:fld>
             <a:endParaRPr lang="en-GB"/>
           </a:p>
@@ -432,7 +438,7 @@
           <a:p>
             <a:fld id="{CAA94819-728F-480F-A909-E4598EC91444}" type="datetimeFigureOut">
               <a:rPr lang="en-GB" smtClean="0"/>
-              <a:t>14/10/2022</a:t>
+              <a:t>17/10/2022</a:t>
             </a:fld>
             <a:endParaRPr lang="en-GB"/>
           </a:p>
@@ -612,7 +618,7 @@
           <a:p>
             <a:fld id="{CAA94819-728F-480F-A909-E4598EC91444}" type="datetimeFigureOut">
               <a:rPr lang="en-GB" smtClean="0"/>
-              <a:t>14/10/2022</a:t>
+              <a:t>17/10/2022</a:t>
             </a:fld>
             <a:endParaRPr lang="en-GB"/>
           </a:p>
@@ -782,7 +788,7 @@
           <a:p>
             <a:fld id="{CAA94819-728F-480F-A909-E4598EC91444}" type="datetimeFigureOut">
               <a:rPr lang="en-GB" smtClean="0"/>
-              <a:t>14/10/2022</a:t>
+              <a:t>17/10/2022</a:t>
             </a:fld>
             <a:endParaRPr lang="en-GB"/>
           </a:p>
@@ -1028,7 +1034,7 @@
           <a:p>
             <a:fld id="{CAA94819-728F-480F-A909-E4598EC91444}" type="datetimeFigureOut">
               <a:rPr lang="en-GB" smtClean="0"/>
-              <a:t>14/10/2022</a:t>
+              <a:t>17/10/2022</a:t>
             </a:fld>
             <a:endParaRPr lang="en-GB"/>
           </a:p>
@@ -1260,7 +1266,7 @@
           <a:p>
             <a:fld id="{CAA94819-728F-480F-A909-E4598EC91444}" type="datetimeFigureOut">
               <a:rPr lang="en-GB" smtClean="0"/>
-              <a:t>14/10/2022</a:t>
+              <a:t>17/10/2022</a:t>
             </a:fld>
             <a:endParaRPr lang="en-GB"/>
           </a:p>
@@ -1627,7 +1633,7 @@
           <a:p>
             <a:fld id="{CAA94819-728F-480F-A909-E4598EC91444}" type="datetimeFigureOut">
               <a:rPr lang="en-GB" smtClean="0"/>
-              <a:t>14/10/2022</a:t>
+              <a:t>17/10/2022</a:t>
             </a:fld>
             <a:endParaRPr lang="en-GB"/>
           </a:p>
@@ -1745,7 +1751,7 @@
           <a:p>
             <a:fld id="{CAA94819-728F-480F-A909-E4598EC91444}" type="datetimeFigureOut">
               <a:rPr lang="en-GB" smtClean="0"/>
-              <a:t>14/10/2022</a:t>
+              <a:t>17/10/2022</a:t>
             </a:fld>
             <a:endParaRPr lang="en-GB"/>
           </a:p>
@@ -1840,7 +1846,7 @@
           <a:p>
             <a:fld id="{CAA94819-728F-480F-A909-E4598EC91444}" type="datetimeFigureOut">
               <a:rPr lang="en-GB" smtClean="0"/>
-              <a:t>14/10/2022</a:t>
+              <a:t>17/10/2022</a:t>
             </a:fld>
             <a:endParaRPr lang="en-GB"/>
           </a:p>
@@ -2117,7 +2123,7 @@
           <a:p>
             <a:fld id="{CAA94819-728F-480F-A909-E4598EC91444}" type="datetimeFigureOut">
               <a:rPr lang="en-GB" smtClean="0"/>
-              <a:t>14/10/2022</a:t>
+              <a:t>17/10/2022</a:t>
             </a:fld>
             <a:endParaRPr lang="en-GB"/>
           </a:p>
@@ -2374,7 +2380,7 @@
           <a:p>
             <a:fld id="{CAA94819-728F-480F-A909-E4598EC91444}" type="datetimeFigureOut">
               <a:rPr lang="en-GB" smtClean="0"/>
-              <a:t>14/10/2022</a:t>
+              <a:t>17/10/2022</a:t>
             </a:fld>
             <a:endParaRPr lang="en-GB"/>
           </a:p>
@@ -2585,7 +2591,7 @@
           <a:p>
             <a:fld id="{CAA94819-728F-480F-A909-E4598EC91444}" type="datetimeFigureOut">
               <a:rPr lang="en-GB" smtClean="0"/>
-              <a:t>14/10/2022</a:t>
+              <a:t>17/10/2022</a:t>
             </a:fld>
             <a:endParaRPr lang="en-GB"/>
           </a:p>
@@ -2666,6 +2672,54 @@
               <a:t>‹#›</a:t>
             </a:fld>
             <a:endParaRPr lang="en-GB"/>
+          </a:p>
+        </p:txBody>
+      </p:sp>
+      <p:sp>
+        <p:nvSpPr>
+          <p:cNvPr id="7" name="MSIPCMContentMarking" descr="{&quot;HashCode&quot;:1004647920,&quot;Placement&quot;:&quot;Footer&quot;,&quot;Top&quot;:519.343,&quot;Left&quot;:0.0,&quot;SlideWidth&quot;:960,&quot;SlideHeight&quot;:540}">
+            <a:extLst>
+              <a:ext uri="{FF2B5EF4-FFF2-40B4-BE49-F238E27FC236}">
+                <a16:creationId xmlns:a16="http://schemas.microsoft.com/office/drawing/2014/main" id="{A11C2C7D-BC57-8234-A1E2-BCC70D47A289}"/>
+              </a:ext>
+            </a:extLst>
+          </p:cNvPr>
+          <p:cNvSpPr txBox="1"/>
+          <p:nvPr userDrawn="1"/>
+        </p:nvSpPr>
+        <p:spPr>
+          <a:xfrm>
+            <a:off x="0" y="6595656"/>
+            <a:ext cx="1347219" cy="262344"/>
+          </a:xfrm>
+          <a:prstGeom prst="rect">
+            <a:avLst/>
+          </a:prstGeom>
+          <a:noFill/>
+        </p:spPr>
+        <p:txBody>
+          <a:bodyPr vert="horz" wrap="square" lIns="0" tIns="0" rIns="0" bIns="0" rtlCol="0" anchor="ctr" anchorCtr="1">
+            <a:spAutoFit/>
+          </a:bodyPr>
+          <a:lstStyle/>
+          <a:p>
+            <a:pPr algn="l">
+              <a:spcBef>
+                <a:spcPts val="0"/>
+              </a:spcBef>
+              <a:spcAft>
+                <a:spcPts val="0"/>
+              </a:spcAft>
+            </a:pPr>
+            <a:r>
+              <a:rPr lang="en-GB" sz="1000">
+                <a:solidFill>
+                  <a:srgbClr val="000000"/>
+                </a:solidFill>
+                <a:latin typeface="Calibri" panose="020F0502020204030204" pitchFamily="34" charset="0"/>
+              </a:rPr>
+              <a:t>Unrestricted - Public</a:t>
+            </a:r>
           </a:p>
         </p:txBody>
       </p:sp>
@@ -3092,6 +3146,72 @@
           <a:chExt cx="0" cy="0"/>
         </a:xfrm>
       </p:grpSpPr>
+      <p:pic>
+        <p:nvPicPr>
+          <p:cNvPr id="3" name="Picture 2">
+            <a:extLst>
+              <a:ext uri="{FF2B5EF4-FFF2-40B4-BE49-F238E27FC236}">
+                <a16:creationId xmlns:a16="http://schemas.microsoft.com/office/drawing/2014/main" id="{20278691-2C7B-9B6B-6C83-27419A65A770}"/>
+              </a:ext>
+            </a:extLst>
+          </p:cNvPr>
+          <p:cNvPicPr>
+            <a:picLocks noChangeAspect="1"/>
+          </p:cNvPicPr>
+          <p:nvPr/>
+        </p:nvPicPr>
+        <p:blipFill>
+          <a:blip r:embed="rId2">
+            <a:extLst>
+              <a:ext uri="{28A0092B-C50C-407E-A947-70E740481C1C}">
+                <a14:useLocalDpi xmlns:a14="http://schemas.microsoft.com/office/drawing/2010/main" val="0"/>
+              </a:ext>
+            </a:extLst>
+          </a:blip>
+          <a:stretch>
+            <a:fillRect/>
+          </a:stretch>
+        </p:blipFill>
+        <p:spPr>
+          <a:xfrm>
+            <a:off x="1450258" y="0"/>
+            <a:ext cx="9291484" cy="6858000"/>
+          </a:xfrm>
+          <a:prstGeom prst="rect">
+            <a:avLst/>
+          </a:prstGeom>
+        </p:spPr>
+      </p:pic>
+    </p:spTree>
+    <p:extLst>
+      <p:ext uri="{BB962C8B-B14F-4D97-AF65-F5344CB8AC3E}">
+        <p14:creationId xmlns:p14="http://schemas.microsoft.com/office/powerpoint/2010/main" val="3452205298"/>
+      </p:ext>
+    </p:extLst>
+  </p:cSld>
+  <p:clrMapOvr>
+    <a:masterClrMapping/>
+  </p:clrMapOvr>
+</p:sld>
+</file>
+
+<file path=ppt/slides/slide11.xml><?xml version="1.0" encoding="utf-8"?>
+<p:sld xmlns:a="http://schemas.openxmlformats.org/drawingml/2006/main" xmlns:r="http://schemas.openxmlformats.org/officeDocument/2006/relationships" xmlns:p="http://schemas.openxmlformats.org/presentationml/2006/main">
+  <p:cSld>
+    <p:spTree>
+      <p:nvGrpSpPr>
+        <p:cNvPr id="1" name=""/>
+        <p:cNvGrpSpPr/>
+        <p:nvPr/>
+      </p:nvGrpSpPr>
+      <p:grpSpPr>
+        <a:xfrm>
+          <a:off x="0" y="0"/>
+          <a:ext cx="0" cy="0"/>
+          <a:chOff x="0" y="0"/>
+          <a:chExt cx="0" cy="0"/>
+        </a:xfrm>
+      </p:grpSpPr>
       <p:sp>
         <p:nvSpPr>
           <p:cNvPr id="2" name="Title 1">
@@ -3158,7 +3278,7 @@
 </p:sld>
 </file>
 
-<file path=ppt/slides/slide11.xml><?xml version="1.0" encoding="utf-8"?>
+<file path=ppt/slides/slide12.xml><?xml version="1.0" encoding="utf-8"?>
 <p:sld xmlns:a="http://schemas.openxmlformats.org/drawingml/2006/main" xmlns:r="http://schemas.openxmlformats.org/officeDocument/2006/relationships" xmlns:p="http://schemas.openxmlformats.org/presentationml/2006/main">
   <p:cSld>
     <p:spTree>
@@ -3224,7 +3344,7 @@
 </p:sld>
 </file>
 
-<file path=ppt/slides/slide12.xml><?xml version="1.0" encoding="utf-8"?>
+<file path=ppt/slides/slide13.xml><?xml version="1.0" encoding="utf-8"?>
 <p:sld xmlns:a="http://schemas.openxmlformats.org/drawingml/2006/main" xmlns:r="http://schemas.openxmlformats.org/officeDocument/2006/relationships" xmlns:p="http://schemas.openxmlformats.org/presentationml/2006/main">
   <p:cSld>
     <p:spTree>
@@ -3307,7 +3427,7 @@
 </p:sld>
 </file>
 
-<file path=ppt/slides/slide13.xml><?xml version="1.0" encoding="utf-8"?>
+<file path=ppt/slides/slide14.xml><?xml version="1.0" encoding="utf-8"?>
 <p:sld xmlns:a="http://schemas.openxmlformats.org/drawingml/2006/main" xmlns:r="http://schemas.openxmlformats.org/officeDocument/2006/relationships" xmlns:p="http://schemas.openxmlformats.org/presentationml/2006/main">
   <p:cSld>
     <p:spTree>
@@ -3373,7 +3493,7 @@
 </p:sld>
 </file>
 
-<file path=ppt/slides/slide14.xml><?xml version="1.0" encoding="utf-8"?>
+<file path=ppt/slides/slide15.xml><?xml version="1.0" encoding="utf-8"?>
 <p:sld xmlns:a="http://schemas.openxmlformats.org/drawingml/2006/main" xmlns:r="http://schemas.openxmlformats.org/officeDocument/2006/relationships" xmlns:p="http://schemas.openxmlformats.org/presentationml/2006/main">
   <p:cSld>
     <p:spTree>
@@ -3456,7 +3576,7 @@
 </p:sld>
 </file>
 
-<file path=ppt/slides/slide15.xml><?xml version="1.0" encoding="utf-8"?>
+<file path=ppt/slides/slide16.xml><?xml version="1.0" encoding="utf-8"?>
 <p:sld xmlns:a="http://schemas.openxmlformats.org/drawingml/2006/main" xmlns:r="http://schemas.openxmlformats.org/officeDocument/2006/relationships" xmlns:p="http://schemas.openxmlformats.org/presentationml/2006/main">
   <p:cSld>
     <p:spTree>
@@ -3522,89 +3642,6 @@
 </p:sld>
 </file>
 
-<file path=ppt/slides/slide16.xml><?xml version="1.0" encoding="utf-8"?>
-<p:sld xmlns:a="http://schemas.openxmlformats.org/drawingml/2006/main" xmlns:r="http://schemas.openxmlformats.org/officeDocument/2006/relationships" xmlns:p="http://schemas.openxmlformats.org/presentationml/2006/main">
-  <p:cSld>
-    <p:spTree>
-      <p:nvGrpSpPr>
-        <p:cNvPr id="1" name=""/>
-        <p:cNvGrpSpPr/>
-        <p:nvPr/>
-      </p:nvGrpSpPr>
-      <p:grpSpPr>
-        <a:xfrm>
-          <a:off x="0" y="0"/>
-          <a:ext cx="0" cy="0"/>
-          <a:chOff x="0" y="0"/>
-          <a:chExt cx="0" cy="0"/>
-        </a:xfrm>
-      </p:grpSpPr>
-      <p:sp>
-        <p:nvSpPr>
-          <p:cNvPr id="2" name="Title 1">
-            <a:extLst>
-              <a:ext uri="{FF2B5EF4-FFF2-40B4-BE49-F238E27FC236}">
-                <a16:creationId xmlns:a16="http://schemas.microsoft.com/office/drawing/2014/main" id="{F881F197-D92A-5587-514A-AE6EA11B47F2}"/>
-              </a:ext>
-            </a:extLst>
-          </p:cNvPr>
-          <p:cNvSpPr>
-            <a:spLocks noGrp="1"/>
-          </p:cNvSpPr>
-          <p:nvPr>
-            <p:ph type="title"/>
-          </p:nvPr>
-        </p:nvSpPr>
-        <p:spPr/>
-        <p:txBody>
-          <a:bodyPr/>
-          <a:lstStyle/>
-          <a:p>
-            <a:r>
-              <a:rPr lang="en-GB" dirty="0"/>
-              <a:t>Requests</a:t>
-            </a:r>
-          </a:p>
-        </p:txBody>
-      </p:sp>
-      <p:sp>
-        <p:nvSpPr>
-          <p:cNvPr id="3" name="Text Placeholder 2">
-            <a:extLst>
-              <a:ext uri="{FF2B5EF4-FFF2-40B4-BE49-F238E27FC236}">
-                <a16:creationId xmlns:a16="http://schemas.microsoft.com/office/drawing/2014/main" id="{68BD869B-2C74-3285-8002-08C7D0ADF9A0}"/>
-              </a:ext>
-            </a:extLst>
-          </p:cNvPr>
-          <p:cNvSpPr>
-            <a:spLocks noGrp="1"/>
-          </p:cNvSpPr>
-          <p:nvPr>
-            <p:ph type="body" idx="1"/>
-          </p:nvPr>
-        </p:nvSpPr>
-        <p:spPr/>
-        <p:txBody>
-          <a:bodyPr/>
-          <a:lstStyle/>
-          <a:p>
-            <a:endParaRPr lang="en-GB"/>
-          </a:p>
-        </p:txBody>
-      </p:sp>
-    </p:spTree>
-    <p:extLst>
-      <p:ext uri="{BB962C8B-B14F-4D97-AF65-F5344CB8AC3E}">
-        <p14:creationId xmlns:p14="http://schemas.microsoft.com/office/powerpoint/2010/main" val="3718225382"/>
-      </p:ext>
-    </p:extLst>
-  </p:cSld>
-  <p:clrMapOvr>
-    <a:masterClrMapping/>
-  </p:clrMapOvr>
-</p:sld>
-</file>
-
 <file path=ppt/slides/slide17.xml><?xml version="1.0" encoding="utf-8"?>
 <p:sld xmlns:a="http://schemas.openxmlformats.org/drawingml/2006/main" xmlns:r="http://schemas.openxmlformats.org/officeDocument/2006/relationships" xmlns:p="http://schemas.openxmlformats.org/presentationml/2006/main">
   <p:cSld>
@@ -3627,7 +3664,7 @@
           <p:cNvPr id="2" name="Title 1">
             <a:extLst>
               <a:ext uri="{FF2B5EF4-FFF2-40B4-BE49-F238E27FC236}">
-                <a16:creationId xmlns:a16="http://schemas.microsoft.com/office/drawing/2014/main" id="{B33D1E5F-D66B-7876-C363-1BA90D8996F0}"/>
+                <a16:creationId xmlns:a16="http://schemas.microsoft.com/office/drawing/2014/main" id="{F881F197-D92A-5587-514A-AE6EA11B47F2}"/>
               </a:ext>
             </a:extLst>
           </p:cNvPr>
@@ -3645,17 +3682,17 @@
           <a:p>
             <a:r>
               <a:rPr lang="en-GB" dirty="0"/>
-              <a:t>Components</a:t>
-            </a:r>
-          </a:p>
-        </p:txBody>
-      </p:sp>
-      <p:sp>
-        <p:nvSpPr>
-          <p:cNvPr id="3" name="Content Placeholder 2">
+              <a:t>Requests</a:t>
+            </a:r>
+          </a:p>
+        </p:txBody>
+      </p:sp>
+      <p:sp>
+        <p:nvSpPr>
+          <p:cNvPr id="3" name="Text Placeholder 2">
             <a:extLst>
               <a:ext uri="{FF2B5EF4-FFF2-40B4-BE49-F238E27FC236}">
-                <a16:creationId xmlns:a16="http://schemas.microsoft.com/office/drawing/2014/main" id="{8A2AA6D6-83A8-7AFF-1C05-0AA103E996DF}"/>
+                <a16:creationId xmlns:a16="http://schemas.microsoft.com/office/drawing/2014/main" id="{68BD869B-2C74-3285-8002-08C7D0ADF9A0}"/>
               </a:ext>
             </a:extLst>
           </p:cNvPr>
@@ -3663,81 +3700,22 @@
             <a:spLocks noGrp="1"/>
           </p:cNvSpPr>
           <p:nvPr>
-            <p:ph idx="1"/>
-          </p:nvPr>
-        </p:nvSpPr>
-        <p:spPr/>
-        <p:txBody>
-          <a:bodyPr>
-            <a:normAutofit lnSpcReduction="10000"/>
-          </a:bodyPr>
-          <a:lstStyle/>
-          <a:p>
-            <a:r>
-              <a:rPr lang="en-GB" dirty="0"/>
-              <a:t>schemas</a:t>
-            </a:r>
-          </a:p>
-          <a:p>
-            <a:r>
-              <a:rPr lang="en-GB" dirty="0"/>
-              <a:t>responses</a:t>
-            </a:r>
-          </a:p>
-          <a:p>
-            <a:r>
-              <a:rPr lang="en-GB" dirty="0" err="1"/>
-              <a:t>requestBodies</a:t>
-            </a:r>
-            <a:endParaRPr lang="en-GB" dirty="0"/>
-          </a:p>
-          <a:p>
-            <a:r>
-              <a:rPr lang="en-GB" dirty="0"/>
-              <a:t>parameters</a:t>
-            </a:r>
-          </a:p>
-          <a:p>
-            <a:r>
-              <a:rPr lang="en-GB" dirty="0"/>
-              <a:t>headers</a:t>
-            </a:r>
-          </a:p>
-          <a:p>
-            <a:r>
-              <a:rPr lang="en-GB" dirty="0" err="1"/>
-              <a:t>securitySchemes</a:t>
-            </a:r>
-            <a:endParaRPr lang="en-GB" dirty="0"/>
-          </a:p>
-          <a:p>
-            <a:r>
-              <a:rPr lang="en-GB" dirty="0"/>
-              <a:t>examples</a:t>
-            </a:r>
-          </a:p>
-          <a:p>
-            <a:r>
-              <a:rPr lang="en-GB" dirty="0"/>
-              <a:t>links</a:t>
-            </a:r>
-          </a:p>
-          <a:p>
-            <a:r>
-              <a:rPr lang="en-GB" dirty="0" err="1"/>
-              <a:t>callbacks</a:t>
-            </a:r>
-            <a:endParaRPr lang="en-GB" dirty="0"/>
-          </a:p>
-          <a:p>
-            <a:endParaRPr lang="en-GB" dirty="0"/>
+            <p:ph type="body" idx="1"/>
+          </p:nvPr>
+        </p:nvSpPr>
+        <p:spPr/>
+        <p:txBody>
+          <a:bodyPr/>
+          <a:lstStyle/>
+          <a:p>
+            <a:endParaRPr lang="en-GB"/>
           </a:p>
         </p:txBody>
       </p:sp>
     </p:spTree>
     <p:extLst>
       <p:ext uri="{BB962C8B-B14F-4D97-AF65-F5344CB8AC3E}">
-        <p14:creationId xmlns:p14="http://schemas.microsoft.com/office/powerpoint/2010/main" val="2550684943"/>
+        <p14:creationId xmlns:p14="http://schemas.microsoft.com/office/powerpoint/2010/main" val="3718225382"/>
       </p:ext>
     </p:extLst>
   </p:cSld>
@@ -3769,7 +3747,7 @@
           <p:cNvPr id="2" name="Title 1">
             <a:extLst>
               <a:ext uri="{FF2B5EF4-FFF2-40B4-BE49-F238E27FC236}">
-                <a16:creationId xmlns:a16="http://schemas.microsoft.com/office/drawing/2014/main" id="{C28B94A2-9E9A-E136-741D-D279A3BCBF17}"/>
+                <a16:creationId xmlns:a16="http://schemas.microsoft.com/office/drawing/2014/main" id="{B33D1E5F-D66B-7876-C363-1BA90D8996F0}"/>
               </a:ext>
             </a:extLst>
           </p:cNvPr>
@@ -3787,50 +3765,99 @@
           <a:p>
             <a:r>
               <a:rPr lang="en-GB" dirty="0"/>
-              <a:t>References</a:t>
-            </a:r>
-          </a:p>
-        </p:txBody>
-      </p:sp>
-      <p:pic>
-        <p:nvPicPr>
-          <p:cNvPr id="5" name="Content Placeholder 4">
+              <a:t>Components</a:t>
+            </a:r>
+          </a:p>
+        </p:txBody>
+      </p:sp>
+      <p:sp>
+        <p:nvSpPr>
+          <p:cNvPr id="3" name="Content Placeholder 2">
             <a:extLst>
               <a:ext uri="{FF2B5EF4-FFF2-40B4-BE49-F238E27FC236}">
-                <a16:creationId xmlns:a16="http://schemas.microsoft.com/office/drawing/2014/main" id="{B3EFE1B1-663B-B811-1BE5-12F92073DC59}"/>
+                <a16:creationId xmlns:a16="http://schemas.microsoft.com/office/drawing/2014/main" id="{8A2AA6D6-83A8-7AFF-1C05-0AA103E996DF}"/>
               </a:ext>
             </a:extLst>
           </p:cNvPr>
-          <p:cNvPicPr>
-            <a:picLocks noGrp="1" noChangeAspect="1"/>
-          </p:cNvPicPr>
+          <p:cNvSpPr>
+            <a:spLocks noGrp="1"/>
+          </p:cNvSpPr>
           <p:nvPr>
             <p:ph idx="1"/>
           </p:nvPr>
-        </p:nvPicPr>
-        <p:blipFill>
-          <a:blip r:embed="rId2">
-            <a:extLst>
-              <a:ext uri="{28A0092B-C50C-407E-A947-70E740481C1C}">
-                <a14:useLocalDpi xmlns:a14="http://schemas.microsoft.com/office/drawing/2010/main" val="0"/>
-              </a:ext>
-            </a:extLst>
-          </a:blip>
-          <a:stretch>
-            <a:fillRect/>
-          </a:stretch>
-        </p:blipFill>
-        <p:spPr>
-          <a:xfrm>
-            <a:off x="3234118" y="1825625"/>
-            <a:ext cx="5723764" cy="4351338"/>
-          </a:xfrm>
-        </p:spPr>
-      </p:pic>
+        </p:nvSpPr>
+        <p:spPr/>
+        <p:txBody>
+          <a:bodyPr>
+            <a:normAutofit lnSpcReduction="10000"/>
+          </a:bodyPr>
+          <a:lstStyle/>
+          <a:p>
+            <a:r>
+              <a:rPr lang="en-GB" dirty="0"/>
+              <a:t>schemas</a:t>
+            </a:r>
+          </a:p>
+          <a:p>
+            <a:r>
+              <a:rPr lang="en-GB" dirty="0"/>
+              <a:t>responses</a:t>
+            </a:r>
+          </a:p>
+          <a:p>
+            <a:r>
+              <a:rPr lang="en-GB" dirty="0" err="1"/>
+              <a:t>requestBodies</a:t>
+            </a:r>
+            <a:endParaRPr lang="en-GB" dirty="0"/>
+          </a:p>
+          <a:p>
+            <a:r>
+              <a:rPr lang="en-GB" dirty="0"/>
+              <a:t>parameters</a:t>
+            </a:r>
+          </a:p>
+          <a:p>
+            <a:r>
+              <a:rPr lang="en-GB" dirty="0"/>
+              <a:t>headers</a:t>
+            </a:r>
+          </a:p>
+          <a:p>
+            <a:r>
+              <a:rPr lang="en-GB" dirty="0" err="1"/>
+              <a:t>securitySchemes</a:t>
+            </a:r>
+            <a:endParaRPr lang="en-GB" dirty="0"/>
+          </a:p>
+          <a:p>
+            <a:r>
+              <a:rPr lang="en-GB" dirty="0"/>
+              <a:t>examples</a:t>
+            </a:r>
+          </a:p>
+          <a:p>
+            <a:r>
+              <a:rPr lang="en-GB" dirty="0"/>
+              <a:t>links</a:t>
+            </a:r>
+          </a:p>
+          <a:p>
+            <a:r>
+              <a:rPr lang="en-GB" dirty="0" err="1"/>
+              <a:t>callbacks</a:t>
+            </a:r>
+            <a:endParaRPr lang="en-GB" dirty="0"/>
+          </a:p>
+          <a:p>
+            <a:endParaRPr lang="en-GB" dirty="0"/>
+          </a:p>
+        </p:txBody>
+      </p:sp>
     </p:spTree>
     <p:extLst>
       <p:ext uri="{BB962C8B-B14F-4D97-AF65-F5344CB8AC3E}">
-        <p14:creationId xmlns:p14="http://schemas.microsoft.com/office/powerpoint/2010/main" val="836469107"/>
+        <p14:creationId xmlns:p14="http://schemas.microsoft.com/office/powerpoint/2010/main" val="2550684943"/>
       </p:ext>
     </p:extLst>
   </p:cSld>
@@ -3857,19 +3884,49 @@
           <a:chExt cx="0" cy="0"/>
         </a:xfrm>
       </p:grpSpPr>
+      <p:sp>
+        <p:nvSpPr>
+          <p:cNvPr id="2" name="Title 1">
+            <a:extLst>
+              <a:ext uri="{FF2B5EF4-FFF2-40B4-BE49-F238E27FC236}">
+                <a16:creationId xmlns:a16="http://schemas.microsoft.com/office/drawing/2014/main" id="{C28B94A2-9E9A-E136-741D-D279A3BCBF17}"/>
+              </a:ext>
+            </a:extLst>
+          </p:cNvPr>
+          <p:cNvSpPr>
+            <a:spLocks noGrp="1"/>
+          </p:cNvSpPr>
+          <p:nvPr>
+            <p:ph type="title"/>
+          </p:nvPr>
+        </p:nvSpPr>
+        <p:spPr/>
+        <p:txBody>
+          <a:bodyPr/>
+          <a:lstStyle/>
+          <a:p>
+            <a:r>
+              <a:rPr lang="en-GB" dirty="0"/>
+              <a:t>References</a:t>
+            </a:r>
+          </a:p>
+        </p:txBody>
+      </p:sp>
       <p:pic>
         <p:nvPicPr>
-          <p:cNvPr id="5" name="Picture 4">
+          <p:cNvPr id="5" name="Content Placeholder 4">
             <a:extLst>
               <a:ext uri="{FF2B5EF4-FFF2-40B4-BE49-F238E27FC236}">
-                <a16:creationId xmlns:a16="http://schemas.microsoft.com/office/drawing/2014/main" id="{14676D03-CD9F-73CD-7024-A758CDF0DF4B}"/>
+                <a16:creationId xmlns:a16="http://schemas.microsoft.com/office/drawing/2014/main" id="{B3EFE1B1-663B-B811-1BE5-12F92073DC59}"/>
               </a:ext>
             </a:extLst>
           </p:cNvPr>
           <p:cNvPicPr>
-            <a:picLocks noChangeAspect="1"/>
+            <a:picLocks noGrp="1" noChangeAspect="1"/>
           </p:cNvPicPr>
-          <p:nvPr/>
+          <p:nvPr>
+            <p:ph idx="1"/>
+          </p:nvPr>
         </p:nvPicPr>
         <p:blipFill>
           <a:blip r:embed="rId2">
@@ -3885,18 +3942,15 @@
         </p:blipFill>
         <p:spPr>
           <a:xfrm>
-            <a:off x="1585481" y="0"/>
-            <a:ext cx="9021037" cy="6858000"/>
+            <a:off x="3234118" y="1825625"/>
+            <a:ext cx="5723764" cy="4351338"/>
           </a:xfrm>
-          <a:prstGeom prst="rect">
-            <a:avLst/>
-          </a:prstGeom>
         </p:spPr>
       </p:pic>
     </p:spTree>
     <p:extLst>
       <p:ext uri="{BB962C8B-B14F-4D97-AF65-F5344CB8AC3E}">
-        <p14:creationId xmlns:p14="http://schemas.microsoft.com/office/powerpoint/2010/main" val="1236137089"/>
+        <p14:creationId xmlns:p14="http://schemas.microsoft.com/office/powerpoint/2010/main" val="836469107"/>
       </p:ext>
     </p:extLst>
   </p:cSld>
@@ -4021,63 +4075,46 @@
           <a:chExt cx="0" cy="0"/>
         </a:xfrm>
       </p:grpSpPr>
-      <p:sp>
-        <p:nvSpPr>
-          <p:cNvPr id="2" name="Title 1">
+      <p:pic>
+        <p:nvPicPr>
+          <p:cNvPr id="5" name="Picture 4">
             <a:extLst>
               <a:ext uri="{FF2B5EF4-FFF2-40B4-BE49-F238E27FC236}">
-                <a16:creationId xmlns:a16="http://schemas.microsoft.com/office/drawing/2014/main" id="{787A6BFD-B42C-E42B-054B-EFA0989B5BEC}"/>
+                <a16:creationId xmlns:a16="http://schemas.microsoft.com/office/drawing/2014/main" id="{14676D03-CD9F-73CD-7024-A758CDF0DF4B}"/>
               </a:ext>
             </a:extLst>
           </p:cNvPr>
-          <p:cNvSpPr>
-            <a:spLocks noGrp="1"/>
-          </p:cNvSpPr>
-          <p:nvPr>
-            <p:ph type="title"/>
-          </p:nvPr>
-        </p:nvSpPr>
-        <p:spPr/>
-        <p:txBody>
-          <a:bodyPr/>
-          <a:lstStyle/>
-          <a:p>
-            <a:r>
-              <a:rPr lang="en-GB" dirty="0"/>
-              <a:t>Security</a:t>
-            </a:r>
-          </a:p>
-        </p:txBody>
-      </p:sp>
-      <p:sp>
-        <p:nvSpPr>
-          <p:cNvPr id="3" name="Text Placeholder 2">
-            <a:extLst>
-              <a:ext uri="{FF2B5EF4-FFF2-40B4-BE49-F238E27FC236}">
-                <a16:creationId xmlns:a16="http://schemas.microsoft.com/office/drawing/2014/main" id="{6DDA6758-E10D-5B4C-E3F3-303B0E768AA4}"/>
-              </a:ext>
-            </a:extLst>
-          </p:cNvPr>
-          <p:cNvSpPr>
-            <a:spLocks noGrp="1"/>
-          </p:cNvSpPr>
-          <p:nvPr>
-            <p:ph type="body" idx="1"/>
-          </p:nvPr>
-        </p:nvSpPr>
-        <p:spPr/>
-        <p:txBody>
-          <a:bodyPr/>
-          <a:lstStyle/>
-          <a:p>
-            <a:endParaRPr lang="en-GB"/>
-          </a:p>
-        </p:txBody>
-      </p:sp>
+          <p:cNvPicPr>
+            <a:picLocks noChangeAspect="1"/>
+          </p:cNvPicPr>
+          <p:nvPr/>
+        </p:nvPicPr>
+        <p:blipFill>
+          <a:blip r:embed="rId2">
+            <a:extLst>
+              <a:ext uri="{28A0092B-C50C-407E-A947-70E740481C1C}">
+                <a14:useLocalDpi xmlns:a14="http://schemas.microsoft.com/office/drawing/2010/main" val="0"/>
+              </a:ext>
+            </a:extLst>
+          </a:blip>
+          <a:stretch>
+            <a:fillRect/>
+          </a:stretch>
+        </p:blipFill>
+        <p:spPr>
+          <a:xfrm>
+            <a:off x="1585481" y="0"/>
+            <a:ext cx="9021037" cy="6858000"/>
+          </a:xfrm>
+          <a:prstGeom prst="rect">
+            <a:avLst/>
+          </a:prstGeom>
+        </p:spPr>
+      </p:pic>
     </p:spTree>
     <p:extLst>
       <p:ext uri="{BB962C8B-B14F-4D97-AF65-F5344CB8AC3E}">
-        <p14:creationId xmlns:p14="http://schemas.microsoft.com/office/powerpoint/2010/main" val="4241548109"/>
+        <p14:creationId xmlns:p14="http://schemas.microsoft.com/office/powerpoint/2010/main" val="1236137089"/>
       </p:ext>
     </p:extLst>
   </p:cSld>
@@ -4109,6 +4146,89 @@
           <p:cNvPr id="2" name="Title 1">
             <a:extLst>
               <a:ext uri="{FF2B5EF4-FFF2-40B4-BE49-F238E27FC236}">
+                <a16:creationId xmlns:a16="http://schemas.microsoft.com/office/drawing/2014/main" id="{787A6BFD-B42C-E42B-054B-EFA0989B5BEC}"/>
+              </a:ext>
+            </a:extLst>
+          </p:cNvPr>
+          <p:cNvSpPr>
+            <a:spLocks noGrp="1"/>
+          </p:cNvSpPr>
+          <p:nvPr>
+            <p:ph type="title"/>
+          </p:nvPr>
+        </p:nvSpPr>
+        <p:spPr/>
+        <p:txBody>
+          <a:bodyPr/>
+          <a:lstStyle/>
+          <a:p>
+            <a:r>
+              <a:rPr lang="en-GB" dirty="0"/>
+              <a:t>Security</a:t>
+            </a:r>
+          </a:p>
+        </p:txBody>
+      </p:sp>
+      <p:sp>
+        <p:nvSpPr>
+          <p:cNvPr id="3" name="Text Placeholder 2">
+            <a:extLst>
+              <a:ext uri="{FF2B5EF4-FFF2-40B4-BE49-F238E27FC236}">
+                <a16:creationId xmlns:a16="http://schemas.microsoft.com/office/drawing/2014/main" id="{6DDA6758-E10D-5B4C-E3F3-303B0E768AA4}"/>
+              </a:ext>
+            </a:extLst>
+          </p:cNvPr>
+          <p:cNvSpPr>
+            <a:spLocks noGrp="1"/>
+          </p:cNvSpPr>
+          <p:nvPr>
+            <p:ph type="body" idx="1"/>
+          </p:nvPr>
+        </p:nvSpPr>
+        <p:spPr/>
+        <p:txBody>
+          <a:bodyPr/>
+          <a:lstStyle/>
+          <a:p>
+            <a:endParaRPr lang="en-GB"/>
+          </a:p>
+        </p:txBody>
+      </p:sp>
+    </p:spTree>
+    <p:extLst>
+      <p:ext uri="{BB962C8B-B14F-4D97-AF65-F5344CB8AC3E}">
+        <p14:creationId xmlns:p14="http://schemas.microsoft.com/office/powerpoint/2010/main" val="4241548109"/>
+      </p:ext>
+    </p:extLst>
+  </p:cSld>
+  <p:clrMapOvr>
+    <a:masterClrMapping/>
+  </p:clrMapOvr>
+</p:sld>
+</file>
+
+<file path=ppt/slides/slide22.xml><?xml version="1.0" encoding="utf-8"?>
+<p:sld xmlns:a="http://schemas.openxmlformats.org/drawingml/2006/main" xmlns:r="http://schemas.openxmlformats.org/officeDocument/2006/relationships" xmlns:p="http://schemas.openxmlformats.org/presentationml/2006/main">
+  <p:cSld>
+    <p:spTree>
+      <p:nvGrpSpPr>
+        <p:cNvPr id="1" name=""/>
+        <p:cNvGrpSpPr/>
+        <p:nvPr/>
+      </p:nvGrpSpPr>
+      <p:grpSpPr>
+        <a:xfrm>
+          <a:off x="0" y="0"/>
+          <a:ext cx="0" cy="0"/>
+          <a:chOff x="0" y="0"/>
+          <a:chExt cx="0" cy="0"/>
+        </a:xfrm>
+      </p:grpSpPr>
+      <p:sp>
+        <p:nvSpPr>
+          <p:cNvPr id="2" name="Title 1">
+            <a:extLst>
+              <a:ext uri="{FF2B5EF4-FFF2-40B4-BE49-F238E27FC236}">
                 <a16:creationId xmlns:a16="http://schemas.microsoft.com/office/drawing/2014/main" id="{3FE8459F-EB23-263C-3E56-239970E55B52}"/>
               </a:ext>
             </a:extLst>
@@ -4178,7 +4298,7 @@
 </p:sld>
 </file>
 
-<file path=ppt/slides/slide22.xml><?xml version="1.0" encoding="utf-8"?>
+<file path=ppt/slides/slide23.xml><?xml version="1.0" encoding="utf-8"?>
 <p:sld xmlns:a="http://schemas.openxmlformats.org/drawingml/2006/main" xmlns:r="http://schemas.openxmlformats.org/officeDocument/2006/relationships" xmlns:p="http://schemas.openxmlformats.org/presentationml/2006/main">
   <p:cSld>
     <p:spTree>
@@ -4244,7 +4364,7 @@
 </p:sld>
 </file>
 
-<file path=ppt/slides/slide23.xml><?xml version="1.0" encoding="utf-8"?>
+<file path=ppt/slides/slide24.xml><?xml version="1.0" encoding="utf-8"?>
 <p:sld xmlns:a="http://schemas.openxmlformats.org/drawingml/2006/main" xmlns:r="http://schemas.openxmlformats.org/officeDocument/2006/relationships" xmlns:p="http://schemas.openxmlformats.org/presentationml/2006/main">
   <p:cSld>
     <p:spTree>
@@ -4480,7 +4600,7 @@
 </p:sld>
 </file>
 
-<file path=ppt/slides/slide24.xml><?xml version="1.0" encoding="utf-8"?>
+<file path=ppt/slides/slide25.xml><?xml version="1.0" encoding="utf-8"?>
 <p:sld xmlns:a="http://schemas.openxmlformats.org/drawingml/2006/main" xmlns:r="http://schemas.openxmlformats.org/officeDocument/2006/relationships" xmlns:p="http://schemas.openxmlformats.org/presentationml/2006/main">
   <p:cSld>
     <p:spTree>
@@ -4573,7 +4693,7 @@
 </p:sld>
 </file>
 
-<file path=ppt/slides/slide25.xml><?xml version="1.0" encoding="utf-8"?>
+<file path=ppt/slides/slide26.xml><?xml version="1.0" encoding="utf-8"?>
 <p:sld xmlns:a="http://schemas.openxmlformats.org/drawingml/2006/main" xmlns:r="http://schemas.openxmlformats.org/officeDocument/2006/relationships" xmlns:p="http://schemas.openxmlformats.org/presentationml/2006/main">
   <p:cSld>
     <p:spTree>
@@ -4739,6 +4859,104 @@
           <p:cNvPr id="2" name="Title 1">
             <a:extLst>
               <a:ext uri="{FF2B5EF4-FFF2-40B4-BE49-F238E27FC236}">
+                <a16:creationId xmlns:a16="http://schemas.microsoft.com/office/drawing/2014/main" id="{CFB46E0B-2E84-CC69-2AC9-036C69EC152B}"/>
+              </a:ext>
+            </a:extLst>
+          </p:cNvPr>
+          <p:cNvSpPr>
+            <a:spLocks noGrp="1"/>
+          </p:cNvSpPr>
+          <p:nvPr>
+            <p:ph type="title"/>
+          </p:nvPr>
+        </p:nvSpPr>
+        <p:spPr/>
+        <p:txBody>
+          <a:bodyPr/>
+          <a:lstStyle/>
+          <a:p>
+            <a:r>
+              <a:rPr lang="en-GB" dirty="0" err="1"/>
+              <a:t>OpenAPI</a:t>
+            </a:r>
+            <a:r>
+              <a:rPr lang="en-GB" dirty="0"/>
+              <a:t> in .NET</a:t>
+            </a:r>
+          </a:p>
+        </p:txBody>
+      </p:sp>
+      <p:pic>
+        <p:nvPicPr>
+          <p:cNvPr id="7" name="Picture 6" descr="Text&#10;&#10;Description automatically generated">
+            <a:extLst>
+              <a:ext uri="{FF2B5EF4-FFF2-40B4-BE49-F238E27FC236}">
+                <a16:creationId xmlns:a16="http://schemas.microsoft.com/office/drawing/2014/main" id="{076E1BC3-DA7E-7138-B3B9-A458578F93B5}"/>
+              </a:ext>
+            </a:extLst>
+          </p:cNvPr>
+          <p:cNvPicPr>
+            <a:picLocks noChangeAspect="1"/>
+          </p:cNvPicPr>
+          <p:nvPr/>
+        </p:nvPicPr>
+        <p:blipFill>
+          <a:blip r:embed="rId2">
+            <a:extLst>
+              <a:ext uri="{28A0092B-C50C-407E-A947-70E740481C1C}">
+                <a14:useLocalDpi xmlns:a14="http://schemas.microsoft.com/office/drawing/2010/main" val="0"/>
+              </a:ext>
+            </a:extLst>
+          </a:blip>
+          <a:stretch>
+            <a:fillRect/>
+          </a:stretch>
+        </p:blipFill>
+        <p:spPr>
+          <a:xfrm>
+            <a:off x="1089890" y="1027906"/>
+            <a:ext cx="10155016" cy="5979836"/>
+          </a:xfrm>
+          <a:prstGeom prst="rect">
+            <a:avLst/>
+          </a:prstGeom>
+        </p:spPr>
+      </p:pic>
+    </p:spTree>
+    <p:extLst>
+      <p:ext uri="{BB962C8B-B14F-4D97-AF65-F5344CB8AC3E}">
+        <p14:creationId xmlns:p14="http://schemas.microsoft.com/office/powerpoint/2010/main" val="1399433709"/>
+      </p:ext>
+    </p:extLst>
+  </p:cSld>
+  <p:clrMapOvr>
+    <a:masterClrMapping/>
+  </p:clrMapOvr>
+</p:sld>
+</file>
+
+<file path=ppt/slides/slide4.xml><?xml version="1.0" encoding="utf-8"?>
+<p:sld xmlns:a="http://schemas.openxmlformats.org/drawingml/2006/main" xmlns:r="http://schemas.openxmlformats.org/officeDocument/2006/relationships" xmlns:p="http://schemas.openxmlformats.org/presentationml/2006/main">
+  <p:cSld>
+    <p:spTree>
+      <p:nvGrpSpPr>
+        <p:cNvPr id="1" name=""/>
+        <p:cNvGrpSpPr/>
+        <p:nvPr/>
+      </p:nvGrpSpPr>
+      <p:grpSpPr>
+        <a:xfrm>
+          <a:off x="0" y="0"/>
+          <a:ext cx="0" cy="0"/>
+          <a:chOff x="0" y="0"/>
+          <a:chExt cx="0" cy="0"/>
+        </a:xfrm>
+      </p:grpSpPr>
+      <p:sp>
+        <p:nvSpPr>
+          <p:cNvPr id="2" name="Title 1">
+            <a:extLst>
+              <a:ext uri="{FF2B5EF4-FFF2-40B4-BE49-F238E27FC236}">
                 <a16:creationId xmlns:a16="http://schemas.microsoft.com/office/drawing/2014/main" id="{785C56BE-15F6-5C42-D5C4-4B56BBC6CFCD}"/>
               </a:ext>
             </a:extLst>
@@ -4815,7 +5033,7 @@
 </p:sld>
 </file>
 
-<file path=ppt/slides/slide4.xml><?xml version="1.0" encoding="utf-8"?>
+<file path=ppt/slides/slide5.xml><?xml version="1.0" encoding="utf-8"?>
 <p:sld xmlns:a="http://schemas.openxmlformats.org/drawingml/2006/main" xmlns:r="http://schemas.openxmlformats.org/officeDocument/2006/relationships" xmlns:p="http://schemas.openxmlformats.org/presentationml/2006/main">
   <p:cSld>
     <p:spTree>
@@ -4912,7 +5130,7 @@
 </p:sld>
 </file>
 
-<file path=ppt/slides/slide5.xml><?xml version="1.0" encoding="utf-8"?>
+<file path=ppt/slides/slide6.xml><?xml version="1.0" encoding="utf-8"?>
 <p:sld xmlns:a="http://schemas.openxmlformats.org/drawingml/2006/main" xmlns:r="http://schemas.openxmlformats.org/officeDocument/2006/relationships" xmlns:p="http://schemas.openxmlformats.org/presentationml/2006/main">
   <p:cSld>
     <p:spTree>
@@ -4989,7 +5207,7 @@
 </p:sld>
 </file>
 
-<file path=ppt/slides/slide6.xml><?xml version="1.0" encoding="utf-8"?>
+<file path=ppt/slides/slide7.xml><?xml version="1.0" encoding="utf-8"?>
 <p:sld xmlns:a="http://schemas.openxmlformats.org/drawingml/2006/main" xmlns:r="http://schemas.openxmlformats.org/officeDocument/2006/relationships" xmlns:p="http://schemas.openxmlformats.org/presentationml/2006/main">
   <p:cSld>
     <p:bg>
@@ -5074,7 +5292,7 @@
 </p:sld>
 </file>
 
-<file path=ppt/slides/slide7.xml><?xml version="1.0" encoding="utf-8"?>
+<file path=ppt/slides/slide8.xml><?xml version="1.0" encoding="utf-8"?>
 <p:sld xmlns:a="http://schemas.openxmlformats.org/drawingml/2006/main" xmlns:r="http://schemas.openxmlformats.org/officeDocument/2006/relationships" xmlns:p="http://schemas.openxmlformats.org/presentationml/2006/main">
   <p:cSld>
     <p:spTree>
@@ -5169,89 +5387,6 @@
 </p:sld>
 </file>
 
-<file path=ppt/slides/slide8.xml><?xml version="1.0" encoding="utf-8"?>
-<p:sld xmlns:a="http://schemas.openxmlformats.org/drawingml/2006/main" xmlns:r="http://schemas.openxmlformats.org/officeDocument/2006/relationships" xmlns:p="http://schemas.openxmlformats.org/presentationml/2006/main">
-  <p:cSld>
-    <p:spTree>
-      <p:nvGrpSpPr>
-        <p:cNvPr id="1" name=""/>
-        <p:cNvGrpSpPr/>
-        <p:nvPr/>
-      </p:nvGrpSpPr>
-      <p:grpSpPr>
-        <a:xfrm>
-          <a:off x="0" y="0"/>
-          <a:ext cx="0" cy="0"/>
-          <a:chOff x="0" y="0"/>
-          <a:chExt cx="0" cy="0"/>
-        </a:xfrm>
-      </p:grpSpPr>
-      <p:sp>
-        <p:nvSpPr>
-          <p:cNvPr id="2" name="Title 1">
-            <a:extLst>
-              <a:ext uri="{FF2B5EF4-FFF2-40B4-BE49-F238E27FC236}">
-                <a16:creationId xmlns:a16="http://schemas.microsoft.com/office/drawing/2014/main" id="{4EF03EDA-FD97-7B63-8C42-0AC11307F9C0}"/>
-              </a:ext>
-            </a:extLst>
-          </p:cNvPr>
-          <p:cNvSpPr>
-            <a:spLocks noGrp="1"/>
-          </p:cNvSpPr>
-          <p:nvPr>
-            <p:ph type="title"/>
-          </p:nvPr>
-        </p:nvSpPr>
-        <p:spPr/>
-        <p:txBody>
-          <a:bodyPr/>
-          <a:lstStyle/>
-          <a:p>
-            <a:r>
-              <a:rPr lang="en-GB" dirty="0"/>
-              <a:t>Paths</a:t>
-            </a:r>
-          </a:p>
-        </p:txBody>
-      </p:sp>
-      <p:sp>
-        <p:nvSpPr>
-          <p:cNvPr id="3" name="Text Placeholder 2">
-            <a:extLst>
-              <a:ext uri="{FF2B5EF4-FFF2-40B4-BE49-F238E27FC236}">
-                <a16:creationId xmlns:a16="http://schemas.microsoft.com/office/drawing/2014/main" id="{9F84FDAE-B33C-F8A9-4254-8999ACD6B548}"/>
-              </a:ext>
-            </a:extLst>
-          </p:cNvPr>
-          <p:cNvSpPr>
-            <a:spLocks noGrp="1"/>
-          </p:cNvSpPr>
-          <p:nvPr>
-            <p:ph type="body" idx="1"/>
-          </p:nvPr>
-        </p:nvSpPr>
-        <p:spPr/>
-        <p:txBody>
-          <a:bodyPr/>
-          <a:lstStyle/>
-          <a:p>
-            <a:endParaRPr lang="en-GB"/>
-          </a:p>
-        </p:txBody>
-      </p:sp>
-    </p:spTree>
-    <p:extLst>
-      <p:ext uri="{BB962C8B-B14F-4D97-AF65-F5344CB8AC3E}">
-        <p14:creationId xmlns:p14="http://schemas.microsoft.com/office/powerpoint/2010/main" val="1077859955"/>
-      </p:ext>
-    </p:extLst>
-  </p:cSld>
-  <p:clrMapOvr>
-    <a:masterClrMapping/>
-  </p:clrMapOvr>
-</p:sld>
-</file>
-
 <file path=ppt/slides/slide9.xml><?xml version="1.0" encoding="utf-8"?>
 <p:sld xmlns:a="http://schemas.openxmlformats.org/drawingml/2006/main" xmlns:r="http://schemas.openxmlformats.org/officeDocument/2006/relationships" xmlns:p="http://schemas.openxmlformats.org/presentationml/2006/main">
   <p:cSld>
@@ -5269,46 +5404,63 @@
           <a:chExt cx="0" cy="0"/>
         </a:xfrm>
       </p:grpSpPr>
-      <p:pic>
-        <p:nvPicPr>
-          <p:cNvPr id="3" name="Picture 2">
+      <p:sp>
+        <p:nvSpPr>
+          <p:cNvPr id="2" name="Title 1">
             <a:extLst>
               <a:ext uri="{FF2B5EF4-FFF2-40B4-BE49-F238E27FC236}">
-                <a16:creationId xmlns:a16="http://schemas.microsoft.com/office/drawing/2014/main" id="{20278691-2C7B-9B6B-6C83-27419A65A770}"/>
+                <a16:creationId xmlns:a16="http://schemas.microsoft.com/office/drawing/2014/main" id="{4EF03EDA-FD97-7B63-8C42-0AC11307F9C0}"/>
               </a:ext>
             </a:extLst>
           </p:cNvPr>
-          <p:cNvPicPr>
-            <a:picLocks noChangeAspect="1"/>
-          </p:cNvPicPr>
-          <p:nvPr/>
-        </p:nvPicPr>
-        <p:blipFill>
-          <a:blip r:embed="rId2">
-            <a:extLst>
-              <a:ext uri="{28A0092B-C50C-407E-A947-70E740481C1C}">
-                <a14:useLocalDpi xmlns:a14="http://schemas.microsoft.com/office/drawing/2010/main" val="0"/>
-              </a:ext>
-            </a:extLst>
-          </a:blip>
-          <a:stretch>
-            <a:fillRect/>
-          </a:stretch>
-        </p:blipFill>
-        <p:spPr>
-          <a:xfrm>
-            <a:off x="1450258" y="0"/>
-            <a:ext cx="9291484" cy="6858000"/>
-          </a:xfrm>
-          <a:prstGeom prst="rect">
-            <a:avLst/>
-          </a:prstGeom>
-        </p:spPr>
-      </p:pic>
+          <p:cNvSpPr>
+            <a:spLocks noGrp="1"/>
+          </p:cNvSpPr>
+          <p:nvPr>
+            <p:ph type="title"/>
+          </p:nvPr>
+        </p:nvSpPr>
+        <p:spPr/>
+        <p:txBody>
+          <a:bodyPr/>
+          <a:lstStyle/>
+          <a:p>
+            <a:r>
+              <a:rPr lang="en-GB" dirty="0"/>
+              <a:t>Paths</a:t>
+            </a:r>
+          </a:p>
+        </p:txBody>
+      </p:sp>
+      <p:sp>
+        <p:nvSpPr>
+          <p:cNvPr id="3" name="Text Placeholder 2">
+            <a:extLst>
+              <a:ext uri="{FF2B5EF4-FFF2-40B4-BE49-F238E27FC236}">
+                <a16:creationId xmlns:a16="http://schemas.microsoft.com/office/drawing/2014/main" id="{9F84FDAE-B33C-F8A9-4254-8999ACD6B548}"/>
+              </a:ext>
+            </a:extLst>
+          </p:cNvPr>
+          <p:cNvSpPr>
+            <a:spLocks noGrp="1"/>
+          </p:cNvSpPr>
+          <p:nvPr>
+            <p:ph type="body" idx="1"/>
+          </p:nvPr>
+        </p:nvSpPr>
+        <p:spPr/>
+        <p:txBody>
+          <a:bodyPr/>
+          <a:lstStyle/>
+          <a:p>
+            <a:endParaRPr lang="en-GB"/>
+          </a:p>
+        </p:txBody>
+      </p:sp>
     </p:spTree>
     <p:extLst>
       <p:ext uri="{BB962C8B-B14F-4D97-AF65-F5344CB8AC3E}">
-        <p14:creationId xmlns:p14="http://schemas.microsoft.com/office/powerpoint/2010/main" val="3452205298"/>
+        <p14:creationId xmlns:p14="http://schemas.microsoft.com/office/powerpoint/2010/main" val="1077859955"/>
       </p:ext>
     </p:extLst>
   </p:cSld>

--- a/OpenAPI.pptx
+++ b/OpenAPI.pptx
@@ -6,31 +6,44 @@
   </p:sldMasterIdLst>
   <p:sldIdLst>
     <p:sldId id="256" r:id="rId2"/>
-    <p:sldId id="257" r:id="rId3"/>
-    <p:sldId id="282" r:id="rId4"/>
-    <p:sldId id="258" r:id="rId5"/>
-    <p:sldId id="260" r:id="rId6"/>
-    <p:sldId id="261" r:id="rId7"/>
-    <p:sldId id="259" r:id="rId8"/>
-    <p:sldId id="263" r:id="rId9"/>
-    <p:sldId id="264" r:id="rId10"/>
-    <p:sldId id="274" r:id="rId11"/>
-    <p:sldId id="265" r:id="rId12"/>
-    <p:sldId id="273" r:id="rId13"/>
-    <p:sldId id="266" r:id="rId14"/>
-    <p:sldId id="277" r:id="rId15"/>
-    <p:sldId id="276" r:id="rId16"/>
-    <p:sldId id="275" r:id="rId17"/>
-    <p:sldId id="267" r:id="rId18"/>
-    <p:sldId id="271" r:id="rId19"/>
-    <p:sldId id="272" r:id="rId20"/>
-    <p:sldId id="278" r:id="rId21"/>
-    <p:sldId id="268" r:id="rId22"/>
-    <p:sldId id="279" r:id="rId23"/>
-    <p:sldId id="280" r:id="rId24"/>
-    <p:sldId id="269" r:id="rId25"/>
-    <p:sldId id="281" r:id="rId26"/>
-    <p:sldId id="270" r:id="rId27"/>
+    <p:sldId id="288" r:id="rId3"/>
+    <p:sldId id="289" r:id="rId4"/>
+    <p:sldId id="290" r:id="rId5"/>
+    <p:sldId id="291" r:id="rId6"/>
+    <p:sldId id="292" r:id="rId7"/>
+    <p:sldId id="257" r:id="rId8"/>
+    <p:sldId id="282" r:id="rId9"/>
+    <p:sldId id="258" r:id="rId10"/>
+    <p:sldId id="260" r:id="rId11"/>
+    <p:sldId id="261" r:id="rId12"/>
+    <p:sldId id="259" r:id="rId13"/>
+    <p:sldId id="287" r:id="rId14"/>
+    <p:sldId id="293" r:id="rId15"/>
+    <p:sldId id="263" r:id="rId16"/>
+    <p:sldId id="264" r:id="rId17"/>
+    <p:sldId id="274" r:id="rId18"/>
+    <p:sldId id="265" r:id="rId19"/>
+    <p:sldId id="273" r:id="rId20"/>
+    <p:sldId id="266" r:id="rId21"/>
+    <p:sldId id="277" r:id="rId22"/>
+    <p:sldId id="276" r:id="rId23"/>
+    <p:sldId id="275" r:id="rId24"/>
+    <p:sldId id="267" r:id="rId25"/>
+    <p:sldId id="285" r:id="rId26"/>
+    <p:sldId id="286" r:id="rId27"/>
+    <p:sldId id="271" r:id="rId28"/>
+    <p:sldId id="284" r:id="rId29"/>
+    <p:sldId id="272" r:id="rId30"/>
+    <p:sldId id="278" r:id="rId31"/>
+    <p:sldId id="283" r:id="rId32"/>
+    <p:sldId id="268" r:id="rId33"/>
+    <p:sldId id="279" r:id="rId34"/>
+    <p:sldId id="280" r:id="rId35"/>
+    <p:sldId id="269" r:id="rId36"/>
+    <p:sldId id="281" r:id="rId37"/>
+    <p:sldId id="270" r:id="rId38"/>
+    <p:sldId id="295" r:id="rId39"/>
+    <p:sldId id="294" r:id="rId40"/>
   </p:sldIdLst>
   <p:sldSz cx="12192000" cy="6858000"/>
   <p:notesSz cx="6858000" cy="9144000"/>
@@ -268,7 +281,7 @@
           <a:p>
             <a:fld id="{CAA94819-728F-480F-A909-E4598EC91444}" type="datetimeFigureOut">
               <a:rPr lang="en-GB" smtClean="0"/>
-              <a:t>17/10/2022</a:t>
+              <a:t>18/10/2022</a:t>
             </a:fld>
             <a:endParaRPr lang="en-GB"/>
           </a:p>
@@ -438,7 +451,7 @@
           <a:p>
             <a:fld id="{CAA94819-728F-480F-A909-E4598EC91444}" type="datetimeFigureOut">
               <a:rPr lang="en-GB" smtClean="0"/>
-              <a:t>17/10/2022</a:t>
+              <a:t>18/10/2022</a:t>
             </a:fld>
             <a:endParaRPr lang="en-GB"/>
           </a:p>
@@ -618,7 +631,7 @@
           <a:p>
             <a:fld id="{CAA94819-728F-480F-A909-E4598EC91444}" type="datetimeFigureOut">
               <a:rPr lang="en-GB" smtClean="0"/>
-              <a:t>17/10/2022</a:t>
+              <a:t>18/10/2022</a:t>
             </a:fld>
             <a:endParaRPr lang="en-GB"/>
           </a:p>
@@ -788,7 +801,7 @@
           <a:p>
             <a:fld id="{CAA94819-728F-480F-A909-E4598EC91444}" type="datetimeFigureOut">
               <a:rPr lang="en-GB" smtClean="0"/>
-              <a:t>17/10/2022</a:t>
+              <a:t>18/10/2022</a:t>
             </a:fld>
             <a:endParaRPr lang="en-GB"/>
           </a:p>
@@ -1034,7 +1047,7 @@
           <a:p>
             <a:fld id="{CAA94819-728F-480F-A909-E4598EC91444}" type="datetimeFigureOut">
               <a:rPr lang="en-GB" smtClean="0"/>
-              <a:t>17/10/2022</a:t>
+              <a:t>18/10/2022</a:t>
             </a:fld>
             <a:endParaRPr lang="en-GB"/>
           </a:p>
@@ -1266,7 +1279,7 @@
           <a:p>
             <a:fld id="{CAA94819-728F-480F-A909-E4598EC91444}" type="datetimeFigureOut">
               <a:rPr lang="en-GB" smtClean="0"/>
-              <a:t>17/10/2022</a:t>
+              <a:t>18/10/2022</a:t>
             </a:fld>
             <a:endParaRPr lang="en-GB"/>
           </a:p>
@@ -1633,7 +1646,7 @@
           <a:p>
             <a:fld id="{CAA94819-728F-480F-A909-E4598EC91444}" type="datetimeFigureOut">
               <a:rPr lang="en-GB" smtClean="0"/>
-              <a:t>17/10/2022</a:t>
+              <a:t>18/10/2022</a:t>
             </a:fld>
             <a:endParaRPr lang="en-GB"/>
           </a:p>
@@ -1751,7 +1764,7 @@
           <a:p>
             <a:fld id="{CAA94819-728F-480F-A909-E4598EC91444}" type="datetimeFigureOut">
               <a:rPr lang="en-GB" smtClean="0"/>
-              <a:t>17/10/2022</a:t>
+              <a:t>18/10/2022</a:t>
             </a:fld>
             <a:endParaRPr lang="en-GB"/>
           </a:p>
@@ -1846,7 +1859,7 @@
           <a:p>
             <a:fld id="{CAA94819-728F-480F-A909-E4598EC91444}" type="datetimeFigureOut">
               <a:rPr lang="en-GB" smtClean="0"/>
-              <a:t>17/10/2022</a:t>
+              <a:t>18/10/2022</a:t>
             </a:fld>
             <a:endParaRPr lang="en-GB"/>
           </a:p>
@@ -2123,7 +2136,7 @@
           <a:p>
             <a:fld id="{CAA94819-728F-480F-A909-E4598EC91444}" type="datetimeFigureOut">
               <a:rPr lang="en-GB" smtClean="0"/>
-              <a:t>17/10/2022</a:t>
+              <a:t>18/10/2022</a:t>
             </a:fld>
             <a:endParaRPr lang="en-GB"/>
           </a:p>
@@ -2380,7 +2393,7 @@
           <a:p>
             <a:fld id="{CAA94819-728F-480F-A909-E4598EC91444}" type="datetimeFigureOut">
               <a:rPr lang="en-GB" smtClean="0"/>
-              <a:t>17/10/2022</a:t>
+              <a:t>18/10/2022</a:t>
             </a:fld>
             <a:endParaRPr lang="en-GB"/>
           </a:p>
@@ -2591,7 +2604,7 @@
           <a:p>
             <a:fld id="{CAA94819-728F-480F-A909-E4598EC91444}" type="datetimeFigureOut">
               <a:rPr lang="en-GB" smtClean="0"/>
-              <a:t>17/10/2022</a:t>
+              <a:t>18/10/2022</a:t>
             </a:fld>
             <a:endParaRPr lang="en-GB"/>
           </a:p>
@@ -3103,15 +3116,50 @@
         </p:nvSpPr>
         <p:spPr/>
         <p:txBody>
-          <a:bodyPr/>
-          <a:lstStyle/>
-          <a:p>
-            <a:endParaRPr lang="en-GB" dirty="0"/>
-          </a:p>
-          <a:p>
-            <a:r>
-              <a:rPr lang="en-GB" dirty="0"/>
+          <a:bodyPr>
+            <a:normAutofit lnSpcReduction="10000"/>
+          </a:bodyPr>
+          <a:lstStyle/>
+          <a:p>
+            <a:endParaRPr lang="en-GB" dirty="0">
+              <a:solidFill>
+                <a:schemeClr val="tx1">
+                  <a:lumMod val="95000"/>
+                </a:schemeClr>
+              </a:solidFill>
+            </a:endParaRPr>
+          </a:p>
+          <a:p>
+            <a:r>
+              <a:rPr lang="en-GB" dirty="0">
+                <a:solidFill>
+                  <a:schemeClr val="tx1">
+                    <a:lumMod val="95000"/>
+                  </a:schemeClr>
+                </a:solidFill>
+              </a:rPr>
               <a:t>@markrendle</a:t>
+            </a:r>
+          </a:p>
+          <a:p>
+            <a:endParaRPr lang="en-GB" dirty="0">
+              <a:solidFill>
+                <a:schemeClr val="tx1">
+                  <a:lumMod val="95000"/>
+                </a:schemeClr>
+              </a:solidFill>
+            </a:endParaRPr>
+          </a:p>
+          <a:p>
+            <a:r>
+              <a:rPr lang="en-GB" dirty="0">
+                <a:solidFill>
+                  <a:schemeClr val="tx1">
+                    <a:lumMod val="95000"/>
+                  </a:schemeClr>
+                </a:solidFill>
+              </a:rPr>
+              <a:t>London .NET User Group, October 2022</a:t>
             </a:r>
           </a:p>
         </p:txBody>
@@ -3146,1910 +3194,6 @@
           <a:chExt cx="0" cy="0"/>
         </a:xfrm>
       </p:grpSpPr>
-      <p:pic>
-        <p:nvPicPr>
-          <p:cNvPr id="3" name="Picture 2">
-            <a:extLst>
-              <a:ext uri="{FF2B5EF4-FFF2-40B4-BE49-F238E27FC236}">
-                <a16:creationId xmlns:a16="http://schemas.microsoft.com/office/drawing/2014/main" id="{20278691-2C7B-9B6B-6C83-27419A65A770}"/>
-              </a:ext>
-            </a:extLst>
-          </p:cNvPr>
-          <p:cNvPicPr>
-            <a:picLocks noChangeAspect="1"/>
-          </p:cNvPicPr>
-          <p:nvPr/>
-        </p:nvPicPr>
-        <p:blipFill>
-          <a:blip r:embed="rId2">
-            <a:extLst>
-              <a:ext uri="{28A0092B-C50C-407E-A947-70E740481C1C}">
-                <a14:useLocalDpi xmlns:a14="http://schemas.microsoft.com/office/drawing/2010/main" val="0"/>
-              </a:ext>
-            </a:extLst>
-          </a:blip>
-          <a:stretch>
-            <a:fillRect/>
-          </a:stretch>
-        </p:blipFill>
-        <p:spPr>
-          <a:xfrm>
-            <a:off x="1450258" y="0"/>
-            <a:ext cx="9291484" cy="6858000"/>
-          </a:xfrm>
-          <a:prstGeom prst="rect">
-            <a:avLst/>
-          </a:prstGeom>
-        </p:spPr>
-      </p:pic>
-    </p:spTree>
-    <p:extLst>
-      <p:ext uri="{BB962C8B-B14F-4D97-AF65-F5344CB8AC3E}">
-        <p14:creationId xmlns:p14="http://schemas.microsoft.com/office/powerpoint/2010/main" val="3452205298"/>
-      </p:ext>
-    </p:extLst>
-  </p:cSld>
-  <p:clrMapOvr>
-    <a:masterClrMapping/>
-  </p:clrMapOvr>
-</p:sld>
-</file>
-
-<file path=ppt/slides/slide11.xml><?xml version="1.0" encoding="utf-8"?>
-<p:sld xmlns:a="http://schemas.openxmlformats.org/drawingml/2006/main" xmlns:r="http://schemas.openxmlformats.org/officeDocument/2006/relationships" xmlns:p="http://schemas.openxmlformats.org/presentationml/2006/main">
-  <p:cSld>
-    <p:spTree>
-      <p:nvGrpSpPr>
-        <p:cNvPr id="1" name=""/>
-        <p:cNvGrpSpPr/>
-        <p:nvPr/>
-      </p:nvGrpSpPr>
-      <p:grpSpPr>
-        <a:xfrm>
-          <a:off x="0" y="0"/>
-          <a:ext cx="0" cy="0"/>
-          <a:chOff x="0" y="0"/>
-          <a:chExt cx="0" cy="0"/>
-        </a:xfrm>
-      </p:grpSpPr>
-      <p:sp>
-        <p:nvSpPr>
-          <p:cNvPr id="2" name="Title 1">
-            <a:extLst>
-              <a:ext uri="{FF2B5EF4-FFF2-40B4-BE49-F238E27FC236}">
-                <a16:creationId xmlns:a16="http://schemas.microsoft.com/office/drawing/2014/main" id="{74E7A29E-F7CB-8F90-FB6C-97500FBD8504}"/>
-              </a:ext>
-            </a:extLst>
-          </p:cNvPr>
-          <p:cNvSpPr>
-            <a:spLocks noGrp="1"/>
-          </p:cNvSpPr>
-          <p:nvPr>
-            <p:ph type="title"/>
-          </p:nvPr>
-        </p:nvSpPr>
-        <p:spPr/>
-        <p:txBody>
-          <a:bodyPr/>
-          <a:lstStyle/>
-          <a:p>
-            <a:r>
-              <a:rPr lang="en-GB" dirty="0"/>
-              <a:t>Responses</a:t>
-            </a:r>
-          </a:p>
-        </p:txBody>
-      </p:sp>
-      <p:sp>
-        <p:nvSpPr>
-          <p:cNvPr id="3" name="Text Placeholder 2">
-            <a:extLst>
-              <a:ext uri="{FF2B5EF4-FFF2-40B4-BE49-F238E27FC236}">
-                <a16:creationId xmlns:a16="http://schemas.microsoft.com/office/drawing/2014/main" id="{DE9F0BB5-4BC2-DB44-7F24-D05A668584E1}"/>
-              </a:ext>
-            </a:extLst>
-          </p:cNvPr>
-          <p:cNvSpPr>
-            <a:spLocks noGrp="1"/>
-          </p:cNvSpPr>
-          <p:nvPr>
-            <p:ph type="body" idx="1"/>
-          </p:nvPr>
-        </p:nvSpPr>
-        <p:spPr/>
-        <p:txBody>
-          <a:bodyPr/>
-          <a:lstStyle/>
-          <a:p>
-            <a:endParaRPr lang="en-GB"/>
-          </a:p>
-        </p:txBody>
-      </p:sp>
-    </p:spTree>
-    <p:extLst>
-      <p:ext uri="{BB962C8B-B14F-4D97-AF65-F5344CB8AC3E}">
-        <p14:creationId xmlns:p14="http://schemas.microsoft.com/office/powerpoint/2010/main" val="4142005799"/>
-      </p:ext>
-    </p:extLst>
-  </p:cSld>
-  <p:clrMapOvr>
-    <a:masterClrMapping/>
-  </p:clrMapOvr>
-</p:sld>
-</file>
-
-<file path=ppt/slides/slide12.xml><?xml version="1.0" encoding="utf-8"?>
-<p:sld xmlns:a="http://schemas.openxmlformats.org/drawingml/2006/main" xmlns:r="http://schemas.openxmlformats.org/officeDocument/2006/relationships" xmlns:p="http://schemas.openxmlformats.org/presentationml/2006/main">
-  <p:cSld>
-    <p:spTree>
-      <p:nvGrpSpPr>
-        <p:cNvPr id="1" name=""/>
-        <p:cNvGrpSpPr/>
-        <p:nvPr/>
-      </p:nvGrpSpPr>
-      <p:grpSpPr>
-        <a:xfrm>
-          <a:off x="0" y="0"/>
-          <a:ext cx="0" cy="0"/>
-          <a:chOff x="0" y="0"/>
-          <a:chExt cx="0" cy="0"/>
-        </a:xfrm>
-      </p:grpSpPr>
-      <p:pic>
-        <p:nvPicPr>
-          <p:cNvPr id="3" name="Picture 2">
-            <a:extLst>
-              <a:ext uri="{FF2B5EF4-FFF2-40B4-BE49-F238E27FC236}">
-                <a16:creationId xmlns:a16="http://schemas.microsoft.com/office/drawing/2014/main" id="{29A5000D-954B-BB73-21C5-D7B483BAA07B}"/>
-              </a:ext>
-            </a:extLst>
-          </p:cNvPr>
-          <p:cNvPicPr>
-            <a:picLocks noChangeAspect="1"/>
-          </p:cNvPicPr>
-          <p:nvPr/>
-        </p:nvPicPr>
-        <p:blipFill>
-          <a:blip r:embed="rId2">
-            <a:extLst>
-              <a:ext uri="{28A0092B-C50C-407E-A947-70E740481C1C}">
-                <a14:useLocalDpi xmlns:a14="http://schemas.microsoft.com/office/drawing/2010/main" val="0"/>
-              </a:ext>
-            </a:extLst>
-          </a:blip>
-          <a:stretch>
-            <a:fillRect/>
-          </a:stretch>
-        </p:blipFill>
-        <p:spPr>
-          <a:xfrm>
-            <a:off x="593008" y="0"/>
-            <a:ext cx="11005984" cy="6858000"/>
-          </a:xfrm>
-          <a:prstGeom prst="rect">
-            <a:avLst/>
-          </a:prstGeom>
-        </p:spPr>
-      </p:pic>
-    </p:spTree>
-    <p:extLst>
-      <p:ext uri="{BB962C8B-B14F-4D97-AF65-F5344CB8AC3E}">
-        <p14:creationId xmlns:p14="http://schemas.microsoft.com/office/powerpoint/2010/main" val="2310607970"/>
-      </p:ext>
-    </p:extLst>
-  </p:cSld>
-  <p:clrMapOvr>
-    <a:masterClrMapping/>
-  </p:clrMapOvr>
-</p:sld>
-</file>
-
-<file path=ppt/slides/slide13.xml><?xml version="1.0" encoding="utf-8"?>
-<p:sld xmlns:a="http://schemas.openxmlformats.org/drawingml/2006/main" xmlns:r="http://schemas.openxmlformats.org/officeDocument/2006/relationships" xmlns:p="http://schemas.openxmlformats.org/presentationml/2006/main">
-  <p:cSld>
-    <p:spTree>
-      <p:nvGrpSpPr>
-        <p:cNvPr id="1" name=""/>
-        <p:cNvGrpSpPr/>
-        <p:nvPr/>
-      </p:nvGrpSpPr>
-      <p:grpSpPr>
-        <a:xfrm>
-          <a:off x="0" y="0"/>
-          <a:ext cx="0" cy="0"/>
-          <a:chOff x="0" y="0"/>
-          <a:chExt cx="0" cy="0"/>
-        </a:xfrm>
-      </p:grpSpPr>
-      <p:sp>
-        <p:nvSpPr>
-          <p:cNvPr id="2" name="Title 1">
-            <a:extLst>
-              <a:ext uri="{FF2B5EF4-FFF2-40B4-BE49-F238E27FC236}">
-                <a16:creationId xmlns:a16="http://schemas.microsoft.com/office/drawing/2014/main" id="{D48ADE9E-B372-15DD-6575-2D8513B5C72A}"/>
-              </a:ext>
-            </a:extLst>
-          </p:cNvPr>
-          <p:cNvSpPr>
-            <a:spLocks noGrp="1"/>
-          </p:cNvSpPr>
-          <p:nvPr>
-            <p:ph type="title"/>
-          </p:nvPr>
-        </p:nvSpPr>
-        <p:spPr/>
-        <p:txBody>
-          <a:bodyPr/>
-          <a:lstStyle/>
-          <a:p>
-            <a:r>
-              <a:rPr lang="en-GB" dirty="0"/>
-              <a:t>Schema</a:t>
-            </a:r>
-          </a:p>
-        </p:txBody>
-      </p:sp>
-      <p:sp>
-        <p:nvSpPr>
-          <p:cNvPr id="3" name="Text Placeholder 2">
-            <a:extLst>
-              <a:ext uri="{FF2B5EF4-FFF2-40B4-BE49-F238E27FC236}">
-                <a16:creationId xmlns:a16="http://schemas.microsoft.com/office/drawing/2014/main" id="{DEC9FBC6-62F4-A687-6D82-04219F030EEF}"/>
-              </a:ext>
-            </a:extLst>
-          </p:cNvPr>
-          <p:cNvSpPr>
-            <a:spLocks noGrp="1"/>
-          </p:cNvSpPr>
-          <p:nvPr>
-            <p:ph type="body" idx="1"/>
-          </p:nvPr>
-        </p:nvSpPr>
-        <p:spPr/>
-        <p:txBody>
-          <a:bodyPr/>
-          <a:lstStyle/>
-          <a:p>
-            <a:endParaRPr lang="en-GB"/>
-          </a:p>
-        </p:txBody>
-      </p:sp>
-    </p:spTree>
-    <p:extLst>
-      <p:ext uri="{BB962C8B-B14F-4D97-AF65-F5344CB8AC3E}">
-        <p14:creationId xmlns:p14="http://schemas.microsoft.com/office/powerpoint/2010/main" val="1721395135"/>
-      </p:ext>
-    </p:extLst>
-  </p:cSld>
-  <p:clrMapOvr>
-    <a:masterClrMapping/>
-  </p:clrMapOvr>
-</p:sld>
-</file>
-
-<file path=ppt/slides/slide14.xml><?xml version="1.0" encoding="utf-8"?>
-<p:sld xmlns:a="http://schemas.openxmlformats.org/drawingml/2006/main" xmlns:r="http://schemas.openxmlformats.org/officeDocument/2006/relationships" xmlns:p="http://schemas.openxmlformats.org/presentationml/2006/main">
-  <p:cSld>
-    <p:spTree>
-      <p:nvGrpSpPr>
-        <p:cNvPr id="1" name=""/>
-        <p:cNvGrpSpPr/>
-        <p:nvPr/>
-      </p:nvGrpSpPr>
-      <p:grpSpPr>
-        <a:xfrm>
-          <a:off x="0" y="0"/>
-          <a:ext cx="0" cy="0"/>
-          <a:chOff x="0" y="0"/>
-          <a:chExt cx="0" cy="0"/>
-        </a:xfrm>
-      </p:grpSpPr>
-      <p:pic>
-        <p:nvPicPr>
-          <p:cNvPr id="3" name="Picture 2">
-            <a:extLst>
-              <a:ext uri="{FF2B5EF4-FFF2-40B4-BE49-F238E27FC236}">
-                <a16:creationId xmlns:a16="http://schemas.microsoft.com/office/drawing/2014/main" id="{A31B2884-4ED8-201A-D2EB-02390A12C3C5}"/>
-              </a:ext>
-            </a:extLst>
-          </p:cNvPr>
-          <p:cNvPicPr>
-            <a:picLocks noChangeAspect="1"/>
-          </p:cNvPicPr>
-          <p:nvPr/>
-        </p:nvPicPr>
-        <p:blipFill>
-          <a:blip r:embed="rId2">
-            <a:extLst>
-              <a:ext uri="{28A0092B-C50C-407E-A947-70E740481C1C}">
-                <a14:useLocalDpi xmlns:a14="http://schemas.microsoft.com/office/drawing/2010/main" val="0"/>
-              </a:ext>
-            </a:extLst>
-          </a:blip>
-          <a:stretch>
-            <a:fillRect/>
-          </a:stretch>
-        </p:blipFill>
-        <p:spPr>
-          <a:xfrm>
-            <a:off x="3288591" y="0"/>
-            <a:ext cx="5614817" cy="6858000"/>
-          </a:xfrm>
-          <a:prstGeom prst="rect">
-            <a:avLst/>
-          </a:prstGeom>
-        </p:spPr>
-      </p:pic>
-    </p:spTree>
-    <p:extLst>
-      <p:ext uri="{BB962C8B-B14F-4D97-AF65-F5344CB8AC3E}">
-        <p14:creationId xmlns:p14="http://schemas.microsoft.com/office/powerpoint/2010/main" val="218749938"/>
-      </p:ext>
-    </p:extLst>
-  </p:cSld>
-  <p:clrMapOvr>
-    <a:masterClrMapping/>
-  </p:clrMapOvr>
-</p:sld>
-</file>
-
-<file path=ppt/slides/slide15.xml><?xml version="1.0" encoding="utf-8"?>
-<p:sld xmlns:a="http://schemas.openxmlformats.org/drawingml/2006/main" xmlns:r="http://schemas.openxmlformats.org/officeDocument/2006/relationships" xmlns:p="http://schemas.openxmlformats.org/presentationml/2006/main">
-  <p:cSld>
-    <p:spTree>
-      <p:nvGrpSpPr>
-        <p:cNvPr id="1" name=""/>
-        <p:cNvGrpSpPr/>
-        <p:nvPr/>
-      </p:nvGrpSpPr>
-      <p:grpSpPr>
-        <a:xfrm>
-          <a:off x="0" y="0"/>
-          <a:ext cx="0" cy="0"/>
-          <a:chOff x="0" y="0"/>
-          <a:chExt cx="0" cy="0"/>
-        </a:xfrm>
-      </p:grpSpPr>
-      <p:sp>
-        <p:nvSpPr>
-          <p:cNvPr id="2" name="Title 1">
-            <a:extLst>
-              <a:ext uri="{FF2B5EF4-FFF2-40B4-BE49-F238E27FC236}">
-                <a16:creationId xmlns:a16="http://schemas.microsoft.com/office/drawing/2014/main" id="{D48ADE9E-B372-15DD-6575-2D8513B5C72A}"/>
-              </a:ext>
-            </a:extLst>
-          </p:cNvPr>
-          <p:cNvSpPr>
-            <a:spLocks noGrp="1"/>
-          </p:cNvSpPr>
-          <p:nvPr>
-            <p:ph type="title"/>
-          </p:nvPr>
-        </p:nvSpPr>
-        <p:spPr/>
-        <p:txBody>
-          <a:bodyPr/>
-          <a:lstStyle/>
-          <a:p>
-            <a:r>
-              <a:rPr lang="en-GB" dirty="0"/>
-              <a:t>Parameters</a:t>
-            </a:r>
-          </a:p>
-        </p:txBody>
-      </p:sp>
-      <p:sp>
-        <p:nvSpPr>
-          <p:cNvPr id="3" name="Text Placeholder 2">
-            <a:extLst>
-              <a:ext uri="{FF2B5EF4-FFF2-40B4-BE49-F238E27FC236}">
-                <a16:creationId xmlns:a16="http://schemas.microsoft.com/office/drawing/2014/main" id="{DEC9FBC6-62F4-A687-6D82-04219F030EEF}"/>
-              </a:ext>
-            </a:extLst>
-          </p:cNvPr>
-          <p:cNvSpPr>
-            <a:spLocks noGrp="1"/>
-          </p:cNvSpPr>
-          <p:nvPr>
-            <p:ph type="body" idx="1"/>
-          </p:nvPr>
-        </p:nvSpPr>
-        <p:spPr/>
-        <p:txBody>
-          <a:bodyPr/>
-          <a:lstStyle/>
-          <a:p>
-            <a:endParaRPr lang="en-GB"/>
-          </a:p>
-        </p:txBody>
-      </p:sp>
-    </p:spTree>
-    <p:extLst>
-      <p:ext uri="{BB962C8B-B14F-4D97-AF65-F5344CB8AC3E}">
-        <p14:creationId xmlns:p14="http://schemas.microsoft.com/office/powerpoint/2010/main" val="529632303"/>
-      </p:ext>
-    </p:extLst>
-  </p:cSld>
-  <p:clrMapOvr>
-    <a:masterClrMapping/>
-  </p:clrMapOvr>
-</p:sld>
-</file>
-
-<file path=ppt/slides/slide16.xml><?xml version="1.0" encoding="utf-8"?>
-<p:sld xmlns:a="http://schemas.openxmlformats.org/drawingml/2006/main" xmlns:r="http://schemas.openxmlformats.org/officeDocument/2006/relationships" xmlns:p="http://schemas.openxmlformats.org/presentationml/2006/main">
-  <p:cSld>
-    <p:spTree>
-      <p:nvGrpSpPr>
-        <p:cNvPr id="1" name=""/>
-        <p:cNvGrpSpPr/>
-        <p:nvPr/>
-      </p:nvGrpSpPr>
-      <p:grpSpPr>
-        <a:xfrm>
-          <a:off x="0" y="0"/>
-          <a:ext cx="0" cy="0"/>
-          <a:chOff x="0" y="0"/>
-          <a:chExt cx="0" cy="0"/>
-        </a:xfrm>
-      </p:grpSpPr>
-      <p:pic>
-        <p:nvPicPr>
-          <p:cNvPr id="3" name="Picture 2">
-            <a:extLst>
-              <a:ext uri="{FF2B5EF4-FFF2-40B4-BE49-F238E27FC236}">
-                <a16:creationId xmlns:a16="http://schemas.microsoft.com/office/drawing/2014/main" id="{866228F3-B4C8-89EB-B57C-48B9E38A583F}"/>
-              </a:ext>
-            </a:extLst>
-          </p:cNvPr>
-          <p:cNvPicPr>
-            <a:picLocks noChangeAspect="1"/>
-          </p:cNvPicPr>
-          <p:nvPr/>
-        </p:nvPicPr>
-        <p:blipFill>
-          <a:blip r:embed="rId2">
-            <a:extLst>
-              <a:ext uri="{28A0092B-C50C-407E-A947-70E740481C1C}">
-                <a14:useLocalDpi xmlns:a14="http://schemas.microsoft.com/office/drawing/2010/main" val="0"/>
-              </a:ext>
-            </a:extLst>
-          </a:blip>
-          <a:stretch>
-            <a:fillRect/>
-          </a:stretch>
-        </p:blipFill>
-        <p:spPr>
-          <a:xfrm>
-            <a:off x="1795078" y="0"/>
-            <a:ext cx="8601844" cy="6858000"/>
-          </a:xfrm>
-          <a:prstGeom prst="rect">
-            <a:avLst/>
-          </a:prstGeom>
-        </p:spPr>
-      </p:pic>
-    </p:spTree>
-    <p:extLst>
-      <p:ext uri="{BB962C8B-B14F-4D97-AF65-F5344CB8AC3E}">
-        <p14:creationId xmlns:p14="http://schemas.microsoft.com/office/powerpoint/2010/main" val="544022766"/>
-      </p:ext>
-    </p:extLst>
-  </p:cSld>
-  <p:clrMapOvr>
-    <a:masterClrMapping/>
-  </p:clrMapOvr>
-</p:sld>
-</file>
-
-<file path=ppt/slides/slide17.xml><?xml version="1.0" encoding="utf-8"?>
-<p:sld xmlns:a="http://schemas.openxmlformats.org/drawingml/2006/main" xmlns:r="http://schemas.openxmlformats.org/officeDocument/2006/relationships" xmlns:p="http://schemas.openxmlformats.org/presentationml/2006/main">
-  <p:cSld>
-    <p:spTree>
-      <p:nvGrpSpPr>
-        <p:cNvPr id="1" name=""/>
-        <p:cNvGrpSpPr/>
-        <p:nvPr/>
-      </p:nvGrpSpPr>
-      <p:grpSpPr>
-        <a:xfrm>
-          <a:off x="0" y="0"/>
-          <a:ext cx="0" cy="0"/>
-          <a:chOff x="0" y="0"/>
-          <a:chExt cx="0" cy="0"/>
-        </a:xfrm>
-      </p:grpSpPr>
-      <p:sp>
-        <p:nvSpPr>
-          <p:cNvPr id="2" name="Title 1">
-            <a:extLst>
-              <a:ext uri="{FF2B5EF4-FFF2-40B4-BE49-F238E27FC236}">
-                <a16:creationId xmlns:a16="http://schemas.microsoft.com/office/drawing/2014/main" id="{F881F197-D92A-5587-514A-AE6EA11B47F2}"/>
-              </a:ext>
-            </a:extLst>
-          </p:cNvPr>
-          <p:cNvSpPr>
-            <a:spLocks noGrp="1"/>
-          </p:cNvSpPr>
-          <p:nvPr>
-            <p:ph type="title"/>
-          </p:nvPr>
-        </p:nvSpPr>
-        <p:spPr/>
-        <p:txBody>
-          <a:bodyPr/>
-          <a:lstStyle/>
-          <a:p>
-            <a:r>
-              <a:rPr lang="en-GB" dirty="0"/>
-              <a:t>Requests</a:t>
-            </a:r>
-          </a:p>
-        </p:txBody>
-      </p:sp>
-      <p:sp>
-        <p:nvSpPr>
-          <p:cNvPr id="3" name="Text Placeholder 2">
-            <a:extLst>
-              <a:ext uri="{FF2B5EF4-FFF2-40B4-BE49-F238E27FC236}">
-                <a16:creationId xmlns:a16="http://schemas.microsoft.com/office/drawing/2014/main" id="{68BD869B-2C74-3285-8002-08C7D0ADF9A0}"/>
-              </a:ext>
-            </a:extLst>
-          </p:cNvPr>
-          <p:cNvSpPr>
-            <a:spLocks noGrp="1"/>
-          </p:cNvSpPr>
-          <p:nvPr>
-            <p:ph type="body" idx="1"/>
-          </p:nvPr>
-        </p:nvSpPr>
-        <p:spPr/>
-        <p:txBody>
-          <a:bodyPr/>
-          <a:lstStyle/>
-          <a:p>
-            <a:endParaRPr lang="en-GB"/>
-          </a:p>
-        </p:txBody>
-      </p:sp>
-    </p:spTree>
-    <p:extLst>
-      <p:ext uri="{BB962C8B-B14F-4D97-AF65-F5344CB8AC3E}">
-        <p14:creationId xmlns:p14="http://schemas.microsoft.com/office/powerpoint/2010/main" val="3718225382"/>
-      </p:ext>
-    </p:extLst>
-  </p:cSld>
-  <p:clrMapOvr>
-    <a:masterClrMapping/>
-  </p:clrMapOvr>
-</p:sld>
-</file>
-
-<file path=ppt/slides/slide18.xml><?xml version="1.0" encoding="utf-8"?>
-<p:sld xmlns:a="http://schemas.openxmlformats.org/drawingml/2006/main" xmlns:r="http://schemas.openxmlformats.org/officeDocument/2006/relationships" xmlns:p="http://schemas.openxmlformats.org/presentationml/2006/main">
-  <p:cSld>
-    <p:spTree>
-      <p:nvGrpSpPr>
-        <p:cNvPr id="1" name=""/>
-        <p:cNvGrpSpPr/>
-        <p:nvPr/>
-      </p:nvGrpSpPr>
-      <p:grpSpPr>
-        <a:xfrm>
-          <a:off x="0" y="0"/>
-          <a:ext cx="0" cy="0"/>
-          <a:chOff x="0" y="0"/>
-          <a:chExt cx="0" cy="0"/>
-        </a:xfrm>
-      </p:grpSpPr>
-      <p:sp>
-        <p:nvSpPr>
-          <p:cNvPr id="2" name="Title 1">
-            <a:extLst>
-              <a:ext uri="{FF2B5EF4-FFF2-40B4-BE49-F238E27FC236}">
-                <a16:creationId xmlns:a16="http://schemas.microsoft.com/office/drawing/2014/main" id="{B33D1E5F-D66B-7876-C363-1BA90D8996F0}"/>
-              </a:ext>
-            </a:extLst>
-          </p:cNvPr>
-          <p:cNvSpPr>
-            <a:spLocks noGrp="1"/>
-          </p:cNvSpPr>
-          <p:nvPr>
-            <p:ph type="title"/>
-          </p:nvPr>
-        </p:nvSpPr>
-        <p:spPr/>
-        <p:txBody>
-          <a:bodyPr/>
-          <a:lstStyle/>
-          <a:p>
-            <a:r>
-              <a:rPr lang="en-GB" dirty="0"/>
-              <a:t>Components</a:t>
-            </a:r>
-          </a:p>
-        </p:txBody>
-      </p:sp>
-      <p:sp>
-        <p:nvSpPr>
-          <p:cNvPr id="3" name="Content Placeholder 2">
-            <a:extLst>
-              <a:ext uri="{FF2B5EF4-FFF2-40B4-BE49-F238E27FC236}">
-                <a16:creationId xmlns:a16="http://schemas.microsoft.com/office/drawing/2014/main" id="{8A2AA6D6-83A8-7AFF-1C05-0AA103E996DF}"/>
-              </a:ext>
-            </a:extLst>
-          </p:cNvPr>
-          <p:cNvSpPr>
-            <a:spLocks noGrp="1"/>
-          </p:cNvSpPr>
-          <p:nvPr>
-            <p:ph idx="1"/>
-          </p:nvPr>
-        </p:nvSpPr>
-        <p:spPr/>
-        <p:txBody>
-          <a:bodyPr>
-            <a:normAutofit lnSpcReduction="10000"/>
-          </a:bodyPr>
-          <a:lstStyle/>
-          <a:p>
-            <a:r>
-              <a:rPr lang="en-GB" dirty="0"/>
-              <a:t>schemas</a:t>
-            </a:r>
-          </a:p>
-          <a:p>
-            <a:r>
-              <a:rPr lang="en-GB" dirty="0"/>
-              <a:t>responses</a:t>
-            </a:r>
-          </a:p>
-          <a:p>
-            <a:r>
-              <a:rPr lang="en-GB" dirty="0" err="1"/>
-              <a:t>requestBodies</a:t>
-            </a:r>
-            <a:endParaRPr lang="en-GB" dirty="0"/>
-          </a:p>
-          <a:p>
-            <a:r>
-              <a:rPr lang="en-GB" dirty="0"/>
-              <a:t>parameters</a:t>
-            </a:r>
-          </a:p>
-          <a:p>
-            <a:r>
-              <a:rPr lang="en-GB" dirty="0"/>
-              <a:t>headers</a:t>
-            </a:r>
-          </a:p>
-          <a:p>
-            <a:r>
-              <a:rPr lang="en-GB" dirty="0" err="1"/>
-              <a:t>securitySchemes</a:t>
-            </a:r>
-            <a:endParaRPr lang="en-GB" dirty="0"/>
-          </a:p>
-          <a:p>
-            <a:r>
-              <a:rPr lang="en-GB" dirty="0"/>
-              <a:t>examples</a:t>
-            </a:r>
-          </a:p>
-          <a:p>
-            <a:r>
-              <a:rPr lang="en-GB" dirty="0"/>
-              <a:t>links</a:t>
-            </a:r>
-          </a:p>
-          <a:p>
-            <a:r>
-              <a:rPr lang="en-GB" dirty="0" err="1"/>
-              <a:t>callbacks</a:t>
-            </a:r>
-            <a:endParaRPr lang="en-GB" dirty="0"/>
-          </a:p>
-          <a:p>
-            <a:endParaRPr lang="en-GB" dirty="0"/>
-          </a:p>
-        </p:txBody>
-      </p:sp>
-    </p:spTree>
-    <p:extLst>
-      <p:ext uri="{BB962C8B-B14F-4D97-AF65-F5344CB8AC3E}">
-        <p14:creationId xmlns:p14="http://schemas.microsoft.com/office/powerpoint/2010/main" val="2550684943"/>
-      </p:ext>
-    </p:extLst>
-  </p:cSld>
-  <p:clrMapOvr>
-    <a:masterClrMapping/>
-  </p:clrMapOvr>
-</p:sld>
-</file>
-
-<file path=ppt/slides/slide19.xml><?xml version="1.0" encoding="utf-8"?>
-<p:sld xmlns:a="http://schemas.openxmlformats.org/drawingml/2006/main" xmlns:r="http://schemas.openxmlformats.org/officeDocument/2006/relationships" xmlns:p="http://schemas.openxmlformats.org/presentationml/2006/main">
-  <p:cSld>
-    <p:spTree>
-      <p:nvGrpSpPr>
-        <p:cNvPr id="1" name=""/>
-        <p:cNvGrpSpPr/>
-        <p:nvPr/>
-      </p:nvGrpSpPr>
-      <p:grpSpPr>
-        <a:xfrm>
-          <a:off x="0" y="0"/>
-          <a:ext cx="0" cy="0"/>
-          <a:chOff x="0" y="0"/>
-          <a:chExt cx="0" cy="0"/>
-        </a:xfrm>
-      </p:grpSpPr>
-      <p:sp>
-        <p:nvSpPr>
-          <p:cNvPr id="2" name="Title 1">
-            <a:extLst>
-              <a:ext uri="{FF2B5EF4-FFF2-40B4-BE49-F238E27FC236}">
-                <a16:creationId xmlns:a16="http://schemas.microsoft.com/office/drawing/2014/main" id="{C28B94A2-9E9A-E136-741D-D279A3BCBF17}"/>
-              </a:ext>
-            </a:extLst>
-          </p:cNvPr>
-          <p:cNvSpPr>
-            <a:spLocks noGrp="1"/>
-          </p:cNvSpPr>
-          <p:nvPr>
-            <p:ph type="title"/>
-          </p:nvPr>
-        </p:nvSpPr>
-        <p:spPr/>
-        <p:txBody>
-          <a:bodyPr/>
-          <a:lstStyle/>
-          <a:p>
-            <a:r>
-              <a:rPr lang="en-GB" dirty="0"/>
-              <a:t>References</a:t>
-            </a:r>
-          </a:p>
-        </p:txBody>
-      </p:sp>
-      <p:pic>
-        <p:nvPicPr>
-          <p:cNvPr id="5" name="Content Placeholder 4">
-            <a:extLst>
-              <a:ext uri="{FF2B5EF4-FFF2-40B4-BE49-F238E27FC236}">
-                <a16:creationId xmlns:a16="http://schemas.microsoft.com/office/drawing/2014/main" id="{B3EFE1B1-663B-B811-1BE5-12F92073DC59}"/>
-              </a:ext>
-            </a:extLst>
-          </p:cNvPr>
-          <p:cNvPicPr>
-            <a:picLocks noGrp="1" noChangeAspect="1"/>
-          </p:cNvPicPr>
-          <p:nvPr>
-            <p:ph idx="1"/>
-          </p:nvPr>
-        </p:nvPicPr>
-        <p:blipFill>
-          <a:blip r:embed="rId2">
-            <a:extLst>
-              <a:ext uri="{28A0092B-C50C-407E-A947-70E740481C1C}">
-                <a14:useLocalDpi xmlns:a14="http://schemas.microsoft.com/office/drawing/2010/main" val="0"/>
-              </a:ext>
-            </a:extLst>
-          </a:blip>
-          <a:stretch>
-            <a:fillRect/>
-          </a:stretch>
-        </p:blipFill>
-        <p:spPr>
-          <a:xfrm>
-            <a:off x="3234118" y="1825625"/>
-            <a:ext cx="5723764" cy="4351338"/>
-          </a:xfrm>
-        </p:spPr>
-      </p:pic>
-    </p:spTree>
-    <p:extLst>
-      <p:ext uri="{BB962C8B-B14F-4D97-AF65-F5344CB8AC3E}">
-        <p14:creationId xmlns:p14="http://schemas.microsoft.com/office/powerpoint/2010/main" val="836469107"/>
-      </p:ext>
-    </p:extLst>
-  </p:cSld>
-  <p:clrMapOvr>
-    <a:masterClrMapping/>
-  </p:clrMapOvr>
-</p:sld>
-</file>
-
-<file path=ppt/slides/slide2.xml><?xml version="1.0" encoding="utf-8"?>
-<p:sld xmlns:a="http://schemas.openxmlformats.org/drawingml/2006/main" xmlns:r="http://schemas.openxmlformats.org/officeDocument/2006/relationships" xmlns:p="http://schemas.openxmlformats.org/presentationml/2006/main">
-  <p:cSld>
-    <p:spTree>
-      <p:nvGrpSpPr>
-        <p:cNvPr id="1" name=""/>
-        <p:cNvGrpSpPr/>
-        <p:nvPr/>
-      </p:nvGrpSpPr>
-      <p:grpSpPr>
-        <a:xfrm>
-          <a:off x="0" y="0"/>
-          <a:ext cx="0" cy="0"/>
-          <a:chOff x="0" y="0"/>
-          <a:chExt cx="0" cy="0"/>
-        </a:xfrm>
-      </p:grpSpPr>
-      <p:sp>
-        <p:nvSpPr>
-          <p:cNvPr id="2" name="Title 1">
-            <a:extLst>
-              <a:ext uri="{FF2B5EF4-FFF2-40B4-BE49-F238E27FC236}">
-                <a16:creationId xmlns:a16="http://schemas.microsoft.com/office/drawing/2014/main" id="{CFB46E0B-2E84-CC69-2AC9-036C69EC152B}"/>
-              </a:ext>
-            </a:extLst>
-          </p:cNvPr>
-          <p:cNvSpPr>
-            <a:spLocks noGrp="1"/>
-          </p:cNvSpPr>
-          <p:nvPr>
-            <p:ph type="title"/>
-          </p:nvPr>
-        </p:nvSpPr>
-        <p:spPr/>
-        <p:txBody>
-          <a:bodyPr/>
-          <a:lstStyle/>
-          <a:p>
-            <a:r>
-              <a:rPr lang="en-GB" dirty="0" err="1"/>
-              <a:t>OpenAPI</a:t>
-            </a:r>
-            <a:r>
-              <a:rPr lang="en-GB" dirty="0"/>
-              <a:t> in .NET</a:t>
-            </a:r>
-          </a:p>
-        </p:txBody>
-      </p:sp>
-      <p:sp>
-        <p:nvSpPr>
-          <p:cNvPr id="3" name="Content Placeholder 2">
-            <a:extLst>
-              <a:ext uri="{FF2B5EF4-FFF2-40B4-BE49-F238E27FC236}">
-                <a16:creationId xmlns:a16="http://schemas.microsoft.com/office/drawing/2014/main" id="{BC657EE2-72E8-3CCF-1062-9466CACBB8DB}"/>
-              </a:ext>
-            </a:extLst>
-          </p:cNvPr>
-          <p:cNvSpPr>
-            <a:spLocks noGrp="1"/>
-          </p:cNvSpPr>
-          <p:nvPr>
-            <p:ph idx="1"/>
-          </p:nvPr>
-        </p:nvSpPr>
-        <p:spPr/>
-        <p:txBody>
-          <a:bodyPr/>
-          <a:lstStyle/>
-          <a:p>
-            <a:r>
-              <a:rPr lang="en-GB" dirty="0" err="1"/>
-              <a:t>Swashbuckle</a:t>
-            </a:r>
-            <a:endParaRPr lang="en-GB" dirty="0"/>
-          </a:p>
-          <a:p>
-            <a:r>
-              <a:rPr lang="en-GB" dirty="0" err="1"/>
-              <a:t>NSwag</a:t>
-            </a:r>
-            <a:endParaRPr lang="en-GB" dirty="0"/>
-          </a:p>
-        </p:txBody>
-      </p:sp>
-    </p:spTree>
-    <p:extLst>
-      <p:ext uri="{BB962C8B-B14F-4D97-AF65-F5344CB8AC3E}">
-        <p14:creationId xmlns:p14="http://schemas.microsoft.com/office/powerpoint/2010/main" val="2133295142"/>
-      </p:ext>
-    </p:extLst>
-  </p:cSld>
-  <p:clrMapOvr>
-    <a:masterClrMapping/>
-  </p:clrMapOvr>
-</p:sld>
-</file>
-
-<file path=ppt/slides/slide20.xml><?xml version="1.0" encoding="utf-8"?>
-<p:sld xmlns:a="http://schemas.openxmlformats.org/drawingml/2006/main" xmlns:r="http://schemas.openxmlformats.org/officeDocument/2006/relationships" xmlns:p="http://schemas.openxmlformats.org/presentationml/2006/main">
-  <p:cSld>
-    <p:spTree>
-      <p:nvGrpSpPr>
-        <p:cNvPr id="1" name=""/>
-        <p:cNvGrpSpPr/>
-        <p:nvPr/>
-      </p:nvGrpSpPr>
-      <p:grpSpPr>
-        <a:xfrm>
-          <a:off x="0" y="0"/>
-          <a:ext cx="0" cy="0"/>
-          <a:chOff x="0" y="0"/>
-          <a:chExt cx="0" cy="0"/>
-        </a:xfrm>
-      </p:grpSpPr>
-      <p:pic>
-        <p:nvPicPr>
-          <p:cNvPr id="5" name="Picture 4">
-            <a:extLst>
-              <a:ext uri="{FF2B5EF4-FFF2-40B4-BE49-F238E27FC236}">
-                <a16:creationId xmlns:a16="http://schemas.microsoft.com/office/drawing/2014/main" id="{14676D03-CD9F-73CD-7024-A758CDF0DF4B}"/>
-              </a:ext>
-            </a:extLst>
-          </p:cNvPr>
-          <p:cNvPicPr>
-            <a:picLocks noChangeAspect="1"/>
-          </p:cNvPicPr>
-          <p:nvPr/>
-        </p:nvPicPr>
-        <p:blipFill>
-          <a:blip r:embed="rId2">
-            <a:extLst>
-              <a:ext uri="{28A0092B-C50C-407E-A947-70E740481C1C}">
-                <a14:useLocalDpi xmlns:a14="http://schemas.microsoft.com/office/drawing/2010/main" val="0"/>
-              </a:ext>
-            </a:extLst>
-          </a:blip>
-          <a:stretch>
-            <a:fillRect/>
-          </a:stretch>
-        </p:blipFill>
-        <p:spPr>
-          <a:xfrm>
-            <a:off x="1585481" y="0"/>
-            <a:ext cx="9021037" cy="6858000"/>
-          </a:xfrm>
-          <a:prstGeom prst="rect">
-            <a:avLst/>
-          </a:prstGeom>
-        </p:spPr>
-      </p:pic>
-    </p:spTree>
-    <p:extLst>
-      <p:ext uri="{BB962C8B-B14F-4D97-AF65-F5344CB8AC3E}">
-        <p14:creationId xmlns:p14="http://schemas.microsoft.com/office/powerpoint/2010/main" val="1236137089"/>
-      </p:ext>
-    </p:extLst>
-  </p:cSld>
-  <p:clrMapOvr>
-    <a:masterClrMapping/>
-  </p:clrMapOvr>
-</p:sld>
-</file>
-
-<file path=ppt/slides/slide21.xml><?xml version="1.0" encoding="utf-8"?>
-<p:sld xmlns:a="http://schemas.openxmlformats.org/drawingml/2006/main" xmlns:r="http://schemas.openxmlformats.org/officeDocument/2006/relationships" xmlns:p="http://schemas.openxmlformats.org/presentationml/2006/main">
-  <p:cSld>
-    <p:spTree>
-      <p:nvGrpSpPr>
-        <p:cNvPr id="1" name=""/>
-        <p:cNvGrpSpPr/>
-        <p:nvPr/>
-      </p:nvGrpSpPr>
-      <p:grpSpPr>
-        <a:xfrm>
-          <a:off x="0" y="0"/>
-          <a:ext cx="0" cy="0"/>
-          <a:chOff x="0" y="0"/>
-          <a:chExt cx="0" cy="0"/>
-        </a:xfrm>
-      </p:grpSpPr>
-      <p:sp>
-        <p:nvSpPr>
-          <p:cNvPr id="2" name="Title 1">
-            <a:extLst>
-              <a:ext uri="{FF2B5EF4-FFF2-40B4-BE49-F238E27FC236}">
-                <a16:creationId xmlns:a16="http://schemas.microsoft.com/office/drawing/2014/main" id="{787A6BFD-B42C-E42B-054B-EFA0989B5BEC}"/>
-              </a:ext>
-            </a:extLst>
-          </p:cNvPr>
-          <p:cNvSpPr>
-            <a:spLocks noGrp="1"/>
-          </p:cNvSpPr>
-          <p:nvPr>
-            <p:ph type="title"/>
-          </p:nvPr>
-        </p:nvSpPr>
-        <p:spPr/>
-        <p:txBody>
-          <a:bodyPr/>
-          <a:lstStyle/>
-          <a:p>
-            <a:r>
-              <a:rPr lang="en-GB" dirty="0"/>
-              <a:t>Security</a:t>
-            </a:r>
-          </a:p>
-        </p:txBody>
-      </p:sp>
-      <p:sp>
-        <p:nvSpPr>
-          <p:cNvPr id="3" name="Text Placeholder 2">
-            <a:extLst>
-              <a:ext uri="{FF2B5EF4-FFF2-40B4-BE49-F238E27FC236}">
-                <a16:creationId xmlns:a16="http://schemas.microsoft.com/office/drawing/2014/main" id="{6DDA6758-E10D-5B4C-E3F3-303B0E768AA4}"/>
-              </a:ext>
-            </a:extLst>
-          </p:cNvPr>
-          <p:cNvSpPr>
-            <a:spLocks noGrp="1"/>
-          </p:cNvSpPr>
-          <p:nvPr>
-            <p:ph type="body" idx="1"/>
-          </p:nvPr>
-        </p:nvSpPr>
-        <p:spPr/>
-        <p:txBody>
-          <a:bodyPr/>
-          <a:lstStyle/>
-          <a:p>
-            <a:endParaRPr lang="en-GB"/>
-          </a:p>
-        </p:txBody>
-      </p:sp>
-    </p:spTree>
-    <p:extLst>
-      <p:ext uri="{BB962C8B-B14F-4D97-AF65-F5344CB8AC3E}">
-        <p14:creationId xmlns:p14="http://schemas.microsoft.com/office/powerpoint/2010/main" val="4241548109"/>
-      </p:ext>
-    </p:extLst>
-  </p:cSld>
-  <p:clrMapOvr>
-    <a:masterClrMapping/>
-  </p:clrMapOvr>
-</p:sld>
-</file>
-
-<file path=ppt/slides/slide22.xml><?xml version="1.0" encoding="utf-8"?>
-<p:sld xmlns:a="http://schemas.openxmlformats.org/drawingml/2006/main" xmlns:r="http://schemas.openxmlformats.org/officeDocument/2006/relationships" xmlns:p="http://schemas.openxmlformats.org/presentationml/2006/main">
-  <p:cSld>
-    <p:spTree>
-      <p:nvGrpSpPr>
-        <p:cNvPr id="1" name=""/>
-        <p:cNvGrpSpPr/>
-        <p:nvPr/>
-      </p:nvGrpSpPr>
-      <p:grpSpPr>
-        <a:xfrm>
-          <a:off x="0" y="0"/>
-          <a:ext cx="0" cy="0"/>
-          <a:chOff x="0" y="0"/>
-          <a:chExt cx="0" cy="0"/>
-        </a:xfrm>
-      </p:grpSpPr>
-      <p:sp>
-        <p:nvSpPr>
-          <p:cNvPr id="2" name="Title 1">
-            <a:extLst>
-              <a:ext uri="{FF2B5EF4-FFF2-40B4-BE49-F238E27FC236}">
-                <a16:creationId xmlns:a16="http://schemas.microsoft.com/office/drawing/2014/main" id="{3FE8459F-EB23-263C-3E56-239970E55B52}"/>
-              </a:ext>
-            </a:extLst>
-          </p:cNvPr>
-          <p:cNvSpPr>
-            <a:spLocks noGrp="1"/>
-          </p:cNvSpPr>
-          <p:nvPr>
-            <p:ph type="title"/>
-          </p:nvPr>
-        </p:nvSpPr>
-        <p:spPr/>
-        <p:txBody>
-          <a:bodyPr/>
-          <a:lstStyle/>
-          <a:p>
-            <a:r>
-              <a:rPr lang="en-GB" dirty="0"/>
-              <a:t>Problems</a:t>
-            </a:r>
-          </a:p>
-        </p:txBody>
-      </p:sp>
-      <p:sp>
-        <p:nvSpPr>
-          <p:cNvPr id="3" name="Text Placeholder 2">
-            <a:extLst>
-              <a:ext uri="{FF2B5EF4-FFF2-40B4-BE49-F238E27FC236}">
-                <a16:creationId xmlns:a16="http://schemas.microsoft.com/office/drawing/2014/main" id="{1E1DF97D-980C-E664-2A4B-364168537BD5}"/>
-              </a:ext>
-            </a:extLst>
-          </p:cNvPr>
-          <p:cNvSpPr>
-            <a:spLocks noGrp="1"/>
-          </p:cNvSpPr>
-          <p:nvPr>
-            <p:ph type="body" idx="1"/>
-          </p:nvPr>
-        </p:nvSpPr>
-        <p:spPr/>
-        <p:txBody>
-          <a:bodyPr/>
-          <a:lstStyle/>
-          <a:p>
-            <a:r>
-              <a:rPr lang="en-GB" dirty="0"/>
-              <a:t>application/</a:t>
-            </a:r>
-            <a:r>
-              <a:rPr lang="en-GB" dirty="0" err="1"/>
-              <a:t>problem+json</a:t>
-            </a:r>
-            <a:endParaRPr lang="en-GB" dirty="0"/>
-          </a:p>
-        </p:txBody>
-      </p:sp>
-    </p:spTree>
-    <p:extLst>
-      <p:ext uri="{BB962C8B-B14F-4D97-AF65-F5344CB8AC3E}">
-        <p14:creationId xmlns:p14="http://schemas.microsoft.com/office/powerpoint/2010/main" val="4253723392"/>
-      </p:ext>
-    </p:extLst>
-  </p:cSld>
-  <p:clrMapOvr>
-    <a:masterClrMapping/>
-  </p:clrMapOvr>
-</p:sld>
-</file>
-
-<file path=ppt/slides/slide23.xml><?xml version="1.0" encoding="utf-8"?>
-<p:sld xmlns:a="http://schemas.openxmlformats.org/drawingml/2006/main" xmlns:r="http://schemas.openxmlformats.org/officeDocument/2006/relationships" xmlns:p="http://schemas.openxmlformats.org/presentationml/2006/main">
-  <p:cSld>
-    <p:spTree>
-      <p:nvGrpSpPr>
-        <p:cNvPr id="1" name=""/>
-        <p:cNvGrpSpPr/>
-        <p:nvPr/>
-      </p:nvGrpSpPr>
-      <p:grpSpPr>
-        <a:xfrm>
-          <a:off x="0" y="0"/>
-          <a:ext cx="0" cy="0"/>
-          <a:chOff x="0" y="0"/>
-          <a:chExt cx="0" cy="0"/>
-        </a:xfrm>
-      </p:grpSpPr>
-      <p:pic>
-        <p:nvPicPr>
-          <p:cNvPr id="3" name="Picture 2">
-            <a:extLst>
-              <a:ext uri="{FF2B5EF4-FFF2-40B4-BE49-F238E27FC236}">
-                <a16:creationId xmlns:a16="http://schemas.microsoft.com/office/drawing/2014/main" id="{FD64E502-0D80-4E4E-F557-409FB42BAB02}"/>
-              </a:ext>
-            </a:extLst>
-          </p:cNvPr>
-          <p:cNvPicPr>
-            <a:picLocks noChangeAspect="1"/>
-          </p:cNvPicPr>
-          <p:nvPr/>
-        </p:nvPicPr>
-        <p:blipFill>
-          <a:blip r:embed="rId2">
-            <a:extLst>
-              <a:ext uri="{28A0092B-C50C-407E-A947-70E740481C1C}">
-                <a14:useLocalDpi xmlns:a14="http://schemas.microsoft.com/office/drawing/2010/main" val="0"/>
-              </a:ext>
-            </a:extLst>
-          </a:blip>
-          <a:stretch>
-            <a:fillRect/>
-          </a:stretch>
-        </p:blipFill>
-        <p:spPr>
-          <a:xfrm>
-            <a:off x="2598525" y="0"/>
-            <a:ext cx="6994949" cy="6858000"/>
-          </a:xfrm>
-          <a:prstGeom prst="rect">
-            <a:avLst/>
-          </a:prstGeom>
-        </p:spPr>
-      </p:pic>
-    </p:spTree>
-    <p:extLst>
-      <p:ext uri="{BB962C8B-B14F-4D97-AF65-F5344CB8AC3E}">
-        <p14:creationId xmlns:p14="http://schemas.microsoft.com/office/powerpoint/2010/main" val="2689613026"/>
-      </p:ext>
-    </p:extLst>
-  </p:cSld>
-  <p:clrMapOvr>
-    <a:masterClrMapping/>
-  </p:clrMapOvr>
-</p:sld>
-</file>
-
-<file path=ppt/slides/slide24.xml><?xml version="1.0" encoding="utf-8"?>
-<p:sld xmlns:a="http://schemas.openxmlformats.org/drawingml/2006/main" xmlns:r="http://schemas.openxmlformats.org/officeDocument/2006/relationships" xmlns:p="http://schemas.openxmlformats.org/presentationml/2006/main">
-  <p:cSld>
-    <p:spTree>
-      <p:nvGrpSpPr>
-        <p:cNvPr id="1" name=""/>
-        <p:cNvGrpSpPr/>
-        <p:nvPr/>
-      </p:nvGrpSpPr>
-      <p:grpSpPr>
-        <a:xfrm>
-          <a:off x="0" y="0"/>
-          <a:ext cx="0" cy="0"/>
-          <a:chOff x="0" y="0"/>
-          <a:chExt cx="0" cy="0"/>
-        </a:xfrm>
-      </p:grpSpPr>
-      <p:sp>
-        <p:nvSpPr>
-          <p:cNvPr id="2" name="Title 1">
-            <a:extLst>
-              <a:ext uri="{FF2B5EF4-FFF2-40B4-BE49-F238E27FC236}">
-                <a16:creationId xmlns:a16="http://schemas.microsoft.com/office/drawing/2014/main" id="{5592EC0B-A3CD-B223-512D-74AAB33C0BA8}"/>
-              </a:ext>
-            </a:extLst>
-          </p:cNvPr>
-          <p:cNvSpPr>
-            <a:spLocks noGrp="1"/>
-          </p:cNvSpPr>
-          <p:nvPr>
-            <p:ph type="title"/>
-          </p:nvPr>
-        </p:nvSpPr>
-        <p:spPr/>
-        <p:txBody>
-          <a:bodyPr/>
-          <a:lstStyle/>
-          <a:p>
-            <a:r>
-              <a:rPr lang="en-GB" dirty="0"/>
-              <a:t>Tools</a:t>
-            </a:r>
-          </a:p>
-        </p:txBody>
-      </p:sp>
-      <p:sp>
-        <p:nvSpPr>
-          <p:cNvPr id="3" name="Content Placeholder 2">
-            <a:extLst>
-              <a:ext uri="{FF2B5EF4-FFF2-40B4-BE49-F238E27FC236}">
-                <a16:creationId xmlns:a16="http://schemas.microsoft.com/office/drawing/2014/main" id="{71B67435-0E9A-06CE-2486-38134A2A38D4}"/>
-              </a:ext>
-            </a:extLst>
-          </p:cNvPr>
-          <p:cNvSpPr>
-            <a:spLocks noGrp="1"/>
-          </p:cNvSpPr>
-          <p:nvPr>
-            <p:ph idx="1"/>
-          </p:nvPr>
-        </p:nvSpPr>
-        <p:spPr/>
-        <p:txBody>
-          <a:bodyPr>
-            <a:normAutofit/>
-          </a:bodyPr>
-          <a:lstStyle/>
-          <a:p>
-            <a:pPr>
-              <a:spcBef>
-                <a:spcPts val="3600"/>
-              </a:spcBef>
-            </a:pPr>
-            <a:r>
-              <a:rPr lang="en-GB" dirty="0"/>
-              <a:t>Swagger UI</a:t>
-            </a:r>
-          </a:p>
-          <a:p>
-            <a:pPr>
-              <a:spcBef>
-                <a:spcPts val="3600"/>
-              </a:spcBef>
-            </a:pPr>
-            <a:r>
-              <a:rPr lang="en-GB" dirty="0" err="1"/>
-              <a:t>Redoc</a:t>
-            </a:r>
-            <a:br>
-              <a:rPr lang="en-GB" dirty="0"/>
-            </a:br>
-            <a:r>
-              <a:rPr lang="en-GB" sz="1600" dirty="0">
-                <a:solidFill>
-                  <a:schemeClr val="accent2">
-                    <a:lumMod val="60000"/>
-                    <a:lumOff val="40000"/>
-                  </a:schemeClr>
-                </a:solidFill>
-              </a:rPr>
-              <a:t>github.com/</a:t>
-            </a:r>
-            <a:r>
-              <a:rPr lang="en-GB" sz="1600" dirty="0" err="1">
-                <a:solidFill>
-                  <a:schemeClr val="accent2">
-                    <a:lumMod val="60000"/>
-                    <a:lumOff val="40000"/>
-                  </a:schemeClr>
-                </a:solidFill>
-              </a:rPr>
-              <a:t>Redocly</a:t>
-            </a:r>
-            <a:r>
-              <a:rPr lang="en-GB" sz="1600" dirty="0">
-                <a:solidFill>
-                  <a:schemeClr val="accent2">
-                    <a:lumMod val="60000"/>
-                    <a:lumOff val="40000"/>
-                  </a:schemeClr>
-                </a:solidFill>
-              </a:rPr>
-              <a:t>/</a:t>
-            </a:r>
-            <a:r>
-              <a:rPr lang="en-GB" sz="1600" dirty="0" err="1">
-                <a:solidFill>
-                  <a:schemeClr val="accent2">
-                    <a:lumMod val="60000"/>
-                    <a:lumOff val="40000"/>
-                  </a:schemeClr>
-                </a:solidFill>
-              </a:rPr>
-              <a:t>redoc</a:t>
-            </a:r>
-            <a:endParaRPr lang="en-GB" sz="1600" dirty="0">
-              <a:solidFill>
-                <a:schemeClr val="accent2">
-                  <a:lumMod val="60000"/>
-                  <a:lumOff val="40000"/>
-                </a:schemeClr>
-              </a:solidFill>
-            </a:endParaRPr>
-          </a:p>
-          <a:p>
-            <a:pPr>
-              <a:spcBef>
-                <a:spcPts val="3600"/>
-              </a:spcBef>
-            </a:pPr>
-            <a:r>
-              <a:rPr lang="en-GB" dirty="0"/>
-              <a:t>Widdershins + </a:t>
-            </a:r>
-            <a:r>
-              <a:rPr lang="en-GB" dirty="0" err="1"/>
-              <a:t>Reslate</a:t>
-            </a:r>
-            <a:br>
-              <a:rPr lang="en-GB" dirty="0"/>
-            </a:br>
-            <a:r>
-              <a:rPr lang="en-GB" sz="1600" dirty="0">
-                <a:solidFill>
-                  <a:schemeClr val="accent2">
-                    <a:lumMod val="60000"/>
-                    <a:lumOff val="40000"/>
-                  </a:schemeClr>
-                </a:solidFill>
-              </a:rPr>
-              <a:t>github.com/</a:t>
-            </a:r>
-            <a:r>
-              <a:rPr lang="en-GB" sz="1600" dirty="0" err="1">
-                <a:solidFill>
-                  <a:schemeClr val="accent2">
-                    <a:lumMod val="60000"/>
-                    <a:lumOff val="40000"/>
-                  </a:schemeClr>
-                </a:solidFill>
-              </a:rPr>
-              <a:t>Mermade</a:t>
-            </a:r>
-            <a:r>
-              <a:rPr lang="en-GB" sz="1600" dirty="0">
-                <a:solidFill>
-                  <a:schemeClr val="accent2">
-                    <a:lumMod val="60000"/>
-                    <a:lumOff val="40000"/>
-                  </a:schemeClr>
-                </a:solidFill>
-              </a:rPr>
-              <a:t>/widdershins</a:t>
-            </a:r>
-            <a:endParaRPr lang="en-GB" sz="1600" dirty="0"/>
-          </a:p>
-          <a:p>
-            <a:pPr>
-              <a:spcBef>
-                <a:spcPts val="3600"/>
-              </a:spcBef>
-            </a:pPr>
-            <a:r>
-              <a:rPr lang="en-GB" dirty="0"/>
-              <a:t>Elements</a:t>
-            </a:r>
-            <a:br>
-              <a:rPr lang="en-GB" dirty="0"/>
-            </a:br>
-            <a:r>
-              <a:rPr lang="en-GB" sz="1600" dirty="0">
-                <a:solidFill>
-                  <a:schemeClr val="accent2">
-                    <a:lumMod val="60000"/>
-                    <a:lumOff val="40000"/>
-                  </a:schemeClr>
-                </a:solidFill>
-              </a:rPr>
-              <a:t>stoplight.io/open-source/elements</a:t>
-            </a:r>
-          </a:p>
-        </p:txBody>
-      </p:sp>
-    </p:spTree>
-    <p:extLst>
-      <p:ext uri="{BB962C8B-B14F-4D97-AF65-F5344CB8AC3E}">
-        <p14:creationId xmlns:p14="http://schemas.microsoft.com/office/powerpoint/2010/main" val="2893756278"/>
-      </p:ext>
-    </p:extLst>
-  </p:cSld>
-  <p:clrMapOvr>
-    <a:masterClrMapping/>
-  </p:clrMapOvr>
-</p:sld>
-</file>
-
-<file path=ppt/slides/slide25.xml><?xml version="1.0" encoding="utf-8"?>
-<p:sld xmlns:a="http://schemas.openxmlformats.org/drawingml/2006/main" xmlns:r="http://schemas.openxmlformats.org/officeDocument/2006/relationships" xmlns:p="http://schemas.openxmlformats.org/presentationml/2006/main">
-  <p:cSld>
-    <p:spTree>
-      <p:nvGrpSpPr>
-        <p:cNvPr id="1" name=""/>
-        <p:cNvGrpSpPr/>
-        <p:nvPr/>
-      </p:nvGrpSpPr>
-      <p:grpSpPr>
-        <a:xfrm>
-          <a:off x="0" y="0"/>
-          <a:ext cx="0" cy="0"/>
-          <a:chOff x="0" y="0"/>
-          <a:chExt cx="0" cy="0"/>
-        </a:xfrm>
-      </p:grpSpPr>
-      <p:sp>
-        <p:nvSpPr>
-          <p:cNvPr id="2" name="Title 1">
-            <a:extLst>
-              <a:ext uri="{FF2B5EF4-FFF2-40B4-BE49-F238E27FC236}">
-                <a16:creationId xmlns:a16="http://schemas.microsoft.com/office/drawing/2014/main" id="{C4DAB788-8FB0-FF25-28E5-B49FEED02E0C}"/>
-              </a:ext>
-            </a:extLst>
-          </p:cNvPr>
-          <p:cNvSpPr>
-            <a:spLocks noGrp="1"/>
-          </p:cNvSpPr>
-          <p:nvPr>
-            <p:ph type="title"/>
-          </p:nvPr>
-        </p:nvSpPr>
-        <p:spPr/>
-        <p:txBody>
-          <a:bodyPr/>
-          <a:lstStyle/>
-          <a:p>
-            <a:r>
-              <a:rPr lang="en-GB" dirty="0"/>
-              <a:t>Bundling</a:t>
-            </a:r>
-          </a:p>
-        </p:txBody>
-      </p:sp>
-      <p:pic>
-        <p:nvPicPr>
-          <p:cNvPr id="5" name="Content Placeholder 4">
-            <a:extLst>
-              <a:ext uri="{FF2B5EF4-FFF2-40B4-BE49-F238E27FC236}">
-                <a16:creationId xmlns:a16="http://schemas.microsoft.com/office/drawing/2014/main" id="{46D85B33-E466-BB66-4D80-A0E1A1DA39E0}"/>
-              </a:ext>
-            </a:extLst>
-          </p:cNvPr>
-          <p:cNvPicPr>
-            <a:picLocks noGrp="1" noChangeAspect="1"/>
-          </p:cNvPicPr>
-          <p:nvPr>
-            <p:ph idx="1"/>
-          </p:nvPr>
-        </p:nvPicPr>
-        <p:blipFill>
-          <a:blip r:embed="rId2">
-            <a:extLst>
-              <a:ext uri="{28A0092B-C50C-407E-A947-70E740481C1C}">
-                <a14:useLocalDpi xmlns:a14="http://schemas.microsoft.com/office/drawing/2010/main" val="0"/>
-              </a:ext>
-            </a:extLst>
-          </a:blip>
-          <a:stretch>
-            <a:fillRect/>
-          </a:stretch>
-        </p:blipFill>
-        <p:spPr>
-          <a:xfrm>
-            <a:off x="838200" y="2116943"/>
-            <a:ext cx="10515600" cy="3768702"/>
-          </a:xfrm>
-        </p:spPr>
-      </p:pic>
-    </p:spTree>
-    <p:extLst>
-      <p:ext uri="{BB962C8B-B14F-4D97-AF65-F5344CB8AC3E}">
-        <p14:creationId xmlns:p14="http://schemas.microsoft.com/office/powerpoint/2010/main" val="3713737075"/>
-      </p:ext>
-    </p:extLst>
-  </p:cSld>
-  <p:clrMapOvr>
-    <a:masterClrMapping/>
-  </p:clrMapOvr>
-</p:sld>
-</file>
-
-<file path=ppt/slides/slide26.xml><?xml version="1.0" encoding="utf-8"?>
-<p:sld xmlns:a="http://schemas.openxmlformats.org/drawingml/2006/main" xmlns:r="http://schemas.openxmlformats.org/officeDocument/2006/relationships" xmlns:p="http://schemas.openxmlformats.org/presentationml/2006/main">
-  <p:cSld>
-    <p:spTree>
-      <p:nvGrpSpPr>
-        <p:cNvPr id="1" name=""/>
-        <p:cNvGrpSpPr/>
-        <p:nvPr/>
-      </p:nvGrpSpPr>
-      <p:grpSpPr>
-        <a:xfrm>
-          <a:off x="0" y="0"/>
-          <a:ext cx="0" cy="0"/>
-          <a:chOff x="0" y="0"/>
-          <a:chExt cx="0" cy="0"/>
-        </a:xfrm>
-      </p:grpSpPr>
-      <p:sp>
-        <p:nvSpPr>
-          <p:cNvPr id="2" name="Title 1">
-            <a:extLst>
-              <a:ext uri="{FF2B5EF4-FFF2-40B4-BE49-F238E27FC236}">
-                <a16:creationId xmlns:a16="http://schemas.microsoft.com/office/drawing/2014/main" id="{99629F9A-EFA6-715B-2804-5BBE4D49E3EA}"/>
-              </a:ext>
-            </a:extLst>
-          </p:cNvPr>
-          <p:cNvSpPr>
-            <a:spLocks noGrp="1"/>
-          </p:cNvSpPr>
-          <p:nvPr>
-            <p:ph type="title"/>
-          </p:nvPr>
-        </p:nvSpPr>
-        <p:spPr/>
-        <p:txBody>
-          <a:bodyPr/>
-          <a:lstStyle/>
-          <a:p>
-            <a:r>
-              <a:rPr lang="en-GB" dirty="0"/>
-              <a:t>Packages</a:t>
-            </a:r>
-          </a:p>
-        </p:txBody>
-      </p:sp>
-      <p:sp>
-        <p:nvSpPr>
-          <p:cNvPr id="3" name="Content Placeholder 2">
-            <a:extLst>
-              <a:ext uri="{FF2B5EF4-FFF2-40B4-BE49-F238E27FC236}">
-                <a16:creationId xmlns:a16="http://schemas.microsoft.com/office/drawing/2014/main" id="{45A6AA06-BF8E-0DCA-344F-2C5D079ED393}"/>
-              </a:ext>
-            </a:extLst>
-          </p:cNvPr>
-          <p:cNvSpPr>
-            <a:spLocks noGrp="1"/>
-          </p:cNvSpPr>
-          <p:nvPr>
-            <p:ph idx="1"/>
-          </p:nvPr>
-        </p:nvSpPr>
-        <p:spPr/>
-        <p:txBody>
-          <a:bodyPr/>
-          <a:lstStyle/>
-          <a:p>
-            <a:r>
-              <a:rPr lang="en-GB" dirty="0" err="1"/>
-              <a:t>RendleLabs.OpenApi.Web</a:t>
-            </a:r>
-            <a:endParaRPr lang="en-GB" dirty="0"/>
-          </a:p>
-          <a:p>
-            <a:r>
-              <a:rPr lang="en-GB" dirty="0" err="1">
-                <a:solidFill>
-                  <a:schemeClr val="tx1">
-                    <a:lumMod val="50000"/>
-                  </a:schemeClr>
-                </a:solidFill>
-              </a:rPr>
-              <a:t>RendleLabs.OpenApi.Bundle</a:t>
-            </a:r>
-            <a:endParaRPr lang="en-GB" dirty="0">
-              <a:solidFill>
-                <a:schemeClr val="tx1">
-                  <a:lumMod val="50000"/>
-                </a:schemeClr>
-              </a:solidFill>
-            </a:endParaRPr>
-          </a:p>
-          <a:p>
-            <a:r>
-              <a:rPr lang="en-GB" dirty="0" err="1">
-                <a:solidFill>
-                  <a:schemeClr val="tx1">
-                    <a:lumMod val="50000"/>
-                  </a:schemeClr>
-                </a:solidFill>
-              </a:rPr>
-              <a:t>RendleLabs.OpenApi.Test</a:t>
-            </a:r>
-            <a:endParaRPr lang="en-GB" dirty="0">
-              <a:solidFill>
-                <a:schemeClr val="tx1">
-                  <a:lumMod val="50000"/>
-                </a:schemeClr>
-              </a:solidFill>
-            </a:endParaRPr>
-          </a:p>
-          <a:p>
-            <a:r>
-              <a:rPr lang="en-GB" dirty="0" err="1">
-                <a:solidFill>
-                  <a:schemeClr val="tx1">
-                    <a:lumMod val="50000"/>
-                  </a:schemeClr>
-                </a:solidFill>
-              </a:rPr>
-              <a:t>RendleLabs.OpenApi.Doc</a:t>
-            </a:r>
-            <a:endParaRPr lang="en-GB" dirty="0">
-              <a:solidFill>
-                <a:schemeClr val="tx1">
-                  <a:lumMod val="50000"/>
-                </a:schemeClr>
-              </a:solidFill>
-            </a:endParaRPr>
-          </a:p>
-        </p:txBody>
-      </p:sp>
-    </p:spTree>
-    <p:extLst>
-      <p:ext uri="{BB962C8B-B14F-4D97-AF65-F5344CB8AC3E}">
-        <p14:creationId xmlns:p14="http://schemas.microsoft.com/office/powerpoint/2010/main" val="4270393768"/>
-      </p:ext>
-    </p:extLst>
-  </p:cSld>
-  <p:clrMapOvr>
-    <a:masterClrMapping/>
-  </p:clrMapOvr>
-</p:sld>
-</file>
-
-<file path=ppt/slides/slide3.xml><?xml version="1.0" encoding="utf-8"?>
-<p:sld xmlns:a="http://schemas.openxmlformats.org/drawingml/2006/main" xmlns:r="http://schemas.openxmlformats.org/officeDocument/2006/relationships" xmlns:p="http://schemas.openxmlformats.org/presentationml/2006/main">
-  <p:cSld>
-    <p:spTree>
-      <p:nvGrpSpPr>
-        <p:cNvPr id="1" name=""/>
-        <p:cNvGrpSpPr/>
-        <p:nvPr/>
-      </p:nvGrpSpPr>
-      <p:grpSpPr>
-        <a:xfrm>
-          <a:off x="0" y="0"/>
-          <a:ext cx="0" cy="0"/>
-          <a:chOff x="0" y="0"/>
-          <a:chExt cx="0" cy="0"/>
-        </a:xfrm>
-      </p:grpSpPr>
-      <p:sp>
-        <p:nvSpPr>
-          <p:cNvPr id="2" name="Title 1">
-            <a:extLst>
-              <a:ext uri="{FF2B5EF4-FFF2-40B4-BE49-F238E27FC236}">
-                <a16:creationId xmlns:a16="http://schemas.microsoft.com/office/drawing/2014/main" id="{CFB46E0B-2E84-CC69-2AC9-036C69EC152B}"/>
-              </a:ext>
-            </a:extLst>
-          </p:cNvPr>
-          <p:cNvSpPr>
-            <a:spLocks noGrp="1"/>
-          </p:cNvSpPr>
-          <p:nvPr>
-            <p:ph type="title"/>
-          </p:nvPr>
-        </p:nvSpPr>
-        <p:spPr/>
-        <p:txBody>
-          <a:bodyPr/>
-          <a:lstStyle/>
-          <a:p>
-            <a:r>
-              <a:rPr lang="en-GB" dirty="0" err="1"/>
-              <a:t>OpenAPI</a:t>
-            </a:r>
-            <a:r>
-              <a:rPr lang="en-GB" dirty="0"/>
-              <a:t> in .NET</a:t>
-            </a:r>
-          </a:p>
-        </p:txBody>
-      </p:sp>
-      <p:pic>
-        <p:nvPicPr>
-          <p:cNvPr id="7" name="Picture 6" descr="Text&#10;&#10;Description automatically generated">
-            <a:extLst>
-              <a:ext uri="{FF2B5EF4-FFF2-40B4-BE49-F238E27FC236}">
-                <a16:creationId xmlns:a16="http://schemas.microsoft.com/office/drawing/2014/main" id="{076E1BC3-DA7E-7138-B3B9-A458578F93B5}"/>
-              </a:ext>
-            </a:extLst>
-          </p:cNvPr>
-          <p:cNvPicPr>
-            <a:picLocks noChangeAspect="1"/>
-          </p:cNvPicPr>
-          <p:nvPr/>
-        </p:nvPicPr>
-        <p:blipFill>
-          <a:blip r:embed="rId2">
-            <a:extLst>
-              <a:ext uri="{28A0092B-C50C-407E-A947-70E740481C1C}">
-                <a14:useLocalDpi xmlns:a14="http://schemas.microsoft.com/office/drawing/2010/main" val="0"/>
-              </a:ext>
-            </a:extLst>
-          </a:blip>
-          <a:stretch>
-            <a:fillRect/>
-          </a:stretch>
-        </p:blipFill>
-        <p:spPr>
-          <a:xfrm>
-            <a:off x="1089890" y="1027906"/>
-            <a:ext cx="10155016" cy="5979836"/>
-          </a:xfrm>
-          <a:prstGeom prst="rect">
-            <a:avLst/>
-          </a:prstGeom>
-        </p:spPr>
-      </p:pic>
-    </p:spTree>
-    <p:extLst>
-      <p:ext uri="{BB962C8B-B14F-4D97-AF65-F5344CB8AC3E}">
-        <p14:creationId xmlns:p14="http://schemas.microsoft.com/office/powerpoint/2010/main" val="1399433709"/>
-      </p:ext>
-    </p:extLst>
-  </p:cSld>
-  <p:clrMapOvr>
-    <a:masterClrMapping/>
-  </p:clrMapOvr>
-</p:sld>
-</file>
-
-<file path=ppt/slides/slide4.xml><?xml version="1.0" encoding="utf-8"?>
-<p:sld xmlns:a="http://schemas.openxmlformats.org/drawingml/2006/main" xmlns:r="http://schemas.openxmlformats.org/officeDocument/2006/relationships" xmlns:p="http://schemas.openxmlformats.org/presentationml/2006/main">
-  <p:cSld>
-    <p:spTree>
-      <p:nvGrpSpPr>
-        <p:cNvPr id="1" name=""/>
-        <p:cNvGrpSpPr/>
-        <p:nvPr/>
-      </p:nvGrpSpPr>
-      <p:grpSpPr>
-        <a:xfrm>
-          <a:off x="0" y="0"/>
-          <a:ext cx="0" cy="0"/>
-          <a:chOff x="0" y="0"/>
-          <a:chExt cx="0" cy="0"/>
-        </a:xfrm>
-      </p:grpSpPr>
-      <p:sp>
-        <p:nvSpPr>
-          <p:cNvPr id="2" name="Title 1">
-            <a:extLst>
-              <a:ext uri="{FF2B5EF4-FFF2-40B4-BE49-F238E27FC236}">
-                <a16:creationId xmlns:a16="http://schemas.microsoft.com/office/drawing/2014/main" id="{785C56BE-15F6-5C42-D5C4-4B56BBC6CFCD}"/>
-              </a:ext>
-            </a:extLst>
-          </p:cNvPr>
-          <p:cNvSpPr>
-            <a:spLocks noGrp="1"/>
-          </p:cNvSpPr>
-          <p:nvPr>
-            <p:ph type="title"/>
-          </p:nvPr>
-        </p:nvSpPr>
-        <p:spPr/>
-        <p:txBody>
-          <a:bodyPr/>
-          <a:lstStyle/>
-          <a:p>
-            <a:r>
-              <a:rPr lang="en-GB" dirty="0" err="1"/>
-              <a:t>OpenAPI</a:t>
-            </a:r>
-            <a:r>
-              <a:rPr lang="en-GB" dirty="0"/>
-              <a:t> everywhere else</a:t>
-            </a:r>
-          </a:p>
-        </p:txBody>
-      </p:sp>
-      <p:pic>
-        <p:nvPicPr>
-          <p:cNvPr id="13" name="Picture 12">
-            <a:extLst>
-              <a:ext uri="{FF2B5EF4-FFF2-40B4-BE49-F238E27FC236}">
-                <a16:creationId xmlns:a16="http://schemas.microsoft.com/office/drawing/2014/main" id="{73AA5683-AC1D-BAD9-FD88-4B6942286EDC}"/>
-              </a:ext>
-            </a:extLst>
-          </p:cNvPr>
-          <p:cNvPicPr>
-            <a:picLocks noChangeAspect="1"/>
-          </p:cNvPicPr>
-          <p:nvPr/>
-        </p:nvPicPr>
-        <p:blipFill>
-          <a:blip r:embed="rId2">
-            <a:extLst>
-              <a:ext uri="{28A0092B-C50C-407E-A947-70E740481C1C}">
-                <a14:useLocalDpi xmlns:a14="http://schemas.microsoft.com/office/drawing/2010/main" val="0"/>
-              </a:ext>
-            </a:extLst>
-          </a:blip>
-          <a:stretch>
-            <a:fillRect/>
-          </a:stretch>
-        </p:blipFill>
-        <p:spPr>
-          <a:xfrm>
-            <a:off x="2412675" y="497305"/>
-            <a:ext cx="7366650" cy="6858000"/>
-          </a:xfrm>
-          <a:prstGeom prst="rect">
-            <a:avLst/>
-          </a:prstGeom>
-        </p:spPr>
-      </p:pic>
-    </p:spTree>
-    <p:extLst>
-      <p:ext uri="{BB962C8B-B14F-4D97-AF65-F5344CB8AC3E}">
-        <p14:creationId xmlns:p14="http://schemas.microsoft.com/office/powerpoint/2010/main" val="4175986621"/>
-      </p:ext>
-    </p:extLst>
-  </p:cSld>
-  <p:clrMapOvr>
-    <a:masterClrMapping/>
-  </p:clrMapOvr>
-</p:sld>
-</file>
-
-<file path=ppt/slides/slide5.xml><?xml version="1.0" encoding="utf-8"?>
-<p:sld xmlns:a="http://schemas.openxmlformats.org/drawingml/2006/main" xmlns:r="http://schemas.openxmlformats.org/officeDocument/2006/relationships" xmlns:p="http://schemas.openxmlformats.org/presentationml/2006/main">
-  <p:cSld>
-    <p:spTree>
-      <p:nvGrpSpPr>
-        <p:cNvPr id="1" name=""/>
-        <p:cNvGrpSpPr/>
-        <p:nvPr/>
-      </p:nvGrpSpPr>
-      <p:grpSpPr>
-        <a:xfrm>
-          <a:off x="0" y="0"/>
-          <a:ext cx="0" cy="0"/>
-          <a:chOff x="0" y="0"/>
-          <a:chExt cx="0" cy="0"/>
-        </a:xfrm>
-      </p:grpSpPr>
       <p:sp>
         <p:nvSpPr>
           <p:cNvPr id="2" name="Title 1">
@@ -5072,21 +3216,36 @@
           <a:lstStyle/>
           <a:p>
             <a:r>
-              <a:rPr lang="en-GB" dirty="0"/>
+              <a:rPr lang="en-GB" dirty="0">
+                <a:latin typeface="Mystical Woods Rough Script" panose="020B0604020202020204" pitchFamily="2" charset="0"/>
+                <a:cs typeface="Dreaming Outloud Script Pro" panose="020B0604020202020204" pitchFamily="66" charset="0"/>
+              </a:rPr>
               <a:t>Hand-crafted</a:t>
             </a:r>
             <a:br>
-              <a:rPr lang="en-GB" dirty="0"/>
+              <a:rPr lang="en-GB" dirty="0">
+                <a:latin typeface="Mystical Woods Rough Script" panose="020B0604020202020204" pitchFamily="2" charset="0"/>
+                <a:cs typeface="Dreaming Outloud Script Pro" panose="020B0604020202020204" pitchFamily="66" charset="0"/>
+              </a:rPr>
             </a:br>
             <a:r>
-              <a:rPr lang="en-GB" dirty="0"/>
+              <a:rPr lang="en-GB" dirty="0">
+                <a:latin typeface="Mystical Woods Rough Script" panose="020B0604020202020204" pitchFamily="2" charset="0"/>
+                <a:cs typeface="Dreaming Outloud Script Pro" panose="020B0604020202020204" pitchFamily="66" charset="0"/>
+              </a:rPr>
               <a:t>Artisanal</a:t>
             </a:r>
             <a:br>
-              <a:rPr lang="en-GB" dirty="0"/>
+              <a:rPr lang="en-GB" dirty="0">
+                <a:latin typeface="Mystical Woods Rough Script" panose="020B0604020202020204" pitchFamily="2" charset="0"/>
+                <a:cs typeface="Dreaming Outloud Script Pro" panose="020B0604020202020204" pitchFamily="66" charset="0"/>
+              </a:rPr>
             </a:br>
             <a:r>
-              <a:rPr lang="en-GB" dirty="0"/>
+              <a:rPr lang="en-GB" dirty="0">
+                <a:latin typeface="Mystical Woods Rough Script" panose="020B0604020202020204" pitchFamily="2" charset="0"/>
+                <a:cs typeface="Dreaming Outloud Script Pro" panose="020B0604020202020204" pitchFamily="66" charset="0"/>
+              </a:rPr>
               <a:t>YAML files</a:t>
             </a:r>
           </a:p>
@@ -5130,7 +3289,7 @@
 </p:sld>
 </file>
 
-<file path=ppt/slides/slide6.xml><?xml version="1.0" encoding="utf-8"?>
+<file path=ppt/slides/slide11.xml><?xml version="1.0" encoding="utf-8"?>
 <p:sld xmlns:a="http://schemas.openxmlformats.org/drawingml/2006/main" xmlns:r="http://schemas.openxmlformats.org/officeDocument/2006/relationships" xmlns:p="http://schemas.openxmlformats.org/presentationml/2006/main">
   <p:cSld>
     <p:spTree>
@@ -5207,7 +3366,7 @@
 </p:sld>
 </file>
 
-<file path=ppt/slides/slide7.xml><?xml version="1.0" encoding="utf-8"?>
+<file path=ppt/slides/slide12.xml><?xml version="1.0" encoding="utf-8"?>
 <p:sld xmlns:a="http://schemas.openxmlformats.org/drawingml/2006/main" xmlns:r="http://schemas.openxmlformats.org/officeDocument/2006/relationships" xmlns:p="http://schemas.openxmlformats.org/presentationml/2006/main">
   <p:cSld>
     <p:bg>
@@ -5292,7 +3451,682 @@
 </p:sld>
 </file>
 
-<file path=ppt/slides/slide8.xml><?xml version="1.0" encoding="utf-8"?>
+<file path=ppt/slides/slide13.xml><?xml version="1.0" encoding="utf-8"?>
+<p:sld xmlns:a="http://schemas.openxmlformats.org/drawingml/2006/main" xmlns:r="http://schemas.openxmlformats.org/officeDocument/2006/relationships" xmlns:p="http://schemas.openxmlformats.org/presentationml/2006/main">
+  <p:cSld>
+    <p:spTree>
+      <p:nvGrpSpPr>
+        <p:cNvPr id="1" name=""/>
+        <p:cNvGrpSpPr/>
+        <p:nvPr/>
+      </p:nvGrpSpPr>
+      <p:grpSpPr>
+        <a:xfrm>
+          <a:off x="0" y="0"/>
+          <a:ext cx="0" cy="0"/>
+          <a:chOff x="0" y="0"/>
+          <a:chExt cx="0" cy="0"/>
+        </a:xfrm>
+      </p:grpSpPr>
+      <p:sp>
+        <p:nvSpPr>
+          <p:cNvPr id="2" name="Title 1">
+            <a:extLst>
+              <a:ext uri="{FF2B5EF4-FFF2-40B4-BE49-F238E27FC236}">
+                <a16:creationId xmlns:a16="http://schemas.microsoft.com/office/drawing/2014/main" id="{D0776852-B852-ADFD-0C2D-53276F5B56A1}"/>
+              </a:ext>
+            </a:extLst>
+          </p:cNvPr>
+          <p:cNvSpPr>
+            <a:spLocks noGrp="1"/>
+          </p:cNvSpPr>
+          <p:nvPr>
+            <p:ph type="title"/>
+          </p:nvPr>
+        </p:nvSpPr>
+        <p:spPr/>
+        <p:txBody>
+          <a:bodyPr/>
+          <a:lstStyle/>
+          <a:p>
+            <a:r>
+              <a:rPr lang="en-GB" dirty="0"/>
+              <a:t>Why, Mark? Why?</a:t>
+            </a:r>
+          </a:p>
+        </p:txBody>
+      </p:sp>
+      <p:sp>
+        <p:nvSpPr>
+          <p:cNvPr id="3" name="Content Placeholder 2">
+            <a:extLst>
+              <a:ext uri="{FF2B5EF4-FFF2-40B4-BE49-F238E27FC236}">
+                <a16:creationId xmlns:a16="http://schemas.microsoft.com/office/drawing/2014/main" id="{1FBB9930-7A2D-16D5-4DD6-3E0381494185}"/>
+              </a:ext>
+            </a:extLst>
+          </p:cNvPr>
+          <p:cNvSpPr>
+            <a:spLocks noGrp="1"/>
+          </p:cNvSpPr>
+          <p:nvPr>
+            <p:ph idx="1"/>
+          </p:nvPr>
+        </p:nvSpPr>
+        <p:spPr/>
+        <p:txBody>
+          <a:bodyPr/>
+          <a:lstStyle/>
+          <a:p>
+            <a:r>
+              <a:rPr lang="en-GB" dirty="0"/>
+              <a:t>Source of truth for your team</a:t>
+            </a:r>
+            <a:br>
+              <a:rPr lang="en-GB" dirty="0"/>
+            </a:br>
+            <a:endParaRPr lang="en-GB" dirty="0"/>
+          </a:p>
+          <a:p>
+            <a:r>
+              <a:rPr lang="en-GB" dirty="0"/>
+              <a:t>Separate Design and Implementation</a:t>
+            </a:r>
+            <a:br>
+              <a:rPr lang="en-GB" dirty="0"/>
+            </a:br>
+            <a:endParaRPr lang="en-GB" dirty="0"/>
+          </a:p>
+          <a:p>
+            <a:r>
+              <a:rPr lang="en-GB" dirty="0"/>
+              <a:t>Better description of your API</a:t>
+            </a:r>
+            <a:br>
+              <a:rPr lang="en-GB" dirty="0"/>
+            </a:br>
+            <a:endParaRPr lang="en-GB" dirty="0"/>
+          </a:p>
+          <a:p>
+            <a:r>
+              <a:rPr lang="en-GB" dirty="0"/>
+              <a:t>Automated documentation</a:t>
+            </a:r>
+          </a:p>
+        </p:txBody>
+      </p:sp>
+    </p:spTree>
+    <p:extLst>
+      <p:ext uri="{BB962C8B-B14F-4D97-AF65-F5344CB8AC3E}">
+        <p14:creationId xmlns:p14="http://schemas.microsoft.com/office/powerpoint/2010/main" val="1865818747"/>
+      </p:ext>
+    </p:extLst>
+  </p:cSld>
+  <p:clrMapOvr>
+    <a:masterClrMapping/>
+  </p:clrMapOvr>
+  <p:timing>
+    <p:tnLst>
+      <p:par>
+        <p:cTn id="1" dur="indefinite" restart="never" nodeType="tmRoot">
+          <p:childTnLst>
+            <p:seq concurrent="1" nextAc="seek">
+              <p:cTn id="2" dur="indefinite" nodeType="mainSeq">
+                <p:childTnLst>
+                  <p:par>
+                    <p:cTn id="3" fill="hold">
+                      <p:stCondLst>
+                        <p:cond delay="indefinite"/>
+                      </p:stCondLst>
+                      <p:childTnLst>
+                        <p:par>
+                          <p:cTn id="4" fill="hold">
+                            <p:stCondLst>
+                              <p:cond delay="0"/>
+                            </p:stCondLst>
+                            <p:childTnLst>
+                              <p:par>
+                                <p:cTn id="5" presetID="42" presetClass="entr" presetSubtype="0" fill="hold" grpId="0" nodeType="clickEffect">
+                                  <p:stCondLst>
+                                    <p:cond delay="0"/>
+                                  </p:stCondLst>
+                                  <p:childTnLst>
+                                    <p:set>
+                                      <p:cBhvr>
+                                        <p:cTn id="6" dur="1" fill="hold">
+                                          <p:stCondLst>
+                                            <p:cond delay="0"/>
+                                          </p:stCondLst>
+                                        </p:cTn>
+                                        <p:tgtEl>
+                                          <p:spTgt spid="3">
+                                            <p:txEl>
+                                              <p:pRg st="0" end="0"/>
+                                            </p:txEl>
+                                          </p:spTgt>
+                                        </p:tgtEl>
+                                        <p:attrNameLst>
+                                          <p:attrName>style.visibility</p:attrName>
+                                        </p:attrNameLst>
+                                      </p:cBhvr>
+                                      <p:to>
+                                        <p:strVal val="visible"/>
+                                      </p:to>
+                                    </p:set>
+                                    <p:animEffect transition="in" filter="fade">
+                                      <p:cBhvr>
+                                        <p:cTn id="7" dur="1000"/>
+                                        <p:tgtEl>
+                                          <p:spTgt spid="3">
+                                            <p:txEl>
+                                              <p:pRg st="0" end="0"/>
+                                            </p:txEl>
+                                          </p:spTgt>
+                                        </p:tgtEl>
+                                      </p:cBhvr>
+                                    </p:animEffect>
+                                    <p:anim calcmode="lin" valueType="num">
+                                      <p:cBhvr>
+                                        <p:cTn id="8" dur="1000" fill="hold"/>
+                                        <p:tgtEl>
+                                          <p:spTgt spid="3">
+                                            <p:txEl>
+                                              <p:pRg st="0" end="0"/>
+                                            </p:txEl>
+                                          </p:spTgt>
+                                        </p:tgtEl>
+                                        <p:attrNameLst>
+                                          <p:attrName>ppt_x</p:attrName>
+                                        </p:attrNameLst>
+                                      </p:cBhvr>
+                                      <p:tavLst>
+                                        <p:tav tm="0">
+                                          <p:val>
+                                            <p:strVal val="#ppt_x"/>
+                                          </p:val>
+                                        </p:tav>
+                                        <p:tav tm="100000">
+                                          <p:val>
+                                            <p:strVal val="#ppt_x"/>
+                                          </p:val>
+                                        </p:tav>
+                                      </p:tavLst>
+                                    </p:anim>
+                                    <p:anim calcmode="lin" valueType="num">
+                                      <p:cBhvr>
+                                        <p:cTn id="9" dur="1000" fill="hold"/>
+                                        <p:tgtEl>
+                                          <p:spTgt spid="3">
+                                            <p:txEl>
+                                              <p:pRg st="0" end="0"/>
+                                            </p:txEl>
+                                          </p:spTgt>
+                                        </p:tgtEl>
+                                        <p:attrNameLst>
+                                          <p:attrName>ppt_y</p:attrName>
+                                        </p:attrNameLst>
+                                      </p:cBhvr>
+                                      <p:tavLst>
+                                        <p:tav tm="0">
+                                          <p:val>
+                                            <p:strVal val="#ppt_y+.1"/>
+                                          </p:val>
+                                        </p:tav>
+                                        <p:tav tm="100000">
+                                          <p:val>
+                                            <p:strVal val="#ppt_y"/>
+                                          </p:val>
+                                        </p:tav>
+                                      </p:tavLst>
+                                    </p:anim>
+                                  </p:childTnLst>
+                                </p:cTn>
+                              </p:par>
+                            </p:childTnLst>
+                          </p:cTn>
+                        </p:par>
+                      </p:childTnLst>
+                    </p:cTn>
+                  </p:par>
+                  <p:par>
+                    <p:cTn id="10" fill="hold">
+                      <p:stCondLst>
+                        <p:cond delay="indefinite"/>
+                      </p:stCondLst>
+                      <p:childTnLst>
+                        <p:par>
+                          <p:cTn id="11" fill="hold">
+                            <p:stCondLst>
+                              <p:cond delay="0"/>
+                            </p:stCondLst>
+                            <p:childTnLst>
+                              <p:par>
+                                <p:cTn id="12" presetID="42" presetClass="entr" presetSubtype="0" fill="hold" grpId="0" nodeType="clickEffect">
+                                  <p:stCondLst>
+                                    <p:cond delay="0"/>
+                                  </p:stCondLst>
+                                  <p:childTnLst>
+                                    <p:set>
+                                      <p:cBhvr>
+                                        <p:cTn id="13" dur="1" fill="hold">
+                                          <p:stCondLst>
+                                            <p:cond delay="0"/>
+                                          </p:stCondLst>
+                                        </p:cTn>
+                                        <p:tgtEl>
+                                          <p:spTgt spid="3">
+                                            <p:txEl>
+                                              <p:pRg st="1" end="1"/>
+                                            </p:txEl>
+                                          </p:spTgt>
+                                        </p:tgtEl>
+                                        <p:attrNameLst>
+                                          <p:attrName>style.visibility</p:attrName>
+                                        </p:attrNameLst>
+                                      </p:cBhvr>
+                                      <p:to>
+                                        <p:strVal val="visible"/>
+                                      </p:to>
+                                    </p:set>
+                                    <p:animEffect transition="in" filter="fade">
+                                      <p:cBhvr>
+                                        <p:cTn id="14" dur="1000"/>
+                                        <p:tgtEl>
+                                          <p:spTgt spid="3">
+                                            <p:txEl>
+                                              <p:pRg st="1" end="1"/>
+                                            </p:txEl>
+                                          </p:spTgt>
+                                        </p:tgtEl>
+                                      </p:cBhvr>
+                                    </p:animEffect>
+                                    <p:anim calcmode="lin" valueType="num">
+                                      <p:cBhvr>
+                                        <p:cTn id="15" dur="1000" fill="hold"/>
+                                        <p:tgtEl>
+                                          <p:spTgt spid="3">
+                                            <p:txEl>
+                                              <p:pRg st="1" end="1"/>
+                                            </p:txEl>
+                                          </p:spTgt>
+                                        </p:tgtEl>
+                                        <p:attrNameLst>
+                                          <p:attrName>ppt_x</p:attrName>
+                                        </p:attrNameLst>
+                                      </p:cBhvr>
+                                      <p:tavLst>
+                                        <p:tav tm="0">
+                                          <p:val>
+                                            <p:strVal val="#ppt_x"/>
+                                          </p:val>
+                                        </p:tav>
+                                        <p:tav tm="100000">
+                                          <p:val>
+                                            <p:strVal val="#ppt_x"/>
+                                          </p:val>
+                                        </p:tav>
+                                      </p:tavLst>
+                                    </p:anim>
+                                    <p:anim calcmode="lin" valueType="num">
+                                      <p:cBhvr>
+                                        <p:cTn id="16" dur="1000" fill="hold"/>
+                                        <p:tgtEl>
+                                          <p:spTgt spid="3">
+                                            <p:txEl>
+                                              <p:pRg st="1" end="1"/>
+                                            </p:txEl>
+                                          </p:spTgt>
+                                        </p:tgtEl>
+                                        <p:attrNameLst>
+                                          <p:attrName>ppt_y</p:attrName>
+                                        </p:attrNameLst>
+                                      </p:cBhvr>
+                                      <p:tavLst>
+                                        <p:tav tm="0">
+                                          <p:val>
+                                            <p:strVal val="#ppt_y+.1"/>
+                                          </p:val>
+                                        </p:tav>
+                                        <p:tav tm="100000">
+                                          <p:val>
+                                            <p:strVal val="#ppt_y"/>
+                                          </p:val>
+                                        </p:tav>
+                                      </p:tavLst>
+                                    </p:anim>
+                                  </p:childTnLst>
+                                </p:cTn>
+                              </p:par>
+                            </p:childTnLst>
+                          </p:cTn>
+                        </p:par>
+                      </p:childTnLst>
+                    </p:cTn>
+                  </p:par>
+                  <p:par>
+                    <p:cTn id="17" fill="hold">
+                      <p:stCondLst>
+                        <p:cond delay="indefinite"/>
+                      </p:stCondLst>
+                      <p:childTnLst>
+                        <p:par>
+                          <p:cTn id="18" fill="hold">
+                            <p:stCondLst>
+                              <p:cond delay="0"/>
+                            </p:stCondLst>
+                            <p:childTnLst>
+                              <p:par>
+                                <p:cTn id="19" presetID="42" presetClass="entr" presetSubtype="0" fill="hold" grpId="0" nodeType="clickEffect">
+                                  <p:stCondLst>
+                                    <p:cond delay="0"/>
+                                  </p:stCondLst>
+                                  <p:childTnLst>
+                                    <p:set>
+                                      <p:cBhvr>
+                                        <p:cTn id="20" dur="1" fill="hold">
+                                          <p:stCondLst>
+                                            <p:cond delay="0"/>
+                                          </p:stCondLst>
+                                        </p:cTn>
+                                        <p:tgtEl>
+                                          <p:spTgt spid="3">
+                                            <p:txEl>
+                                              <p:pRg st="2" end="2"/>
+                                            </p:txEl>
+                                          </p:spTgt>
+                                        </p:tgtEl>
+                                        <p:attrNameLst>
+                                          <p:attrName>style.visibility</p:attrName>
+                                        </p:attrNameLst>
+                                      </p:cBhvr>
+                                      <p:to>
+                                        <p:strVal val="visible"/>
+                                      </p:to>
+                                    </p:set>
+                                    <p:animEffect transition="in" filter="fade">
+                                      <p:cBhvr>
+                                        <p:cTn id="21" dur="1000"/>
+                                        <p:tgtEl>
+                                          <p:spTgt spid="3">
+                                            <p:txEl>
+                                              <p:pRg st="2" end="2"/>
+                                            </p:txEl>
+                                          </p:spTgt>
+                                        </p:tgtEl>
+                                      </p:cBhvr>
+                                    </p:animEffect>
+                                    <p:anim calcmode="lin" valueType="num">
+                                      <p:cBhvr>
+                                        <p:cTn id="22" dur="1000" fill="hold"/>
+                                        <p:tgtEl>
+                                          <p:spTgt spid="3">
+                                            <p:txEl>
+                                              <p:pRg st="2" end="2"/>
+                                            </p:txEl>
+                                          </p:spTgt>
+                                        </p:tgtEl>
+                                        <p:attrNameLst>
+                                          <p:attrName>ppt_x</p:attrName>
+                                        </p:attrNameLst>
+                                      </p:cBhvr>
+                                      <p:tavLst>
+                                        <p:tav tm="0">
+                                          <p:val>
+                                            <p:strVal val="#ppt_x"/>
+                                          </p:val>
+                                        </p:tav>
+                                        <p:tav tm="100000">
+                                          <p:val>
+                                            <p:strVal val="#ppt_x"/>
+                                          </p:val>
+                                        </p:tav>
+                                      </p:tavLst>
+                                    </p:anim>
+                                    <p:anim calcmode="lin" valueType="num">
+                                      <p:cBhvr>
+                                        <p:cTn id="23" dur="1000" fill="hold"/>
+                                        <p:tgtEl>
+                                          <p:spTgt spid="3">
+                                            <p:txEl>
+                                              <p:pRg st="2" end="2"/>
+                                            </p:txEl>
+                                          </p:spTgt>
+                                        </p:tgtEl>
+                                        <p:attrNameLst>
+                                          <p:attrName>ppt_y</p:attrName>
+                                        </p:attrNameLst>
+                                      </p:cBhvr>
+                                      <p:tavLst>
+                                        <p:tav tm="0">
+                                          <p:val>
+                                            <p:strVal val="#ppt_y+.1"/>
+                                          </p:val>
+                                        </p:tav>
+                                        <p:tav tm="100000">
+                                          <p:val>
+                                            <p:strVal val="#ppt_y"/>
+                                          </p:val>
+                                        </p:tav>
+                                      </p:tavLst>
+                                    </p:anim>
+                                  </p:childTnLst>
+                                </p:cTn>
+                              </p:par>
+                            </p:childTnLst>
+                          </p:cTn>
+                        </p:par>
+                      </p:childTnLst>
+                    </p:cTn>
+                  </p:par>
+                  <p:par>
+                    <p:cTn id="24" fill="hold">
+                      <p:stCondLst>
+                        <p:cond delay="indefinite"/>
+                      </p:stCondLst>
+                      <p:childTnLst>
+                        <p:par>
+                          <p:cTn id="25" fill="hold">
+                            <p:stCondLst>
+                              <p:cond delay="0"/>
+                            </p:stCondLst>
+                            <p:childTnLst>
+                              <p:par>
+                                <p:cTn id="26" presetID="42" presetClass="entr" presetSubtype="0" fill="hold" grpId="0" nodeType="clickEffect">
+                                  <p:stCondLst>
+                                    <p:cond delay="0"/>
+                                  </p:stCondLst>
+                                  <p:childTnLst>
+                                    <p:set>
+                                      <p:cBhvr>
+                                        <p:cTn id="27" dur="1" fill="hold">
+                                          <p:stCondLst>
+                                            <p:cond delay="0"/>
+                                          </p:stCondLst>
+                                        </p:cTn>
+                                        <p:tgtEl>
+                                          <p:spTgt spid="3">
+                                            <p:txEl>
+                                              <p:pRg st="3" end="3"/>
+                                            </p:txEl>
+                                          </p:spTgt>
+                                        </p:tgtEl>
+                                        <p:attrNameLst>
+                                          <p:attrName>style.visibility</p:attrName>
+                                        </p:attrNameLst>
+                                      </p:cBhvr>
+                                      <p:to>
+                                        <p:strVal val="visible"/>
+                                      </p:to>
+                                    </p:set>
+                                    <p:animEffect transition="in" filter="fade">
+                                      <p:cBhvr>
+                                        <p:cTn id="28" dur="1000"/>
+                                        <p:tgtEl>
+                                          <p:spTgt spid="3">
+                                            <p:txEl>
+                                              <p:pRg st="3" end="3"/>
+                                            </p:txEl>
+                                          </p:spTgt>
+                                        </p:tgtEl>
+                                      </p:cBhvr>
+                                    </p:animEffect>
+                                    <p:anim calcmode="lin" valueType="num">
+                                      <p:cBhvr>
+                                        <p:cTn id="29" dur="1000" fill="hold"/>
+                                        <p:tgtEl>
+                                          <p:spTgt spid="3">
+                                            <p:txEl>
+                                              <p:pRg st="3" end="3"/>
+                                            </p:txEl>
+                                          </p:spTgt>
+                                        </p:tgtEl>
+                                        <p:attrNameLst>
+                                          <p:attrName>ppt_x</p:attrName>
+                                        </p:attrNameLst>
+                                      </p:cBhvr>
+                                      <p:tavLst>
+                                        <p:tav tm="0">
+                                          <p:val>
+                                            <p:strVal val="#ppt_x"/>
+                                          </p:val>
+                                        </p:tav>
+                                        <p:tav tm="100000">
+                                          <p:val>
+                                            <p:strVal val="#ppt_x"/>
+                                          </p:val>
+                                        </p:tav>
+                                      </p:tavLst>
+                                    </p:anim>
+                                    <p:anim calcmode="lin" valueType="num">
+                                      <p:cBhvr>
+                                        <p:cTn id="30" dur="1000" fill="hold"/>
+                                        <p:tgtEl>
+                                          <p:spTgt spid="3">
+                                            <p:txEl>
+                                              <p:pRg st="3" end="3"/>
+                                            </p:txEl>
+                                          </p:spTgt>
+                                        </p:tgtEl>
+                                        <p:attrNameLst>
+                                          <p:attrName>ppt_y</p:attrName>
+                                        </p:attrNameLst>
+                                      </p:cBhvr>
+                                      <p:tavLst>
+                                        <p:tav tm="0">
+                                          <p:val>
+                                            <p:strVal val="#ppt_y+.1"/>
+                                          </p:val>
+                                        </p:tav>
+                                        <p:tav tm="100000">
+                                          <p:val>
+                                            <p:strVal val="#ppt_y"/>
+                                          </p:val>
+                                        </p:tav>
+                                      </p:tavLst>
+                                    </p:anim>
+                                  </p:childTnLst>
+                                </p:cTn>
+                              </p:par>
+                            </p:childTnLst>
+                          </p:cTn>
+                        </p:par>
+                      </p:childTnLst>
+                    </p:cTn>
+                  </p:par>
+                </p:childTnLst>
+              </p:cTn>
+              <p:prevCondLst>
+                <p:cond evt="onPrev" delay="0">
+                  <p:tgtEl>
+                    <p:sldTgt/>
+                  </p:tgtEl>
+                </p:cond>
+              </p:prevCondLst>
+              <p:nextCondLst>
+                <p:cond evt="onNext" delay="0">
+                  <p:tgtEl>
+                    <p:sldTgt/>
+                  </p:tgtEl>
+                </p:cond>
+              </p:nextCondLst>
+            </p:seq>
+          </p:childTnLst>
+        </p:cTn>
+      </p:par>
+    </p:tnLst>
+    <p:bldLst>
+      <p:bldP spid="3" grpId="0" build="p"/>
+    </p:bldLst>
+  </p:timing>
+</p:sld>
+</file>
+
+<file path=ppt/slides/slide14.xml><?xml version="1.0" encoding="utf-8"?>
+<p:sld xmlns:a="http://schemas.openxmlformats.org/drawingml/2006/main" xmlns:r="http://schemas.openxmlformats.org/officeDocument/2006/relationships" xmlns:p="http://schemas.openxmlformats.org/presentationml/2006/main">
+  <p:cSld>
+    <p:spTree>
+      <p:nvGrpSpPr>
+        <p:cNvPr id="1" name=""/>
+        <p:cNvGrpSpPr/>
+        <p:nvPr/>
+      </p:nvGrpSpPr>
+      <p:grpSpPr>
+        <a:xfrm>
+          <a:off x="0" y="0"/>
+          <a:ext cx="0" cy="0"/>
+          <a:chOff x="0" y="0"/>
+          <a:chExt cx="0" cy="0"/>
+        </a:xfrm>
+      </p:grpSpPr>
+      <p:pic>
+        <p:nvPicPr>
+          <p:cNvPr id="5" name="Picture 4" descr="Text&#10;&#10;Description automatically generated">
+            <a:extLst>
+              <a:ext uri="{FF2B5EF4-FFF2-40B4-BE49-F238E27FC236}">
+                <a16:creationId xmlns:a16="http://schemas.microsoft.com/office/drawing/2014/main" id="{510BBE91-486F-F3B7-FC79-FE0C768F8684}"/>
+              </a:ext>
+            </a:extLst>
+          </p:cNvPr>
+          <p:cNvPicPr>
+            <a:picLocks noChangeAspect="1"/>
+          </p:cNvPicPr>
+          <p:nvPr/>
+        </p:nvPicPr>
+        <p:blipFill>
+          <a:blip r:embed="rId2">
+            <a:extLst>
+              <a:ext uri="{28A0092B-C50C-407E-A947-70E740481C1C}">
+                <a14:useLocalDpi xmlns:a14="http://schemas.microsoft.com/office/drawing/2010/main" val="0"/>
+              </a:ext>
+            </a:extLst>
+          </a:blip>
+          <a:stretch>
+            <a:fillRect/>
+          </a:stretch>
+        </p:blipFill>
+        <p:spPr>
+          <a:xfrm>
+            <a:off x="503548" y="0"/>
+            <a:ext cx="11184903" cy="6858000"/>
+          </a:xfrm>
+          <a:prstGeom prst="rect">
+            <a:avLst/>
+          </a:prstGeom>
+        </p:spPr>
+      </p:pic>
+    </p:spTree>
+    <p:extLst>
+      <p:ext uri="{BB962C8B-B14F-4D97-AF65-F5344CB8AC3E}">
+        <p14:creationId xmlns:p14="http://schemas.microsoft.com/office/powerpoint/2010/main" val="1426716891"/>
+      </p:ext>
+    </p:extLst>
+  </p:cSld>
+  <p:clrMapOvr>
+    <a:masterClrMapping/>
+  </p:clrMapOvr>
+</p:sld>
+</file>
+
+<file path=ppt/slides/slide15.xml><?xml version="1.0" encoding="utf-8"?>
 <p:sld xmlns:a="http://schemas.openxmlformats.org/drawingml/2006/main" xmlns:r="http://schemas.openxmlformats.org/officeDocument/2006/relationships" xmlns:p="http://schemas.openxmlformats.org/presentationml/2006/main">
   <p:cSld>
     <p:spTree>
@@ -5387,6 +4221,3846 @@
 </p:sld>
 </file>
 
+<file path=ppt/slides/slide16.xml><?xml version="1.0" encoding="utf-8"?>
+<p:sld xmlns:a="http://schemas.openxmlformats.org/drawingml/2006/main" xmlns:r="http://schemas.openxmlformats.org/officeDocument/2006/relationships" xmlns:p="http://schemas.openxmlformats.org/presentationml/2006/main">
+  <p:cSld>
+    <p:spTree>
+      <p:nvGrpSpPr>
+        <p:cNvPr id="1" name=""/>
+        <p:cNvGrpSpPr/>
+        <p:nvPr/>
+      </p:nvGrpSpPr>
+      <p:grpSpPr>
+        <a:xfrm>
+          <a:off x="0" y="0"/>
+          <a:ext cx="0" cy="0"/>
+          <a:chOff x="0" y="0"/>
+          <a:chExt cx="0" cy="0"/>
+        </a:xfrm>
+      </p:grpSpPr>
+      <p:sp>
+        <p:nvSpPr>
+          <p:cNvPr id="2" name="Title 1">
+            <a:extLst>
+              <a:ext uri="{FF2B5EF4-FFF2-40B4-BE49-F238E27FC236}">
+                <a16:creationId xmlns:a16="http://schemas.microsoft.com/office/drawing/2014/main" id="{4EF03EDA-FD97-7B63-8C42-0AC11307F9C0}"/>
+              </a:ext>
+            </a:extLst>
+          </p:cNvPr>
+          <p:cNvSpPr>
+            <a:spLocks noGrp="1"/>
+          </p:cNvSpPr>
+          <p:nvPr>
+            <p:ph type="title"/>
+          </p:nvPr>
+        </p:nvSpPr>
+        <p:spPr/>
+        <p:txBody>
+          <a:bodyPr/>
+          <a:lstStyle/>
+          <a:p>
+            <a:r>
+              <a:rPr lang="en-GB" dirty="0"/>
+              <a:t>Paths</a:t>
+            </a:r>
+          </a:p>
+        </p:txBody>
+      </p:sp>
+      <p:sp>
+        <p:nvSpPr>
+          <p:cNvPr id="3" name="Text Placeholder 2">
+            <a:extLst>
+              <a:ext uri="{FF2B5EF4-FFF2-40B4-BE49-F238E27FC236}">
+                <a16:creationId xmlns:a16="http://schemas.microsoft.com/office/drawing/2014/main" id="{9F84FDAE-B33C-F8A9-4254-8999ACD6B548}"/>
+              </a:ext>
+            </a:extLst>
+          </p:cNvPr>
+          <p:cNvSpPr>
+            <a:spLocks noGrp="1"/>
+          </p:cNvSpPr>
+          <p:nvPr>
+            <p:ph type="body" idx="1"/>
+          </p:nvPr>
+        </p:nvSpPr>
+        <p:spPr/>
+        <p:txBody>
+          <a:bodyPr/>
+          <a:lstStyle/>
+          <a:p>
+            <a:endParaRPr lang="en-GB"/>
+          </a:p>
+        </p:txBody>
+      </p:sp>
+    </p:spTree>
+    <p:extLst>
+      <p:ext uri="{BB962C8B-B14F-4D97-AF65-F5344CB8AC3E}">
+        <p14:creationId xmlns:p14="http://schemas.microsoft.com/office/powerpoint/2010/main" val="1077859955"/>
+      </p:ext>
+    </p:extLst>
+  </p:cSld>
+  <p:clrMapOvr>
+    <a:masterClrMapping/>
+  </p:clrMapOvr>
+</p:sld>
+</file>
+
+<file path=ppt/slides/slide17.xml><?xml version="1.0" encoding="utf-8"?>
+<p:sld xmlns:a="http://schemas.openxmlformats.org/drawingml/2006/main" xmlns:r="http://schemas.openxmlformats.org/officeDocument/2006/relationships" xmlns:p="http://schemas.openxmlformats.org/presentationml/2006/main">
+  <p:cSld>
+    <p:spTree>
+      <p:nvGrpSpPr>
+        <p:cNvPr id="1" name=""/>
+        <p:cNvGrpSpPr/>
+        <p:nvPr/>
+      </p:nvGrpSpPr>
+      <p:grpSpPr>
+        <a:xfrm>
+          <a:off x="0" y="0"/>
+          <a:ext cx="0" cy="0"/>
+          <a:chOff x="0" y="0"/>
+          <a:chExt cx="0" cy="0"/>
+        </a:xfrm>
+      </p:grpSpPr>
+      <p:pic>
+        <p:nvPicPr>
+          <p:cNvPr id="3" name="Picture 2">
+            <a:extLst>
+              <a:ext uri="{FF2B5EF4-FFF2-40B4-BE49-F238E27FC236}">
+                <a16:creationId xmlns:a16="http://schemas.microsoft.com/office/drawing/2014/main" id="{20278691-2C7B-9B6B-6C83-27419A65A770}"/>
+              </a:ext>
+            </a:extLst>
+          </p:cNvPr>
+          <p:cNvPicPr>
+            <a:picLocks noChangeAspect="1"/>
+          </p:cNvPicPr>
+          <p:nvPr/>
+        </p:nvPicPr>
+        <p:blipFill>
+          <a:blip r:embed="rId2">
+            <a:extLst>
+              <a:ext uri="{28A0092B-C50C-407E-A947-70E740481C1C}">
+                <a14:useLocalDpi xmlns:a14="http://schemas.microsoft.com/office/drawing/2010/main" val="0"/>
+              </a:ext>
+            </a:extLst>
+          </a:blip>
+          <a:stretch>
+            <a:fillRect/>
+          </a:stretch>
+        </p:blipFill>
+        <p:spPr>
+          <a:xfrm>
+            <a:off x="1450258" y="0"/>
+            <a:ext cx="9291484" cy="6858000"/>
+          </a:xfrm>
+          <a:prstGeom prst="rect">
+            <a:avLst/>
+          </a:prstGeom>
+        </p:spPr>
+      </p:pic>
+    </p:spTree>
+    <p:extLst>
+      <p:ext uri="{BB962C8B-B14F-4D97-AF65-F5344CB8AC3E}">
+        <p14:creationId xmlns:p14="http://schemas.microsoft.com/office/powerpoint/2010/main" val="3452205298"/>
+      </p:ext>
+    </p:extLst>
+  </p:cSld>
+  <p:clrMapOvr>
+    <a:masterClrMapping/>
+  </p:clrMapOvr>
+</p:sld>
+</file>
+
+<file path=ppt/slides/slide18.xml><?xml version="1.0" encoding="utf-8"?>
+<p:sld xmlns:a="http://schemas.openxmlformats.org/drawingml/2006/main" xmlns:r="http://schemas.openxmlformats.org/officeDocument/2006/relationships" xmlns:p="http://schemas.openxmlformats.org/presentationml/2006/main">
+  <p:cSld>
+    <p:spTree>
+      <p:nvGrpSpPr>
+        <p:cNvPr id="1" name=""/>
+        <p:cNvGrpSpPr/>
+        <p:nvPr/>
+      </p:nvGrpSpPr>
+      <p:grpSpPr>
+        <a:xfrm>
+          <a:off x="0" y="0"/>
+          <a:ext cx="0" cy="0"/>
+          <a:chOff x="0" y="0"/>
+          <a:chExt cx="0" cy="0"/>
+        </a:xfrm>
+      </p:grpSpPr>
+      <p:sp>
+        <p:nvSpPr>
+          <p:cNvPr id="2" name="Title 1">
+            <a:extLst>
+              <a:ext uri="{FF2B5EF4-FFF2-40B4-BE49-F238E27FC236}">
+                <a16:creationId xmlns:a16="http://schemas.microsoft.com/office/drawing/2014/main" id="{74E7A29E-F7CB-8F90-FB6C-97500FBD8504}"/>
+              </a:ext>
+            </a:extLst>
+          </p:cNvPr>
+          <p:cNvSpPr>
+            <a:spLocks noGrp="1"/>
+          </p:cNvSpPr>
+          <p:nvPr>
+            <p:ph type="title"/>
+          </p:nvPr>
+        </p:nvSpPr>
+        <p:spPr/>
+        <p:txBody>
+          <a:bodyPr/>
+          <a:lstStyle/>
+          <a:p>
+            <a:r>
+              <a:rPr lang="en-GB" dirty="0"/>
+              <a:t>Responses</a:t>
+            </a:r>
+          </a:p>
+        </p:txBody>
+      </p:sp>
+      <p:sp>
+        <p:nvSpPr>
+          <p:cNvPr id="3" name="Text Placeholder 2">
+            <a:extLst>
+              <a:ext uri="{FF2B5EF4-FFF2-40B4-BE49-F238E27FC236}">
+                <a16:creationId xmlns:a16="http://schemas.microsoft.com/office/drawing/2014/main" id="{DE9F0BB5-4BC2-DB44-7F24-D05A668584E1}"/>
+              </a:ext>
+            </a:extLst>
+          </p:cNvPr>
+          <p:cNvSpPr>
+            <a:spLocks noGrp="1"/>
+          </p:cNvSpPr>
+          <p:nvPr>
+            <p:ph type="body" idx="1"/>
+          </p:nvPr>
+        </p:nvSpPr>
+        <p:spPr/>
+        <p:txBody>
+          <a:bodyPr/>
+          <a:lstStyle/>
+          <a:p>
+            <a:endParaRPr lang="en-GB"/>
+          </a:p>
+        </p:txBody>
+      </p:sp>
+    </p:spTree>
+    <p:extLst>
+      <p:ext uri="{BB962C8B-B14F-4D97-AF65-F5344CB8AC3E}">
+        <p14:creationId xmlns:p14="http://schemas.microsoft.com/office/powerpoint/2010/main" val="4142005799"/>
+      </p:ext>
+    </p:extLst>
+  </p:cSld>
+  <p:clrMapOvr>
+    <a:masterClrMapping/>
+  </p:clrMapOvr>
+</p:sld>
+</file>
+
+<file path=ppt/slides/slide19.xml><?xml version="1.0" encoding="utf-8"?>
+<p:sld xmlns:a="http://schemas.openxmlformats.org/drawingml/2006/main" xmlns:r="http://schemas.openxmlformats.org/officeDocument/2006/relationships" xmlns:p="http://schemas.openxmlformats.org/presentationml/2006/main">
+  <p:cSld>
+    <p:spTree>
+      <p:nvGrpSpPr>
+        <p:cNvPr id="1" name=""/>
+        <p:cNvGrpSpPr/>
+        <p:nvPr/>
+      </p:nvGrpSpPr>
+      <p:grpSpPr>
+        <a:xfrm>
+          <a:off x="0" y="0"/>
+          <a:ext cx="0" cy="0"/>
+          <a:chOff x="0" y="0"/>
+          <a:chExt cx="0" cy="0"/>
+        </a:xfrm>
+      </p:grpSpPr>
+      <p:pic>
+        <p:nvPicPr>
+          <p:cNvPr id="3" name="Picture 2">
+            <a:extLst>
+              <a:ext uri="{FF2B5EF4-FFF2-40B4-BE49-F238E27FC236}">
+                <a16:creationId xmlns:a16="http://schemas.microsoft.com/office/drawing/2014/main" id="{29A5000D-954B-BB73-21C5-D7B483BAA07B}"/>
+              </a:ext>
+            </a:extLst>
+          </p:cNvPr>
+          <p:cNvPicPr>
+            <a:picLocks noChangeAspect="1"/>
+          </p:cNvPicPr>
+          <p:nvPr/>
+        </p:nvPicPr>
+        <p:blipFill>
+          <a:blip r:embed="rId2">
+            <a:extLst>
+              <a:ext uri="{28A0092B-C50C-407E-A947-70E740481C1C}">
+                <a14:useLocalDpi xmlns:a14="http://schemas.microsoft.com/office/drawing/2010/main" val="0"/>
+              </a:ext>
+            </a:extLst>
+          </a:blip>
+          <a:stretch>
+            <a:fillRect/>
+          </a:stretch>
+        </p:blipFill>
+        <p:spPr>
+          <a:xfrm>
+            <a:off x="593008" y="0"/>
+            <a:ext cx="11005984" cy="6858000"/>
+          </a:xfrm>
+          <a:prstGeom prst="rect">
+            <a:avLst/>
+          </a:prstGeom>
+        </p:spPr>
+      </p:pic>
+    </p:spTree>
+    <p:extLst>
+      <p:ext uri="{BB962C8B-B14F-4D97-AF65-F5344CB8AC3E}">
+        <p14:creationId xmlns:p14="http://schemas.microsoft.com/office/powerpoint/2010/main" val="2310607970"/>
+      </p:ext>
+    </p:extLst>
+  </p:cSld>
+  <p:clrMapOvr>
+    <a:masterClrMapping/>
+  </p:clrMapOvr>
+</p:sld>
+</file>
+
+<file path=ppt/slides/slide2.xml><?xml version="1.0" encoding="utf-8"?>
+<p:sld xmlns:a="http://schemas.openxmlformats.org/drawingml/2006/main" xmlns:r="http://schemas.openxmlformats.org/officeDocument/2006/relationships" xmlns:p="http://schemas.openxmlformats.org/presentationml/2006/main">
+  <p:cSld>
+    <p:spTree>
+      <p:nvGrpSpPr>
+        <p:cNvPr id="1" name=""/>
+        <p:cNvGrpSpPr/>
+        <p:nvPr/>
+      </p:nvGrpSpPr>
+      <p:grpSpPr>
+        <a:xfrm>
+          <a:off x="0" y="0"/>
+          <a:ext cx="0" cy="0"/>
+          <a:chOff x="0" y="0"/>
+          <a:chExt cx="0" cy="0"/>
+        </a:xfrm>
+      </p:grpSpPr>
+      <p:sp>
+        <p:nvSpPr>
+          <p:cNvPr id="2" name="Title 1">
+            <a:extLst>
+              <a:ext uri="{FF2B5EF4-FFF2-40B4-BE49-F238E27FC236}">
+                <a16:creationId xmlns:a16="http://schemas.microsoft.com/office/drawing/2014/main" id="{30132621-450E-6E79-9289-3B1EF279CECD}"/>
+              </a:ext>
+            </a:extLst>
+          </p:cNvPr>
+          <p:cNvSpPr>
+            <a:spLocks noGrp="1"/>
+          </p:cNvSpPr>
+          <p:nvPr>
+            <p:ph type="title"/>
+          </p:nvPr>
+        </p:nvSpPr>
+        <p:spPr/>
+        <p:txBody>
+          <a:bodyPr/>
+          <a:lstStyle/>
+          <a:p>
+            <a:r>
+              <a:rPr lang="en-GB" dirty="0"/>
+              <a:t>So what is it?</a:t>
+            </a:r>
+          </a:p>
+        </p:txBody>
+      </p:sp>
+      <p:sp>
+        <p:nvSpPr>
+          <p:cNvPr id="3" name="Text Placeholder 2">
+            <a:extLst>
+              <a:ext uri="{FF2B5EF4-FFF2-40B4-BE49-F238E27FC236}">
+                <a16:creationId xmlns:a16="http://schemas.microsoft.com/office/drawing/2014/main" id="{3443668D-AE90-210F-6B9D-A7DE5FD63A16}"/>
+              </a:ext>
+            </a:extLst>
+          </p:cNvPr>
+          <p:cNvSpPr>
+            <a:spLocks noGrp="1"/>
+          </p:cNvSpPr>
+          <p:nvPr>
+            <p:ph type="body" idx="1"/>
+          </p:nvPr>
+        </p:nvSpPr>
+        <p:spPr/>
+        <p:txBody>
+          <a:bodyPr/>
+          <a:lstStyle/>
+          <a:p>
+            <a:endParaRPr lang="en-GB"/>
+          </a:p>
+        </p:txBody>
+      </p:sp>
+    </p:spTree>
+    <p:extLst>
+      <p:ext uri="{BB962C8B-B14F-4D97-AF65-F5344CB8AC3E}">
+        <p14:creationId xmlns:p14="http://schemas.microsoft.com/office/powerpoint/2010/main" val="979219188"/>
+      </p:ext>
+    </p:extLst>
+  </p:cSld>
+  <p:clrMapOvr>
+    <a:masterClrMapping/>
+  </p:clrMapOvr>
+</p:sld>
+</file>
+
+<file path=ppt/slides/slide20.xml><?xml version="1.0" encoding="utf-8"?>
+<p:sld xmlns:a="http://schemas.openxmlformats.org/drawingml/2006/main" xmlns:r="http://schemas.openxmlformats.org/officeDocument/2006/relationships" xmlns:p="http://schemas.openxmlformats.org/presentationml/2006/main">
+  <p:cSld>
+    <p:spTree>
+      <p:nvGrpSpPr>
+        <p:cNvPr id="1" name=""/>
+        <p:cNvGrpSpPr/>
+        <p:nvPr/>
+      </p:nvGrpSpPr>
+      <p:grpSpPr>
+        <a:xfrm>
+          <a:off x="0" y="0"/>
+          <a:ext cx="0" cy="0"/>
+          <a:chOff x="0" y="0"/>
+          <a:chExt cx="0" cy="0"/>
+        </a:xfrm>
+      </p:grpSpPr>
+      <p:sp>
+        <p:nvSpPr>
+          <p:cNvPr id="2" name="Title 1">
+            <a:extLst>
+              <a:ext uri="{FF2B5EF4-FFF2-40B4-BE49-F238E27FC236}">
+                <a16:creationId xmlns:a16="http://schemas.microsoft.com/office/drawing/2014/main" id="{D48ADE9E-B372-15DD-6575-2D8513B5C72A}"/>
+              </a:ext>
+            </a:extLst>
+          </p:cNvPr>
+          <p:cNvSpPr>
+            <a:spLocks noGrp="1"/>
+          </p:cNvSpPr>
+          <p:nvPr>
+            <p:ph type="title"/>
+          </p:nvPr>
+        </p:nvSpPr>
+        <p:spPr/>
+        <p:txBody>
+          <a:bodyPr/>
+          <a:lstStyle/>
+          <a:p>
+            <a:r>
+              <a:rPr lang="en-GB" dirty="0"/>
+              <a:t>Schema</a:t>
+            </a:r>
+          </a:p>
+        </p:txBody>
+      </p:sp>
+      <p:sp>
+        <p:nvSpPr>
+          <p:cNvPr id="3" name="Text Placeholder 2">
+            <a:extLst>
+              <a:ext uri="{FF2B5EF4-FFF2-40B4-BE49-F238E27FC236}">
+                <a16:creationId xmlns:a16="http://schemas.microsoft.com/office/drawing/2014/main" id="{DEC9FBC6-62F4-A687-6D82-04219F030EEF}"/>
+              </a:ext>
+            </a:extLst>
+          </p:cNvPr>
+          <p:cNvSpPr>
+            <a:spLocks noGrp="1"/>
+          </p:cNvSpPr>
+          <p:nvPr>
+            <p:ph type="body" idx="1"/>
+          </p:nvPr>
+        </p:nvSpPr>
+        <p:spPr/>
+        <p:txBody>
+          <a:bodyPr/>
+          <a:lstStyle/>
+          <a:p>
+            <a:endParaRPr lang="en-GB"/>
+          </a:p>
+        </p:txBody>
+      </p:sp>
+    </p:spTree>
+    <p:extLst>
+      <p:ext uri="{BB962C8B-B14F-4D97-AF65-F5344CB8AC3E}">
+        <p14:creationId xmlns:p14="http://schemas.microsoft.com/office/powerpoint/2010/main" val="1721395135"/>
+      </p:ext>
+    </p:extLst>
+  </p:cSld>
+  <p:clrMapOvr>
+    <a:masterClrMapping/>
+  </p:clrMapOvr>
+</p:sld>
+</file>
+
+<file path=ppt/slides/slide21.xml><?xml version="1.0" encoding="utf-8"?>
+<p:sld xmlns:a="http://schemas.openxmlformats.org/drawingml/2006/main" xmlns:r="http://schemas.openxmlformats.org/officeDocument/2006/relationships" xmlns:p="http://schemas.openxmlformats.org/presentationml/2006/main">
+  <p:cSld>
+    <p:spTree>
+      <p:nvGrpSpPr>
+        <p:cNvPr id="1" name=""/>
+        <p:cNvGrpSpPr/>
+        <p:nvPr/>
+      </p:nvGrpSpPr>
+      <p:grpSpPr>
+        <a:xfrm>
+          <a:off x="0" y="0"/>
+          <a:ext cx="0" cy="0"/>
+          <a:chOff x="0" y="0"/>
+          <a:chExt cx="0" cy="0"/>
+        </a:xfrm>
+      </p:grpSpPr>
+      <p:pic>
+        <p:nvPicPr>
+          <p:cNvPr id="3" name="Picture 2">
+            <a:extLst>
+              <a:ext uri="{FF2B5EF4-FFF2-40B4-BE49-F238E27FC236}">
+                <a16:creationId xmlns:a16="http://schemas.microsoft.com/office/drawing/2014/main" id="{A31B2884-4ED8-201A-D2EB-02390A12C3C5}"/>
+              </a:ext>
+            </a:extLst>
+          </p:cNvPr>
+          <p:cNvPicPr>
+            <a:picLocks noChangeAspect="1"/>
+          </p:cNvPicPr>
+          <p:nvPr/>
+        </p:nvPicPr>
+        <p:blipFill>
+          <a:blip r:embed="rId2">
+            <a:extLst>
+              <a:ext uri="{28A0092B-C50C-407E-A947-70E740481C1C}">
+                <a14:useLocalDpi xmlns:a14="http://schemas.microsoft.com/office/drawing/2010/main" val="0"/>
+              </a:ext>
+            </a:extLst>
+          </a:blip>
+          <a:stretch>
+            <a:fillRect/>
+          </a:stretch>
+        </p:blipFill>
+        <p:spPr>
+          <a:xfrm>
+            <a:off x="3288591" y="0"/>
+            <a:ext cx="5614817" cy="6858000"/>
+          </a:xfrm>
+          <a:prstGeom prst="rect">
+            <a:avLst/>
+          </a:prstGeom>
+        </p:spPr>
+      </p:pic>
+    </p:spTree>
+    <p:extLst>
+      <p:ext uri="{BB962C8B-B14F-4D97-AF65-F5344CB8AC3E}">
+        <p14:creationId xmlns:p14="http://schemas.microsoft.com/office/powerpoint/2010/main" val="218749938"/>
+      </p:ext>
+    </p:extLst>
+  </p:cSld>
+  <p:clrMapOvr>
+    <a:masterClrMapping/>
+  </p:clrMapOvr>
+</p:sld>
+</file>
+
+<file path=ppt/slides/slide22.xml><?xml version="1.0" encoding="utf-8"?>
+<p:sld xmlns:a="http://schemas.openxmlformats.org/drawingml/2006/main" xmlns:r="http://schemas.openxmlformats.org/officeDocument/2006/relationships" xmlns:p="http://schemas.openxmlformats.org/presentationml/2006/main">
+  <p:cSld>
+    <p:spTree>
+      <p:nvGrpSpPr>
+        <p:cNvPr id="1" name=""/>
+        <p:cNvGrpSpPr/>
+        <p:nvPr/>
+      </p:nvGrpSpPr>
+      <p:grpSpPr>
+        <a:xfrm>
+          <a:off x="0" y="0"/>
+          <a:ext cx="0" cy="0"/>
+          <a:chOff x="0" y="0"/>
+          <a:chExt cx="0" cy="0"/>
+        </a:xfrm>
+      </p:grpSpPr>
+      <p:sp>
+        <p:nvSpPr>
+          <p:cNvPr id="2" name="Title 1">
+            <a:extLst>
+              <a:ext uri="{FF2B5EF4-FFF2-40B4-BE49-F238E27FC236}">
+                <a16:creationId xmlns:a16="http://schemas.microsoft.com/office/drawing/2014/main" id="{D48ADE9E-B372-15DD-6575-2D8513B5C72A}"/>
+              </a:ext>
+            </a:extLst>
+          </p:cNvPr>
+          <p:cNvSpPr>
+            <a:spLocks noGrp="1"/>
+          </p:cNvSpPr>
+          <p:nvPr>
+            <p:ph type="title"/>
+          </p:nvPr>
+        </p:nvSpPr>
+        <p:spPr/>
+        <p:txBody>
+          <a:bodyPr/>
+          <a:lstStyle/>
+          <a:p>
+            <a:r>
+              <a:rPr lang="en-GB" dirty="0"/>
+              <a:t>Parameters</a:t>
+            </a:r>
+          </a:p>
+        </p:txBody>
+      </p:sp>
+      <p:sp>
+        <p:nvSpPr>
+          <p:cNvPr id="3" name="Text Placeholder 2">
+            <a:extLst>
+              <a:ext uri="{FF2B5EF4-FFF2-40B4-BE49-F238E27FC236}">
+                <a16:creationId xmlns:a16="http://schemas.microsoft.com/office/drawing/2014/main" id="{DEC9FBC6-62F4-A687-6D82-04219F030EEF}"/>
+              </a:ext>
+            </a:extLst>
+          </p:cNvPr>
+          <p:cNvSpPr>
+            <a:spLocks noGrp="1"/>
+          </p:cNvSpPr>
+          <p:nvPr>
+            <p:ph type="body" idx="1"/>
+          </p:nvPr>
+        </p:nvSpPr>
+        <p:spPr/>
+        <p:txBody>
+          <a:bodyPr/>
+          <a:lstStyle/>
+          <a:p>
+            <a:endParaRPr lang="en-GB"/>
+          </a:p>
+        </p:txBody>
+      </p:sp>
+    </p:spTree>
+    <p:extLst>
+      <p:ext uri="{BB962C8B-B14F-4D97-AF65-F5344CB8AC3E}">
+        <p14:creationId xmlns:p14="http://schemas.microsoft.com/office/powerpoint/2010/main" val="529632303"/>
+      </p:ext>
+    </p:extLst>
+  </p:cSld>
+  <p:clrMapOvr>
+    <a:masterClrMapping/>
+  </p:clrMapOvr>
+</p:sld>
+</file>
+
+<file path=ppt/slides/slide23.xml><?xml version="1.0" encoding="utf-8"?>
+<p:sld xmlns:a="http://schemas.openxmlformats.org/drawingml/2006/main" xmlns:r="http://schemas.openxmlformats.org/officeDocument/2006/relationships" xmlns:p="http://schemas.openxmlformats.org/presentationml/2006/main">
+  <p:cSld>
+    <p:spTree>
+      <p:nvGrpSpPr>
+        <p:cNvPr id="1" name=""/>
+        <p:cNvGrpSpPr/>
+        <p:nvPr/>
+      </p:nvGrpSpPr>
+      <p:grpSpPr>
+        <a:xfrm>
+          <a:off x="0" y="0"/>
+          <a:ext cx="0" cy="0"/>
+          <a:chOff x="0" y="0"/>
+          <a:chExt cx="0" cy="0"/>
+        </a:xfrm>
+      </p:grpSpPr>
+      <p:pic>
+        <p:nvPicPr>
+          <p:cNvPr id="3" name="Picture 2">
+            <a:extLst>
+              <a:ext uri="{FF2B5EF4-FFF2-40B4-BE49-F238E27FC236}">
+                <a16:creationId xmlns:a16="http://schemas.microsoft.com/office/drawing/2014/main" id="{866228F3-B4C8-89EB-B57C-48B9E38A583F}"/>
+              </a:ext>
+            </a:extLst>
+          </p:cNvPr>
+          <p:cNvPicPr>
+            <a:picLocks noChangeAspect="1"/>
+          </p:cNvPicPr>
+          <p:nvPr/>
+        </p:nvPicPr>
+        <p:blipFill>
+          <a:blip r:embed="rId2">
+            <a:extLst>
+              <a:ext uri="{28A0092B-C50C-407E-A947-70E740481C1C}">
+                <a14:useLocalDpi xmlns:a14="http://schemas.microsoft.com/office/drawing/2010/main" val="0"/>
+              </a:ext>
+            </a:extLst>
+          </a:blip>
+          <a:stretch>
+            <a:fillRect/>
+          </a:stretch>
+        </p:blipFill>
+        <p:spPr>
+          <a:xfrm>
+            <a:off x="1795078" y="0"/>
+            <a:ext cx="8601844" cy="6858000"/>
+          </a:xfrm>
+          <a:prstGeom prst="rect">
+            <a:avLst/>
+          </a:prstGeom>
+        </p:spPr>
+      </p:pic>
+    </p:spTree>
+    <p:extLst>
+      <p:ext uri="{BB962C8B-B14F-4D97-AF65-F5344CB8AC3E}">
+        <p14:creationId xmlns:p14="http://schemas.microsoft.com/office/powerpoint/2010/main" val="544022766"/>
+      </p:ext>
+    </p:extLst>
+  </p:cSld>
+  <p:clrMapOvr>
+    <a:masterClrMapping/>
+  </p:clrMapOvr>
+</p:sld>
+</file>
+
+<file path=ppt/slides/slide24.xml><?xml version="1.0" encoding="utf-8"?>
+<p:sld xmlns:a="http://schemas.openxmlformats.org/drawingml/2006/main" xmlns:r="http://schemas.openxmlformats.org/officeDocument/2006/relationships" xmlns:p="http://schemas.openxmlformats.org/presentationml/2006/main">
+  <p:cSld>
+    <p:spTree>
+      <p:nvGrpSpPr>
+        <p:cNvPr id="1" name=""/>
+        <p:cNvGrpSpPr/>
+        <p:nvPr/>
+      </p:nvGrpSpPr>
+      <p:grpSpPr>
+        <a:xfrm>
+          <a:off x="0" y="0"/>
+          <a:ext cx="0" cy="0"/>
+          <a:chOff x="0" y="0"/>
+          <a:chExt cx="0" cy="0"/>
+        </a:xfrm>
+      </p:grpSpPr>
+      <p:sp>
+        <p:nvSpPr>
+          <p:cNvPr id="2" name="Title 1">
+            <a:extLst>
+              <a:ext uri="{FF2B5EF4-FFF2-40B4-BE49-F238E27FC236}">
+                <a16:creationId xmlns:a16="http://schemas.microsoft.com/office/drawing/2014/main" id="{F881F197-D92A-5587-514A-AE6EA11B47F2}"/>
+              </a:ext>
+            </a:extLst>
+          </p:cNvPr>
+          <p:cNvSpPr>
+            <a:spLocks noGrp="1"/>
+          </p:cNvSpPr>
+          <p:nvPr>
+            <p:ph type="title"/>
+          </p:nvPr>
+        </p:nvSpPr>
+        <p:spPr/>
+        <p:txBody>
+          <a:bodyPr/>
+          <a:lstStyle/>
+          <a:p>
+            <a:r>
+              <a:rPr lang="en-GB" dirty="0"/>
+              <a:t>Requests</a:t>
+            </a:r>
+          </a:p>
+        </p:txBody>
+      </p:sp>
+      <p:sp>
+        <p:nvSpPr>
+          <p:cNvPr id="3" name="Text Placeholder 2">
+            <a:extLst>
+              <a:ext uri="{FF2B5EF4-FFF2-40B4-BE49-F238E27FC236}">
+                <a16:creationId xmlns:a16="http://schemas.microsoft.com/office/drawing/2014/main" id="{68BD869B-2C74-3285-8002-08C7D0ADF9A0}"/>
+              </a:ext>
+            </a:extLst>
+          </p:cNvPr>
+          <p:cNvSpPr>
+            <a:spLocks noGrp="1"/>
+          </p:cNvSpPr>
+          <p:nvPr>
+            <p:ph type="body" idx="1"/>
+          </p:nvPr>
+        </p:nvSpPr>
+        <p:spPr/>
+        <p:txBody>
+          <a:bodyPr/>
+          <a:lstStyle/>
+          <a:p>
+            <a:endParaRPr lang="en-GB"/>
+          </a:p>
+        </p:txBody>
+      </p:sp>
+    </p:spTree>
+    <p:extLst>
+      <p:ext uri="{BB962C8B-B14F-4D97-AF65-F5344CB8AC3E}">
+        <p14:creationId xmlns:p14="http://schemas.microsoft.com/office/powerpoint/2010/main" val="3718225382"/>
+      </p:ext>
+    </p:extLst>
+  </p:cSld>
+  <p:clrMapOvr>
+    <a:masterClrMapping/>
+  </p:clrMapOvr>
+</p:sld>
+</file>
+
+<file path=ppt/slides/slide25.xml><?xml version="1.0" encoding="utf-8"?>
+<p:sld xmlns:a="http://schemas.openxmlformats.org/drawingml/2006/main" xmlns:r="http://schemas.openxmlformats.org/officeDocument/2006/relationships" xmlns:p="http://schemas.openxmlformats.org/presentationml/2006/main">
+  <p:cSld>
+    <p:spTree>
+      <p:nvGrpSpPr>
+        <p:cNvPr id="1" name=""/>
+        <p:cNvGrpSpPr/>
+        <p:nvPr/>
+      </p:nvGrpSpPr>
+      <p:grpSpPr>
+        <a:xfrm>
+          <a:off x="0" y="0"/>
+          <a:ext cx="0" cy="0"/>
+          <a:chOff x="0" y="0"/>
+          <a:chExt cx="0" cy="0"/>
+        </a:xfrm>
+      </p:grpSpPr>
+      <p:pic>
+        <p:nvPicPr>
+          <p:cNvPr id="7" name="Picture 6" descr="Text&#10;&#10;Description automatically generated">
+            <a:extLst>
+              <a:ext uri="{FF2B5EF4-FFF2-40B4-BE49-F238E27FC236}">
+                <a16:creationId xmlns:a16="http://schemas.microsoft.com/office/drawing/2014/main" id="{E16CFAC7-075C-156B-F358-A73D8E12E098}"/>
+              </a:ext>
+            </a:extLst>
+          </p:cNvPr>
+          <p:cNvPicPr>
+            <a:picLocks noChangeAspect="1"/>
+          </p:cNvPicPr>
+          <p:nvPr/>
+        </p:nvPicPr>
+        <p:blipFill>
+          <a:blip r:embed="rId2">
+            <a:extLst>
+              <a:ext uri="{28A0092B-C50C-407E-A947-70E740481C1C}">
+                <a14:useLocalDpi xmlns:a14="http://schemas.microsoft.com/office/drawing/2010/main" val="0"/>
+              </a:ext>
+            </a:extLst>
+          </a:blip>
+          <a:stretch>
+            <a:fillRect/>
+          </a:stretch>
+        </p:blipFill>
+        <p:spPr>
+          <a:xfrm>
+            <a:off x="3055313" y="0"/>
+            <a:ext cx="6081374" cy="6858000"/>
+          </a:xfrm>
+          <a:prstGeom prst="rect">
+            <a:avLst/>
+          </a:prstGeom>
+        </p:spPr>
+      </p:pic>
+    </p:spTree>
+    <p:extLst>
+      <p:ext uri="{BB962C8B-B14F-4D97-AF65-F5344CB8AC3E}">
+        <p14:creationId xmlns:p14="http://schemas.microsoft.com/office/powerpoint/2010/main" val="2225673593"/>
+      </p:ext>
+    </p:extLst>
+  </p:cSld>
+  <p:clrMapOvr>
+    <a:masterClrMapping/>
+  </p:clrMapOvr>
+</p:sld>
+</file>
+
+<file path=ppt/slides/slide26.xml><?xml version="1.0" encoding="utf-8"?>
+<p:sld xmlns:a="http://schemas.openxmlformats.org/drawingml/2006/main" xmlns:r="http://schemas.openxmlformats.org/officeDocument/2006/relationships" xmlns:p="http://schemas.openxmlformats.org/presentationml/2006/main">
+  <p:cSld>
+    <p:spTree>
+      <p:nvGrpSpPr>
+        <p:cNvPr id="1" name=""/>
+        <p:cNvGrpSpPr/>
+        <p:nvPr/>
+      </p:nvGrpSpPr>
+      <p:grpSpPr>
+        <a:xfrm>
+          <a:off x="0" y="0"/>
+          <a:ext cx="0" cy="0"/>
+          <a:chOff x="0" y="0"/>
+          <a:chExt cx="0" cy="0"/>
+        </a:xfrm>
+      </p:grpSpPr>
+      <p:sp>
+        <p:nvSpPr>
+          <p:cNvPr id="2" name="Title 1">
+            <a:extLst>
+              <a:ext uri="{FF2B5EF4-FFF2-40B4-BE49-F238E27FC236}">
+                <a16:creationId xmlns:a16="http://schemas.microsoft.com/office/drawing/2014/main" id="{AB1909BC-ECAC-9925-6834-0233827C568D}"/>
+              </a:ext>
+            </a:extLst>
+          </p:cNvPr>
+          <p:cNvSpPr>
+            <a:spLocks noGrp="1"/>
+          </p:cNvSpPr>
+          <p:nvPr>
+            <p:ph type="title"/>
+          </p:nvPr>
+        </p:nvSpPr>
+        <p:spPr/>
+        <p:txBody>
+          <a:bodyPr/>
+          <a:lstStyle/>
+          <a:p>
+            <a:r>
+              <a:rPr lang="en-GB" dirty="0"/>
+              <a:t>Components</a:t>
+            </a:r>
+          </a:p>
+        </p:txBody>
+      </p:sp>
+      <p:sp>
+        <p:nvSpPr>
+          <p:cNvPr id="3" name="Text Placeholder 2">
+            <a:extLst>
+              <a:ext uri="{FF2B5EF4-FFF2-40B4-BE49-F238E27FC236}">
+                <a16:creationId xmlns:a16="http://schemas.microsoft.com/office/drawing/2014/main" id="{C318A013-F4FB-B134-BDCB-3BCE6963A496}"/>
+              </a:ext>
+            </a:extLst>
+          </p:cNvPr>
+          <p:cNvSpPr>
+            <a:spLocks noGrp="1"/>
+          </p:cNvSpPr>
+          <p:nvPr>
+            <p:ph type="body" idx="1"/>
+          </p:nvPr>
+        </p:nvSpPr>
+        <p:spPr/>
+        <p:txBody>
+          <a:bodyPr/>
+          <a:lstStyle/>
+          <a:p>
+            <a:endParaRPr lang="en-GB"/>
+          </a:p>
+        </p:txBody>
+      </p:sp>
+    </p:spTree>
+    <p:extLst>
+      <p:ext uri="{BB962C8B-B14F-4D97-AF65-F5344CB8AC3E}">
+        <p14:creationId xmlns:p14="http://schemas.microsoft.com/office/powerpoint/2010/main" val="1897774868"/>
+      </p:ext>
+    </p:extLst>
+  </p:cSld>
+  <p:clrMapOvr>
+    <a:masterClrMapping/>
+  </p:clrMapOvr>
+</p:sld>
+</file>
+
+<file path=ppt/slides/slide27.xml><?xml version="1.0" encoding="utf-8"?>
+<p:sld xmlns:a="http://schemas.openxmlformats.org/drawingml/2006/main" xmlns:r="http://schemas.openxmlformats.org/officeDocument/2006/relationships" xmlns:p="http://schemas.openxmlformats.org/presentationml/2006/main">
+  <p:cSld>
+    <p:spTree>
+      <p:nvGrpSpPr>
+        <p:cNvPr id="1" name=""/>
+        <p:cNvGrpSpPr/>
+        <p:nvPr/>
+      </p:nvGrpSpPr>
+      <p:grpSpPr>
+        <a:xfrm>
+          <a:off x="0" y="0"/>
+          <a:ext cx="0" cy="0"/>
+          <a:chOff x="0" y="0"/>
+          <a:chExt cx="0" cy="0"/>
+        </a:xfrm>
+      </p:grpSpPr>
+      <p:sp>
+        <p:nvSpPr>
+          <p:cNvPr id="2" name="Title 1">
+            <a:extLst>
+              <a:ext uri="{FF2B5EF4-FFF2-40B4-BE49-F238E27FC236}">
+                <a16:creationId xmlns:a16="http://schemas.microsoft.com/office/drawing/2014/main" id="{B33D1E5F-D66B-7876-C363-1BA90D8996F0}"/>
+              </a:ext>
+            </a:extLst>
+          </p:cNvPr>
+          <p:cNvSpPr>
+            <a:spLocks noGrp="1"/>
+          </p:cNvSpPr>
+          <p:nvPr>
+            <p:ph type="title"/>
+          </p:nvPr>
+        </p:nvSpPr>
+        <p:spPr/>
+        <p:txBody>
+          <a:bodyPr/>
+          <a:lstStyle/>
+          <a:p>
+            <a:r>
+              <a:rPr lang="en-GB" dirty="0"/>
+              <a:t>Components</a:t>
+            </a:r>
+          </a:p>
+        </p:txBody>
+      </p:sp>
+      <p:sp>
+        <p:nvSpPr>
+          <p:cNvPr id="3" name="Content Placeholder 2">
+            <a:extLst>
+              <a:ext uri="{FF2B5EF4-FFF2-40B4-BE49-F238E27FC236}">
+                <a16:creationId xmlns:a16="http://schemas.microsoft.com/office/drawing/2014/main" id="{8A2AA6D6-83A8-7AFF-1C05-0AA103E996DF}"/>
+              </a:ext>
+            </a:extLst>
+          </p:cNvPr>
+          <p:cNvSpPr>
+            <a:spLocks noGrp="1"/>
+          </p:cNvSpPr>
+          <p:nvPr>
+            <p:ph idx="1"/>
+          </p:nvPr>
+        </p:nvSpPr>
+        <p:spPr/>
+        <p:txBody>
+          <a:bodyPr>
+            <a:normAutofit lnSpcReduction="10000"/>
+          </a:bodyPr>
+          <a:lstStyle/>
+          <a:p>
+            <a:r>
+              <a:rPr lang="en-GB" dirty="0"/>
+              <a:t>schemas</a:t>
+            </a:r>
+          </a:p>
+          <a:p>
+            <a:r>
+              <a:rPr lang="en-GB" dirty="0"/>
+              <a:t>responses</a:t>
+            </a:r>
+          </a:p>
+          <a:p>
+            <a:r>
+              <a:rPr lang="en-GB" dirty="0" err="1"/>
+              <a:t>requestBodies</a:t>
+            </a:r>
+            <a:endParaRPr lang="en-GB" dirty="0"/>
+          </a:p>
+          <a:p>
+            <a:r>
+              <a:rPr lang="en-GB" dirty="0"/>
+              <a:t>parameters</a:t>
+            </a:r>
+          </a:p>
+          <a:p>
+            <a:r>
+              <a:rPr lang="en-GB" dirty="0"/>
+              <a:t>headers</a:t>
+            </a:r>
+          </a:p>
+          <a:p>
+            <a:r>
+              <a:rPr lang="en-GB" dirty="0" err="1"/>
+              <a:t>securitySchemes</a:t>
+            </a:r>
+            <a:endParaRPr lang="en-GB" dirty="0"/>
+          </a:p>
+          <a:p>
+            <a:r>
+              <a:rPr lang="en-GB" dirty="0"/>
+              <a:t>examples</a:t>
+            </a:r>
+          </a:p>
+          <a:p>
+            <a:r>
+              <a:rPr lang="en-GB" dirty="0"/>
+              <a:t>links</a:t>
+            </a:r>
+          </a:p>
+          <a:p>
+            <a:r>
+              <a:rPr lang="en-GB" dirty="0" err="1"/>
+              <a:t>callbacks</a:t>
+            </a:r>
+            <a:endParaRPr lang="en-GB" dirty="0"/>
+          </a:p>
+          <a:p>
+            <a:endParaRPr lang="en-GB" dirty="0"/>
+          </a:p>
+        </p:txBody>
+      </p:sp>
+    </p:spTree>
+    <p:extLst>
+      <p:ext uri="{BB962C8B-B14F-4D97-AF65-F5344CB8AC3E}">
+        <p14:creationId xmlns:p14="http://schemas.microsoft.com/office/powerpoint/2010/main" val="2550684943"/>
+      </p:ext>
+    </p:extLst>
+  </p:cSld>
+  <p:clrMapOvr>
+    <a:masterClrMapping/>
+  </p:clrMapOvr>
+</p:sld>
+</file>
+
+<file path=ppt/slides/slide28.xml><?xml version="1.0" encoding="utf-8"?>
+<p:sld xmlns:a="http://schemas.openxmlformats.org/drawingml/2006/main" xmlns:r="http://schemas.openxmlformats.org/officeDocument/2006/relationships" xmlns:p="http://schemas.openxmlformats.org/presentationml/2006/main">
+  <p:cSld>
+    <p:spTree>
+      <p:nvGrpSpPr>
+        <p:cNvPr id="1" name=""/>
+        <p:cNvGrpSpPr/>
+        <p:nvPr/>
+      </p:nvGrpSpPr>
+      <p:grpSpPr>
+        <a:xfrm>
+          <a:off x="0" y="0"/>
+          <a:ext cx="0" cy="0"/>
+          <a:chOff x="0" y="0"/>
+          <a:chExt cx="0" cy="0"/>
+        </a:xfrm>
+      </p:grpSpPr>
+      <p:pic>
+        <p:nvPicPr>
+          <p:cNvPr id="3" name="Picture 2" descr="Text&#10;&#10;Description automatically generated">
+            <a:extLst>
+              <a:ext uri="{FF2B5EF4-FFF2-40B4-BE49-F238E27FC236}">
+                <a16:creationId xmlns:a16="http://schemas.microsoft.com/office/drawing/2014/main" id="{E442CA6F-8CA7-684C-3037-D31F02EC1A4F}"/>
+              </a:ext>
+            </a:extLst>
+          </p:cNvPr>
+          <p:cNvPicPr>
+            <a:picLocks noChangeAspect="1"/>
+          </p:cNvPicPr>
+          <p:nvPr/>
+        </p:nvPicPr>
+        <p:blipFill>
+          <a:blip r:embed="rId2">
+            <a:extLst>
+              <a:ext uri="{28A0092B-C50C-407E-A947-70E740481C1C}">
+                <a14:useLocalDpi xmlns:a14="http://schemas.microsoft.com/office/drawing/2010/main" val="0"/>
+              </a:ext>
+            </a:extLst>
+          </a:blip>
+          <a:stretch>
+            <a:fillRect/>
+          </a:stretch>
+        </p:blipFill>
+        <p:spPr>
+          <a:xfrm>
+            <a:off x="2926900" y="0"/>
+            <a:ext cx="6338200" cy="6858000"/>
+          </a:xfrm>
+          <a:prstGeom prst="rect">
+            <a:avLst/>
+          </a:prstGeom>
+        </p:spPr>
+      </p:pic>
+    </p:spTree>
+    <p:extLst>
+      <p:ext uri="{BB962C8B-B14F-4D97-AF65-F5344CB8AC3E}">
+        <p14:creationId xmlns:p14="http://schemas.microsoft.com/office/powerpoint/2010/main" val="957555142"/>
+      </p:ext>
+    </p:extLst>
+  </p:cSld>
+  <p:clrMapOvr>
+    <a:masterClrMapping/>
+  </p:clrMapOvr>
+</p:sld>
+</file>
+
+<file path=ppt/slides/slide29.xml><?xml version="1.0" encoding="utf-8"?>
+<p:sld xmlns:a="http://schemas.openxmlformats.org/drawingml/2006/main" xmlns:r="http://schemas.openxmlformats.org/officeDocument/2006/relationships" xmlns:p="http://schemas.openxmlformats.org/presentationml/2006/main">
+  <p:cSld>
+    <p:spTree>
+      <p:nvGrpSpPr>
+        <p:cNvPr id="1" name=""/>
+        <p:cNvGrpSpPr/>
+        <p:nvPr/>
+      </p:nvGrpSpPr>
+      <p:grpSpPr>
+        <a:xfrm>
+          <a:off x="0" y="0"/>
+          <a:ext cx="0" cy="0"/>
+          <a:chOff x="0" y="0"/>
+          <a:chExt cx="0" cy="0"/>
+        </a:xfrm>
+      </p:grpSpPr>
+      <p:sp>
+        <p:nvSpPr>
+          <p:cNvPr id="2" name="Title 1">
+            <a:extLst>
+              <a:ext uri="{FF2B5EF4-FFF2-40B4-BE49-F238E27FC236}">
+                <a16:creationId xmlns:a16="http://schemas.microsoft.com/office/drawing/2014/main" id="{C28B94A2-9E9A-E136-741D-D279A3BCBF17}"/>
+              </a:ext>
+            </a:extLst>
+          </p:cNvPr>
+          <p:cNvSpPr>
+            <a:spLocks noGrp="1"/>
+          </p:cNvSpPr>
+          <p:nvPr>
+            <p:ph type="title"/>
+          </p:nvPr>
+        </p:nvSpPr>
+        <p:spPr/>
+        <p:txBody>
+          <a:bodyPr/>
+          <a:lstStyle/>
+          <a:p>
+            <a:r>
+              <a:rPr lang="en-GB" dirty="0"/>
+              <a:t>References</a:t>
+            </a:r>
+          </a:p>
+        </p:txBody>
+      </p:sp>
+      <p:sp>
+        <p:nvSpPr>
+          <p:cNvPr id="6" name="Text Placeholder 5">
+            <a:extLst>
+              <a:ext uri="{FF2B5EF4-FFF2-40B4-BE49-F238E27FC236}">
+                <a16:creationId xmlns:a16="http://schemas.microsoft.com/office/drawing/2014/main" id="{67A09604-DFFF-AB48-52D4-AA5824847FD4}"/>
+              </a:ext>
+            </a:extLst>
+          </p:cNvPr>
+          <p:cNvSpPr>
+            <a:spLocks noGrp="1"/>
+          </p:cNvSpPr>
+          <p:nvPr>
+            <p:ph type="body" idx="1"/>
+          </p:nvPr>
+        </p:nvSpPr>
+        <p:spPr/>
+        <p:txBody>
+          <a:bodyPr/>
+          <a:lstStyle/>
+          <a:p>
+            <a:endParaRPr lang="en-GB"/>
+          </a:p>
+        </p:txBody>
+      </p:sp>
+    </p:spTree>
+    <p:extLst>
+      <p:ext uri="{BB962C8B-B14F-4D97-AF65-F5344CB8AC3E}">
+        <p14:creationId xmlns:p14="http://schemas.microsoft.com/office/powerpoint/2010/main" val="836469107"/>
+      </p:ext>
+    </p:extLst>
+  </p:cSld>
+  <p:clrMapOvr>
+    <a:masterClrMapping/>
+  </p:clrMapOvr>
+</p:sld>
+</file>
+
+<file path=ppt/slides/slide3.xml><?xml version="1.0" encoding="utf-8"?>
+<p:sld xmlns:a="http://schemas.openxmlformats.org/drawingml/2006/main" xmlns:r="http://schemas.openxmlformats.org/officeDocument/2006/relationships" xmlns:p="http://schemas.openxmlformats.org/presentationml/2006/main">
+  <p:cSld>
+    <p:spTree>
+      <p:nvGrpSpPr>
+        <p:cNvPr id="1" name=""/>
+        <p:cNvGrpSpPr/>
+        <p:nvPr/>
+      </p:nvGrpSpPr>
+      <p:grpSpPr>
+        <a:xfrm>
+          <a:off x="0" y="0"/>
+          <a:ext cx="0" cy="0"/>
+          <a:chOff x="0" y="0"/>
+          <a:chExt cx="0" cy="0"/>
+        </a:xfrm>
+      </p:grpSpPr>
+      <p:sp>
+        <p:nvSpPr>
+          <p:cNvPr id="2" name="Title 1">
+            <a:extLst>
+              <a:ext uri="{FF2B5EF4-FFF2-40B4-BE49-F238E27FC236}">
+                <a16:creationId xmlns:a16="http://schemas.microsoft.com/office/drawing/2014/main" id="{30132621-450E-6E79-9289-3B1EF279CECD}"/>
+              </a:ext>
+            </a:extLst>
+          </p:cNvPr>
+          <p:cNvSpPr>
+            <a:spLocks noGrp="1"/>
+          </p:cNvSpPr>
+          <p:nvPr>
+            <p:ph type="title"/>
+          </p:nvPr>
+        </p:nvSpPr>
+        <p:spPr/>
+        <p:txBody>
+          <a:bodyPr/>
+          <a:lstStyle/>
+          <a:p>
+            <a:r>
+              <a:rPr lang="en-GB" dirty="0"/>
+              <a:t>So what is it?</a:t>
+            </a:r>
+          </a:p>
+        </p:txBody>
+      </p:sp>
+      <p:sp>
+        <p:nvSpPr>
+          <p:cNvPr id="3" name="Text Placeholder 2">
+            <a:extLst>
+              <a:ext uri="{FF2B5EF4-FFF2-40B4-BE49-F238E27FC236}">
+                <a16:creationId xmlns:a16="http://schemas.microsoft.com/office/drawing/2014/main" id="{3443668D-AE90-210F-6B9D-A7DE5FD63A16}"/>
+              </a:ext>
+            </a:extLst>
+          </p:cNvPr>
+          <p:cNvSpPr>
+            <a:spLocks noGrp="1"/>
+          </p:cNvSpPr>
+          <p:nvPr>
+            <p:ph type="body" idx="1"/>
+          </p:nvPr>
+        </p:nvSpPr>
+        <p:spPr/>
+        <p:txBody>
+          <a:bodyPr/>
+          <a:lstStyle/>
+          <a:p>
+            <a:r>
+              <a:rPr lang="en-GB" b="0" i="0" dirty="0">
+                <a:solidFill>
+                  <a:schemeClr val="tx1">
+                    <a:lumMod val="75000"/>
+                  </a:schemeClr>
+                </a:solidFill>
+                <a:effectLst/>
+              </a:rPr>
+              <a:t>I've never seen one before, no one has,</a:t>
+            </a:r>
+          </a:p>
+          <a:p>
+            <a:r>
+              <a:rPr lang="en-GB" b="0" i="0" dirty="0">
+                <a:solidFill>
+                  <a:schemeClr val="tx1">
+                    <a:lumMod val="75000"/>
+                  </a:schemeClr>
+                </a:solidFill>
+                <a:effectLst/>
+              </a:rPr>
+              <a:t>but I'm guessing it's a white hole.</a:t>
+            </a:r>
+            <a:endParaRPr lang="en-GB" dirty="0">
+              <a:solidFill>
+                <a:schemeClr val="tx1">
+                  <a:lumMod val="75000"/>
+                </a:schemeClr>
+              </a:solidFill>
+            </a:endParaRPr>
+          </a:p>
+        </p:txBody>
+      </p:sp>
+    </p:spTree>
+    <p:extLst>
+      <p:ext uri="{BB962C8B-B14F-4D97-AF65-F5344CB8AC3E}">
+        <p14:creationId xmlns:p14="http://schemas.microsoft.com/office/powerpoint/2010/main" val="3635109872"/>
+      </p:ext>
+    </p:extLst>
+  </p:cSld>
+  <p:clrMapOvr>
+    <a:masterClrMapping/>
+  </p:clrMapOvr>
+</p:sld>
+</file>
+
+<file path=ppt/slides/slide30.xml><?xml version="1.0" encoding="utf-8"?>
+<p:sld xmlns:a="http://schemas.openxmlformats.org/drawingml/2006/main" xmlns:r="http://schemas.openxmlformats.org/officeDocument/2006/relationships" xmlns:p="http://schemas.openxmlformats.org/presentationml/2006/main">
+  <p:cSld>
+    <p:spTree>
+      <p:nvGrpSpPr>
+        <p:cNvPr id="1" name=""/>
+        <p:cNvGrpSpPr/>
+        <p:nvPr/>
+      </p:nvGrpSpPr>
+      <p:grpSpPr>
+        <a:xfrm>
+          <a:off x="0" y="0"/>
+          <a:ext cx="0" cy="0"/>
+          <a:chOff x="0" y="0"/>
+          <a:chExt cx="0" cy="0"/>
+        </a:xfrm>
+      </p:grpSpPr>
+      <p:pic>
+        <p:nvPicPr>
+          <p:cNvPr id="3" name="Picture 2" descr="Text&#10;&#10;Description automatically generated">
+            <a:extLst>
+              <a:ext uri="{FF2B5EF4-FFF2-40B4-BE49-F238E27FC236}">
+                <a16:creationId xmlns:a16="http://schemas.microsoft.com/office/drawing/2014/main" id="{84B4E95D-A0F2-C2EA-58FA-E61140C447A9}"/>
+              </a:ext>
+            </a:extLst>
+          </p:cNvPr>
+          <p:cNvPicPr>
+            <a:picLocks noChangeAspect="1"/>
+          </p:cNvPicPr>
+          <p:nvPr/>
+        </p:nvPicPr>
+        <p:blipFill>
+          <a:blip r:embed="rId2">
+            <a:extLst>
+              <a:ext uri="{28A0092B-C50C-407E-A947-70E740481C1C}">
+                <a14:useLocalDpi xmlns:a14="http://schemas.microsoft.com/office/drawing/2010/main" val="0"/>
+              </a:ext>
+            </a:extLst>
+          </a:blip>
+          <a:stretch>
+            <a:fillRect/>
+          </a:stretch>
+        </p:blipFill>
+        <p:spPr>
+          <a:xfrm>
+            <a:off x="1133475" y="66675"/>
+            <a:ext cx="9925050" cy="6724650"/>
+          </a:xfrm>
+          <a:prstGeom prst="rect">
+            <a:avLst/>
+          </a:prstGeom>
+        </p:spPr>
+      </p:pic>
+    </p:spTree>
+    <p:extLst>
+      <p:ext uri="{BB962C8B-B14F-4D97-AF65-F5344CB8AC3E}">
+        <p14:creationId xmlns:p14="http://schemas.microsoft.com/office/powerpoint/2010/main" val="1236137089"/>
+      </p:ext>
+    </p:extLst>
+  </p:cSld>
+  <p:clrMapOvr>
+    <a:masterClrMapping/>
+  </p:clrMapOvr>
+</p:sld>
+</file>
+
+<file path=ppt/slides/slide31.xml><?xml version="1.0" encoding="utf-8"?>
+<p:sld xmlns:a="http://schemas.openxmlformats.org/drawingml/2006/main" xmlns:r="http://schemas.openxmlformats.org/officeDocument/2006/relationships" xmlns:p="http://schemas.openxmlformats.org/presentationml/2006/main">
+  <p:cSld>
+    <p:spTree>
+      <p:nvGrpSpPr>
+        <p:cNvPr id="1" name=""/>
+        <p:cNvGrpSpPr/>
+        <p:nvPr/>
+      </p:nvGrpSpPr>
+      <p:grpSpPr>
+        <a:xfrm>
+          <a:off x="0" y="0"/>
+          <a:ext cx="0" cy="0"/>
+          <a:chOff x="0" y="0"/>
+          <a:chExt cx="0" cy="0"/>
+        </a:xfrm>
+      </p:grpSpPr>
+      <p:pic>
+        <p:nvPicPr>
+          <p:cNvPr id="6" name="Picture 5" descr="Text&#10;&#10;Description automatically generated">
+            <a:extLst>
+              <a:ext uri="{FF2B5EF4-FFF2-40B4-BE49-F238E27FC236}">
+                <a16:creationId xmlns:a16="http://schemas.microsoft.com/office/drawing/2014/main" id="{39363323-1458-B077-35C4-7A35A0E8F5E3}"/>
+              </a:ext>
+            </a:extLst>
+          </p:cNvPr>
+          <p:cNvPicPr>
+            <a:picLocks noChangeAspect="1"/>
+          </p:cNvPicPr>
+          <p:nvPr/>
+        </p:nvPicPr>
+        <p:blipFill>
+          <a:blip r:embed="rId2">
+            <a:extLst>
+              <a:ext uri="{28A0092B-C50C-407E-A947-70E740481C1C}">
+                <a14:useLocalDpi xmlns:a14="http://schemas.microsoft.com/office/drawing/2010/main" val="0"/>
+              </a:ext>
+            </a:extLst>
+          </a:blip>
+          <a:stretch>
+            <a:fillRect/>
+          </a:stretch>
+        </p:blipFill>
+        <p:spPr>
+          <a:xfrm>
+            <a:off x="1619250" y="66675"/>
+            <a:ext cx="8953500" cy="6724650"/>
+          </a:xfrm>
+          <a:prstGeom prst="rect">
+            <a:avLst/>
+          </a:prstGeom>
+        </p:spPr>
+      </p:pic>
+    </p:spTree>
+    <p:extLst>
+      <p:ext uri="{BB962C8B-B14F-4D97-AF65-F5344CB8AC3E}">
+        <p14:creationId xmlns:p14="http://schemas.microsoft.com/office/powerpoint/2010/main" val="4127177340"/>
+      </p:ext>
+    </p:extLst>
+  </p:cSld>
+  <p:clrMapOvr>
+    <a:masterClrMapping/>
+  </p:clrMapOvr>
+</p:sld>
+</file>
+
+<file path=ppt/slides/slide32.xml><?xml version="1.0" encoding="utf-8"?>
+<p:sld xmlns:a="http://schemas.openxmlformats.org/drawingml/2006/main" xmlns:r="http://schemas.openxmlformats.org/officeDocument/2006/relationships" xmlns:p="http://schemas.openxmlformats.org/presentationml/2006/main">
+  <p:cSld>
+    <p:spTree>
+      <p:nvGrpSpPr>
+        <p:cNvPr id="1" name=""/>
+        <p:cNvGrpSpPr/>
+        <p:nvPr/>
+      </p:nvGrpSpPr>
+      <p:grpSpPr>
+        <a:xfrm>
+          <a:off x="0" y="0"/>
+          <a:ext cx="0" cy="0"/>
+          <a:chOff x="0" y="0"/>
+          <a:chExt cx="0" cy="0"/>
+        </a:xfrm>
+      </p:grpSpPr>
+      <p:sp>
+        <p:nvSpPr>
+          <p:cNvPr id="2" name="Title 1">
+            <a:extLst>
+              <a:ext uri="{FF2B5EF4-FFF2-40B4-BE49-F238E27FC236}">
+                <a16:creationId xmlns:a16="http://schemas.microsoft.com/office/drawing/2014/main" id="{787A6BFD-B42C-E42B-054B-EFA0989B5BEC}"/>
+              </a:ext>
+            </a:extLst>
+          </p:cNvPr>
+          <p:cNvSpPr>
+            <a:spLocks noGrp="1"/>
+          </p:cNvSpPr>
+          <p:nvPr>
+            <p:ph type="title"/>
+          </p:nvPr>
+        </p:nvSpPr>
+        <p:spPr/>
+        <p:txBody>
+          <a:bodyPr/>
+          <a:lstStyle/>
+          <a:p>
+            <a:r>
+              <a:rPr lang="en-GB" dirty="0"/>
+              <a:t>Security</a:t>
+            </a:r>
+          </a:p>
+        </p:txBody>
+      </p:sp>
+      <p:sp>
+        <p:nvSpPr>
+          <p:cNvPr id="3" name="Text Placeholder 2">
+            <a:extLst>
+              <a:ext uri="{FF2B5EF4-FFF2-40B4-BE49-F238E27FC236}">
+                <a16:creationId xmlns:a16="http://schemas.microsoft.com/office/drawing/2014/main" id="{6DDA6758-E10D-5B4C-E3F3-303B0E768AA4}"/>
+              </a:ext>
+            </a:extLst>
+          </p:cNvPr>
+          <p:cNvSpPr>
+            <a:spLocks noGrp="1"/>
+          </p:cNvSpPr>
+          <p:nvPr>
+            <p:ph type="body" idx="1"/>
+          </p:nvPr>
+        </p:nvSpPr>
+        <p:spPr/>
+        <p:txBody>
+          <a:bodyPr/>
+          <a:lstStyle/>
+          <a:p>
+            <a:endParaRPr lang="en-GB"/>
+          </a:p>
+        </p:txBody>
+      </p:sp>
+    </p:spTree>
+    <p:extLst>
+      <p:ext uri="{BB962C8B-B14F-4D97-AF65-F5344CB8AC3E}">
+        <p14:creationId xmlns:p14="http://schemas.microsoft.com/office/powerpoint/2010/main" val="4241548109"/>
+      </p:ext>
+    </p:extLst>
+  </p:cSld>
+  <p:clrMapOvr>
+    <a:masterClrMapping/>
+  </p:clrMapOvr>
+</p:sld>
+</file>
+
+<file path=ppt/slides/slide33.xml><?xml version="1.0" encoding="utf-8"?>
+<p:sld xmlns:a="http://schemas.openxmlformats.org/drawingml/2006/main" xmlns:r="http://schemas.openxmlformats.org/officeDocument/2006/relationships" xmlns:p="http://schemas.openxmlformats.org/presentationml/2006/main">
+  <p:cSld>
+    <p:spTree>
+      <p:nvGrpSpPr>
+        <p:cNvPr id="1" name=""/>
+        <p:cNvGrpSpPr/>
+        <p:nvPr/>
+      </p:nvGrpSpPr>
+      <p:grpSpPr>
+        <a:xfrm>
+          <a:off x="0" y="0"/>
+          <a:ext cx="0" cy="0"/>
+          <a:chOff x="0" y="0"/>
+          <a:chExt cx="0" cy="0"/>
+        </a:xfrm>
+      </p:grpSpPr>
+      <p:sp>
+        <p:nvSpPr>
+          <p:cNvPr id="2" name="Title 1">
+            <a:extLst>
+              <a:ext uri="{FF2B5EF4-FFF2-40B4-BE49-F238E27FC236}">
+                <a16:creationId xmlns:a16="http://schemas.microsoft.com/office/drawing/2014/main" id="{3FE8459F-EB23-263C-3E56-239970E55B52}"/>
+              </a:ext>
+            </a:extLst>
+          </p:cNvPr>
+          <p:cNvSpPr>
+            <a:spLocks noGrp="1"/>
+          </p:cNvSpPr>
+          <p:nvPr>
+            <p:ph type="title"/>
+          </p:nvPr>
+        </p:nvSpPr>
+        <p:spPr/>
+        <p:txBody>
+          <a:bodyPr/>
+          <a:lstStyle/>
+          <a:p>
+            <a:r>
+              <a:rPr lang="en-GB" dirty="0"/>
+              <a:t>Problems</a:t>
+            </a:r>
+          </a:p>
+        </p:txBody>
+      </p:sp>
+      <p:sp>
+        <p:nvSpPr>
+          <p:cNvPr id="3" name="Text Placeholder 2">
+            <a:extLst>
+              <a:ext uri="{FF2B5EF4-FFF2-40B4-BE49-F238E27FC236}">
+                <a16:creationId xmlns:a16="http://schemas.microsoft.com/office/drawing/2014/main" id="{1E1DF97D-980C-E664-2A4B-364168537BD5}"/>
+              </a:ext>
+            </a:extLst>
+          </p:cNvPr>
+          <p:cNvSpPr>
+            <a:spLocks noGrp="1"/>
+          </p:cNvSpPr>
+          <p:nvPr>
+            <p:ph type="body" idx="1"/>
+          </p:nvPr>
+        </p:nvSpPr>
+        <p:spPr/>
+        <p:txBody>
+          <a:bodyPr/>
+          <a:lstStyle/>
+          <a:p>
+            <a:r>
+              <a:rPr lang="en-GB" dirty="0"/>
+              <a:t>application/</a:t>
+            </a:r>
+            <a:r>
+              <a:rPr lang="en-GB" dirty="0" err="1"/>
+              <a:t>problem+json</a:t>
+            </a:r>
+            <a:endParaRPr lang="en-GB" dirty="0"/>
+          </a:p>
+        </p:txBody>
+      </p:sp>
+    </p:spTree>
+    <p:extLst>
+      <p:ext uri="{BB962C8B-B14F-4D97-AF65-F5344CB8AC3E}">
+        <p14:creationId xmlns:p14="http://schemas.microsoft.com/office/powerpoint/2010/main" val="4253723392"/>
+      </p:ext>
+    </p:extLst>
+  </p:cSld>
+  <p:clrMapOvr>
+    <a:masterClrMapping/>
+  </p:clrMapOvr>
+</p:sld>
+</file>
+
+<file path=ppt/slides/slide34.xml><?xml version="1.0" encoding="utf-8"?>
+<p:sld xmlns:a="http://schemas.openxmlformats.org/drawingml/2006/main" xmlns:r="http://schemas.openxmlformats.org/officeDocument/2006/relationships" xmlns:p="http://schemas.openxmlformats.org/presentationml/2006/main">
+  <p:cSld>
+    <p:spTree>
+      <p:nvGrpSpPr>
+        <p:cNvPr id="1" name=""/>
+        <p:cNvGrpSpPr/>
+        <p:nvPr/>
+      </p:nvGrpSpPr>
+      <p:grpSpPr>
+        <a:xfrm>
+          <a:off x="0" y="0"/>
+          <a:ext cx="0" cy="0"/>
+          <a:chOff x="0" y="0"/>
+          <a:chExt cx="0" cy="0"/>
+        </a:xfrm>
+      </p:grpSpPr>
+      <p:pic>
+        <p:nvPicPr>
+          <p:cNvPr id="3" name="Picture 2">
+            <a:extLst>
+              <a:ext uri="{FF2B5EF4-FFF2-40B4-BE49-F238E27FC236}">
+                <a16:creationId xmlns:a16="http://schemas.microsoft.com/office/drawing/2014/main" id="{FD64E502-0D80-4E4E-F557-409FB42BAB02}"/>
+              </a:ext>
+            </a:extLst>
+          </p:cNvPr>
+          <p:cNvPicPr>
+            <a:picLocks noChangeAspect="1"/>
+          </p:cNvPicPr>
+          <p:nvPr/>
+        </p:nvPicPr>
+        <p:blipFill>
+          <a:blip r:embed="rId2">
+            <a:extLst>
+              <a:ext uri="{28A0092B-C50C-407E-A947-70E740481C1C}">
+                <a14:useLocalDpi xmlns:a14="http://schemas.microsoft.com/office/drawing/2010/main" val="0"/>
+              </a:ext>
+            </a:extLst>
+          </a:blip>
+          <a:stretch>
+            <a:fillRect/>
+          </a:stretch>
+        </p:blipFill>
+        <p:spPr>
+          <a:xfrm>
+            <a:off x="2598525" y="0"/>
+            <a:ext cx="6994949" cy="6858000"/>
+          </a:xfrm>
+          <a:prstGeom prst="rect">
+            <a:avLst/>
+          </a:prstGeom>
+        </p:spPr>
+      </p:pic>
+    </p:spTree>
+    <p:extLst>
+      <p:ext uri="{BB962C8B-B14F-4D97-AF65-F5344CB8AC3E}">
+        <p14:creationId xmlns:p14="http://schemas.microsoft.com/office/powerpoint/2010/main" val="2689613026"/>
+      </p:ext>
+    </p:extLst>
+  </p:cSld>
+  <p:clrMapOvr>
+    <a:masterClrMapping/>
+  </p:clrMapOvr>
+</p:sld>
+</file>
+
+<file path=ppt/slides/slide35.xml><?xml version="1.0" encoding="utf-8"?>
+<p:sld xmlns:a="http://schemas.openxmlformats.org/drawingml/2006/main" xmlns:r="http://schemas.openxmlformats.org/officeDocument/2006/relationships" xmlns:p="http://schemas.openxmlformats.org/presentationml/2006/main">
+  <p:cSld>
+    <p:spTree>
+      <p:nvGrpSpPr>
+        <p:cNvPr id="1" name=""/>
+        <p:cNvGrpSpPr/>
+        <p:nvPr/>
+      </p:nvGrpSpPr>
+      <p:grpSpPr>
+        <a:xfrm>
+          <a:off x="0" y="0"/>
+          <a:ext cx="0" cy="0"/>
+          <a:chOff x="0" y="0"/>
+          <a:chExt cx="0" cy="0"/>
+        </a:xfrm>
+      </p:grpSpPr>
+      <p:sp>
+        <p:nvSpPr>
+          <p:cNvPr id="2" name="Title 1">
+            <a:extLst>
+              <a:ext uri="{FF2B5EF4-FFF2-40B4-BE49-F238E27FC236}">
+                <a16:creationId xmlns:a16="http://schemas.microsoft.com/office/drawing/2014/main" id="{5592EC0B-A3CD-B223-512D-74AAB33C0BA8}"/>
+              </a:ext>
+            </a:extLst>
+          </p:cNvPr>
+          <p:cNvSpPr>
+            <a:spLocks noGrp="1"/>
+          </p:cNvSpPr>
+          <p:nvPr>
+            <p:ph type="title"/>
+          </p:nvPr>
+        </p:nvSpPr>
+        <p:spPr/>
+        <p:txBody>
+          <a:bodyPr/>
+          <a:lstStyle/>
+          <a:p>
+            <a:r>
+              <a:rPr lang="en-GB" dirty="0"/>
+              <a:t>Tools</a:t>
+            </a:r>
+          </a:p>
+        </p:txBody>
+      </p:sp>
+      <p:sp>
+        <p:nvSpPr>
+          <p:cNvPr id="3" name="Content Placeholder 2">
+            <a:extLst>
+              <a:ext uri="{FF2B5EF4-FFF2-40B4-BE49-F238E27FC236}">
+                <a16:creationId xmlns:a16="http://schemas.microsoft.com/office/drawing/2014/main" id="{71B67435-0E9A-06CE-2486-38134A2A38D4}"/>
+              </a:ext>
+            </a:extLst>
+          </p:cNvPr>
+          <p:cNvSpPr>
+            <a:spLocks noGrp="1"/>
+          </p:cNvSpPr>
+          <p:nvPr>
+            <p:ph idx="1"/>
+          </p:nvPr>
+        </p:nvSpPr>
+        <p:spPr/>
+        <p:txBody>
+          <a:bodyPr>
+            <a:normAutofit/>
+          </a:bodyPr>
+          <a:lstStyle/>
+          <a:p>
+            <a:pPr>
+              <a:spcBef>
+                <a:spcPts val="3600"/>
+              </a:spcBef>
+            </a:pPr>
+            <a:r>
+              <a:rPr lang="en-GB" dirty="0"/>
+              <a:t>Swagger UI</a:t>
+            </a:r>
+          </a:p>
+          <a:p>
+            <a:pPr>
+              <a:spcBef>
+                <a:spcPts val="3600"/>
+              </a:spcBef>
+            </a:pPr>
+            <a:r>
+              <a:rPr lang="en-GB" dirty="0" err="1"/>
+              <a:t>Redoc</a:t>
+            </a:r>
+            <a:br>
+              <a:rPr lang="en-GB" dirty="0"/>
+            </a:br>
+            <a:r>
+              <a:rPr lang="en-GB" sz="1600" dirty="0">
+                <a:solidFill>
+                  <a:schemeClr val="accent2">
+                    <a:lumMod val="60000"/>
+                    <a:lumOff val="40000"/>
+                  </a:schemeClr>
+                </a:solidFill>
+              </a:rPr>
+              <a:t>github.com/</a:t>
+            </a:r>
+            <a:r>
+              <a:rPr lang="en-GB" sz="1600" dirty="0" err="1">
+                <a:solidFill>
+                  <a:schemeClr val="accent2">
+                    <a:lumMod val="60000"/>
+                    <a:lumOff val="40000"/>
+                  </a:schemeClr>
+                </a:solidFill>
+              </a:rPr>
+              <a:t>Redocly</a:t>
+            </a:r>
+            <a:r>
+              <a:rPr lang="en-GB" sz="1600" dirty="0">
+                <a:solidFill>
+                  <a:schemeClr val="accent2">
+                    <a:lumMod val="60000"/>
+                    <a:lumOff val="40000"/>
+                  </a:schemeClr>
+                </a:solidFill>
+              </a:rPr>
+              <a:t>/</a:t>
+            </a:r>
+            <a:r>
+              <a:rPr lang="en-GB" sz="1600" dirty="0" err="1">
+                <a:solidFill>
+                  <a:schemeClr val="accent2">
+                    <a:lumMod val="60000"/>
+                    <a:lumOff val="40000"/>
+                  </a:schemeClr>
+                </a:solidFill>
+              </a:rPr>
+              <a:t>redoc</a:t>
+            </a:r>
+            <a:endParaRPr lang="en-GB" sz="1600" dirty="0">
+              <a:solidFill>
+                <a:schemeClr val="accent2">
+                  <a:lumMod val="60000"/>
+                  <a:lumOff val="40000"/>
+                </a:schemeClr>
+              </a:solidFill>
+            </a:endParaRPr>
+          </a:p>
+          <a:p>
+            <a:pPr>
+              <a:spcBef>
+                <a:spcPts val="3600"/>
+              </a:spcBef>
+            </a:pPr>
+            <a:r>
+              <a:rPr lang="en-GB" dirty="0"/>
+              <a:t>Widdershins + </a:t>
+            </a:r>
+            <a:r>
+              <a:rPr lang="en-GB" dirty="0" err="1"/>
+              <a:t>Reslate</a:t>
+            </a:r>
+            <a:br>
+              <a:rPr lang="en-GB" dirty="0"/>
+            </a:br>
+            <a:r>
+              <a:rPr lang="en-GB" sz="1600" dirty="0">
+                <a:solidFill>
+                  <a:schemeClr val="accent2">
+                    <a:lumMod val="60000"/>
+                    <a:lumOff val="40000"/>
+                  </a:schemeClr>
+                </a:solidFill>
+              </a:rPr>
+              <a:t>github.com/</a:t>
+            </a:r>
+            <a:r>
+              <a:rPr lang="en-GB" sz="1600" dirty="0" err="1">
+                <a:solidFill>
+                  <a:schemeClr val="accent2">
+                    <a:lumMod val="60000"/>
+                    <a:lumOff val="40000"/>
+                  </a:schemeClr>
+                </a:solidFill>
+              </a:rPr>
+              <a:t>Mermade</a:t>
+            </a:r>
+            <a:r>
+              <a:rPr lang="en-GB" sz="1600" dirty="0">
+                <a:solidFill>
+                  <a:schemeClr val="accent2">
+                    <a:lumMod val="60000"/>
+                    <a:lumOff val="40000"/>
+                  </a:schemeClr>
+                </a:solidFill>
+              </a:rPr>
+              <a:t>/widdershins</a:t>
+            </a:r>
+            <a:endParaRPr lang="en-GB" sz="1600" dirty="0"/>
+          </a:p>
+          <a:p>
+            <a:pPr>
+              <a:spcBef>
+                <a:spcPts val="3600"/>
+              </a:spcBef>
+            </a:pPr>
+            <a:r>
+              <a:rPr lang="en-GB" dirty="0"/>
+              <a:t>Elements</a:t>
+            </a:r>
+            <a:br>
+              <a:rPr lang="en-GB" dirty="0"/>
+            </a:br>
+            <a:r>
+              <a:rPr lang="en-GB" sz="1600" dirty="0">
+                <a:solidFill>
+                  <a:schemeClr val="accent2">
+                    <a:lumMod val="60000"/>
+                    <a:lumOff val="40000"/>
+                  </a:schemeClr>
+                </a:solidFill>
+              </a:rPr>
+              <a:t>stoplight.io/open-source/elements</a:t>
+            </a:r>
+          </a:p>
+        </p:txBody>
+      </p:sp>
+    </p:spTree>
+    <p:extLst>
+      <p:ext uri="{BB962C8B-B14F-4D97-AF65-F5344CB8AC3E}">
+        <p14:creationId xmlns:p14="http://schemas.microsoft.com/office/powerpoint/2010/main" val="2893756278"/>
+      </p:ext>
+    </p:extLst>
+  </p:cSld>
+  <p:clrMapOvr>
+    <a:masterClrMapping/>
+  </p:clrMapOvr>
+</p:sld>
+</file>
+
+<file path=ppt/slides/slide36.xml><?xml version="1.0" encoding="utf-8"?>
+<p:sld xmlns:a="http://schemas.openxmlformats.org/drawingml/2006/main" xmlns:r="http://schemas.openxmlformats.org/officeDocument/2006/relationships" xmlns:p="http://schemas.openxmlformats.org/presentationml/2006/main">
+  <p:cSld>
+    <p:spTree>
+      <p:nvGrpSpPr>
+        <p:cNvPr id="1" name=""/>
+        <p:cNvGrpSpPr/>
+        <p:nvPr/>
+      </p:nvGrpSpPr>
+      <p:grpSpPr>
+        <a:xfrm>
+          <a:off x="0" y="0"/>
+          <a:ext cx="0" cy="0"/>
+          <a:chOff x="0" y="0"/>
+          <a:chExt cx="0" cy="0"/>
+        </a:xfrm>
+      </p:grpSpPr>
+      <p:sp>
+        <p:nvSpPr>
+          <p:cNvPr id="2" name="Title 1">
+            <a:extLst>
+              <a:ext uri="{FF2B5EF4-FFF2-40B4-BE49-F238E27FC236}">
+                <a16:creationId xmlns:a16="http://schemas.microsoft.com/office/drawing/2014/main" id="{C4DAB788-8FB0-FF25-28E5-B49FEED02E0C}"/>
+              </a:ext>
+            </a:extLst>
+          </p:cNvPr>
+          <p:cNvSpPr>
+            <a:spLocks noGrp="1"/>
+          </p:cNvSpPr>
+          <p:nvPr>
+            <p:ph type="title"/>
+          </p:nvPr>
+        </p:nvSpPr>
+        <p:spPr/>
+        <p:txBody>
+          <a:bodyPr/>
+          <a:lstStyle/>
+          <a:p>
+            <a:r>
+              <a:rPr lang="en-GB" dirty="0"/>
+              <a:t>Bundling</a:t>
+            </a:r>
+          </a:p>
+        </p:txBody>
+      </p:sp>
+      <p:pic>
+        <p:nvPicPr>
+          <p:cNvPr id="5" name="Content Placeholder 4">
+            <a:extLst>
+              <a:ext uri="{FF2B5EF4-FFF2-40B4-BE49-F238E27FC236}">
+                <a16:creationId xmlns:a16="http://schemas.microsoft.com/office/drawing/2014/main" id="{46D85B33-E466-BB66-4D80-A0E1A1DA39E0}"/>
+              </a:ext>
+            </a:extLst>
+          </p:cNvPr>
+          <p:cNvPicPr>
+            <a:picLocks noGrp="1" noChangeAspect="1"/>
+          </p:cNvPicPr>
+          <p:nvPr>
+            <p:ph idx="1"/>
+          </p:nvPr>
+        </p:nvPicPr>
+        <p:blipFill>
+          <a:blip r:embed="rId2">
+            <a:extLst>
+              <a:ext uri="{28A0092B-C50C-407E-A947-70E740481C1C}">
+                <a14:useLocalDpi xmlns:a14="http://schemas.microsoft.com/office/drawing/2010/main" val="0"/>
+              </a:ext>
+            </a:extLst>
+          </a:blip>
+          <a:stretch>
+            <a:fillRect/>
+          </a:stretch>
+        </p:blipFill>
+        <p:spPr>
+          <a:xfrm>
+            <a:off x="838200" y="2116943"/>
+            <a:ext cx="10515600" cy="3768702"/>
+          </a:xfrm>
+        </p:spPr>
+      </p:pic>
+    </p:spTree>
+    <p:extLst>
+      <p:ext uri="{BB962C8B-B14F-4D97-AF65-F5344CB8AC3E}">
+        <p14:creationId xmlns:p14="http://schemas.microsoft.com/office/powerpoint/2010/main" val="3713737075"/>
+      </p:ext>
+    </p:extLst>
+  </p:cSld>
+  <p:clrMapOvr>
+    <a:masterClrMapping/>
+  </p:clrMapOvr>
+</p:sld>
+</file>
+
+<file path=ppt/slides/slide37.xml><?xml version="1.0" encoding="utf-8"?>
+<p:sld xmlns:a="http://schemas.openxmlformats.org/drawingml/2006/main" xmlns:r="http://schemas.openxmlformats.org/officeDocument/2006/relationships" xmlns:p="http://schemas.openxmlformats.org/presentationml/2006/main">
+  <p:cSld>
+    <p:spTree>
+      <p:nvGrpSpPr>
+        <p:cNvPr id="1" name=""/>
+        <p:cNvGrpSpPr/>
+        <p:nvPr/>
+      </p:nvGrpSpPr>
+      <p:grpSpPr>
+        <a:xfrm>
+          <a:off x="0" y="0"/>
+          <a:ext cx="0" cy="0"/>
+          <a:chOff x="0" y="0"/>
+          <a:chExt cx="0" cy="0"/>
+        </a:xfrm>
+      </p:grpSpPr>
+      <p:sp>
+        <p:nvSpPr>
+          <p:cNvPr id="2" name="Title 1">
+            <a:extLst>
+              <a:ext uri="{FF2B5EF4-FFF2-40B4-BE49-F238E27FC236}">
+                <a16:creationId xmlns:a16="http://schemas.microsoft.com/office/drawing/2014/main" id="{99629F9A-EFA6-715B-2804-5BBE4D49E3EA}"/>
+              </a:ext>
+            </a:extLst>
+          </p:cNvPr>
+          <p:cNvSpPr>
+            <a:spLocks noGrp="1"/>
+          </p:cNvSpPr>
+          <p:nvPr>
+            <p:ph type="title"/>
+          </p:nvPr>
+        </p:nvSpPr>
+        <p:spPr/>
+        <p:txBody>
+          <a:bodyPr/>
+          <a:lstStyle/>
+          <a:p>
+            <a:r>
+              <a:rPr lang="en-GB" dirty="0"/>
+              <a:t>Packages</a:t>
+            </a:r>
+          </a:p>
+        </p:txBody>
+      </p:sp>
+      <p:sp>
+        <p:nvSpPr>
+          <p:cNvPr id="3" name="Content Placeholder 2">
+            <a:extLst>
+              <a:ext uri="{FF2B5EF4-FFF2-40B4-BE49-F238E27FC236}">
+                <a16:creationId xmlns:a16="http://schemas.microsoft.com/office/drawing/2014/main" id="{45A6AA06-BF8E-0DCA-344F-2C5D079ED393}"/>
+              </a:ext>
+            </a:extLst>
+          </p:cNvPr>
+          <p:cNvSpPr>
+            <a:spLocks noGrp="1"/>
+          </p:cNvSpPr>
+          <p:nvPr>
+            <p:ph idx="1"/>
+          </p:nvPr>
+        </p:nvSpPr>
+        <p:spPr/>
+        <p:txBody>
+          <a:bodyPr/>
+          <a:lstStyle/>
+          <a:p>
+            <a:r>
+              <a:rPr lang="en-GB" dirty="0" err="1"/>
+              <a:t>RendleLabs.OpenApi.Web</a:t>
+            </a:r>
+            <a:endParaRPr lang="en-GB" dirty="0"/>
+          </a:p>
+          <a:p>
+            <a:r>
+              <a:rPr lang="en-GB" dirty="0" err="1">
+                <a:solidFill>
+                  <a:schemeClr val="tx1">
+                    <a:lumMod val="50000"/>
+                  </a:schemeClr>
+                </a:solidFill>
+              </a:rPr>
+              <a:t>RendleLabs.OpenApi.Analyzers</a:t>
+            </a:r>
+            <a:endParaRPr lang="en-GB" dirty="0">
+              <a:solidFill>
+                <a:schemeClr val="tx1">
+                  <a:lumMod val="50000"/>
+                </a:schemeClr>
+              </a:solidFill>
+            </a:endParaRPr>
+          </a:p>
+          <a:p>
+            <a:r>
+              <a:rPr lang="en-GB" dirty="0" err="1">
+                <a:solidFill>
+                  <a:schemeClr val="tx1">
+                    <a:lumMod val="50000"/>
+                  </a:schemeClr>
+                </a:solidFill>
+              </a:rPr>
+              <a:t>RendleLabs.OpenApi.Bundle</a:t>
+            </a:r>
+            <a:endParaRPr lang="en-GB" dirty="0">
+              <a:solidFill>
+                <a:schemeClr val="tx1">
+                  <a:lumMod val="50000"/>
+                </a:schemeClr>
+              </a:solidFill>
+            </a:endParaRPr>
+          </a:p>
+          <a:p>
+            <a:r>
+              <a:rPr lang="en-GB" dirty="0" err="1">
+                <a:solidFill>
+                  <a:schemeClr val="tx1">
+                    <a:lumMod val="50000"/>
+                  </a:schemeClr>
+                </a:solidFill>
+              </a:rPr>
+              <a:t>RendleLabs.OpenApi.Test</a:t>
+            </a:r>
+            <a:endParaRPr lang="en-GB" dirty="0">
+              <a:solidFill>
+                <a:schemeClr val="tx1">
+                  <a:lumMod val="50000"/>
+                </a:schemeClr>
+              </a:solidFill>
+            </a:endParaRPr>
+          </a:p>
+        </p:txBody>
+      </p:sp>
+    </p:spTree>
+    <p:extLst>
+      <p:ext uri="{BB962C8B-B14F-4D97-AF65-F5344CB8AC3E}">
+        <p14:creationId xmlns:p14="http://schemas.microsoft.com/office/powerpoint/2010/main" val="4270393768"/>
+      </p:ext>
+    </p:extLst>
+  </p:cSld>
+  <p:clrMapOvr>
+    <a:masterClrMapping/>
+  </p:clrMapOvr>
+</p:sld>
+</file>
+
+<file path=ppt/slides/slide38.xml><?xml version="1.0" encoding="utf-8"?>
+<p:sld xmlns:a="http://schemas.openxmlformats.org/drawingml/2006/main" xmlns:r="http://schemas.openxmlformats.org/officeDocument/2006/relationships" xmlns:p="http://schemas.openxmlformats.org/presentationml/2006/main">
+  <p:cSld>
+    <p:spTree>
+      <p:nvGrpSpPr>
+        <p:cNvPr id="1" name=""/>
+        <p:cNvGrpSpPr/>
+        <p:nvPr/>
+      </p:nvGrpSpPr>
+      <p:grpSpPr>
+        <a:xfrm>
+          <a:off x="0" y="0"/>
+          <a:ext cx="0" cy="0"/>
+          <a:chOff x="0" y="0"/>
+          <a:chExt cx="0" cy="0"/>
+        </a:xfrm>
+      </p:grpSpPr>
+      <p:pic>
+        <p:nvPicPr>
+          <p:cNvPr id="1026" name="Picture 2">
+            <a:extLst>
+              <a:ext uri="{FF2B5EF4-FFF2-40B4-BE49-F238E27FC236}">
+                <a16:creationId xmlns:a16="http://schemas.microsoft.com/office/drawing/2014/main" id="{C2FBB4DB-7ADD-0163-E80C-77345DEA1C9D}"/>
+              </a:ext>
+            </a:extLst>
+          </p:cNvPr>
+          <p:cNvPicPr>
+            <a:picLocks noChangeAspect="1" noChangeArrowheads="1"/>
+          </p:cNvPicPr>
+          <p:nvPr/>
+        </p:nvPicPr>
+        <p:blipFill>
+          <a:blip r:embed="rId2">
+            <a:extLst>
+              <a:ext uri="{28A0092B-C50C-407E-A947-70E740481C1C}">
+                <a14:useLocalDpi xmlns:a14="http://schemas.microsoft.com/office/drawing/2010/main" val="0"/>
+              </a:ext>
+            </a:extLst>
+          </a:blip>
+          <a:srcRect/>
+          <a:stretch>
+            <a:fillRect/>
+          </a:stretch>
+        </p:blipFill>
+        <p:spPr bwMode="auto">
+          <a:xfrm>
+            <a:off x="2272144" y="-5548"/>
+            <a:ext cx="7777019" cy="6985241"/>
+          </a:xfrm>
+          <a:prstGeom prst="rect">
+            <a:avLst/>
+          </a:prstGeom>
+          <a:noFill/>
+          <a:extLst>
+            <a:ext uri="{909E8E84-426E-40DD-AFC4-6F175D3DCCD1}">
+              <a14:hiddenFill xmlns:a14="http://schemas.microsoft.com/office/drawing/2010/main">
+                <a:solidFill>
+                  <a:srgbClr val="FFFFFF"/>
+                </a:solidFill>
+              </a14:hiddenFill>
+            </a:ext>
+          </a:extLst>
+        </p:spPr>
+      </p:pic>
+      <p:sp>
+        <p:nvSpPr>
+          <p:cNvPr id="2" name="TextBox 1">
+            <a:extLst>
+              <a:ext uri="{FF2B5EF4-FFF2-40B4-BE49-F238E27FC236}">
+                <a16:creationId xmlns:a16="http://schemas.microsoft.com/office/drawing/2014/main" id="{EDB9E651-100A-D8DA-1147-83621CD09996}"/>
+              </a:ext>
+            </a:extLst>
+          </p:cNvPr>
+          <p:cNvSpPr txBox="1"/>
+          <p:nvPr/>
+        </p:nvSpPr>
+        <p:spPr>
+          <a:xfrm>
+            <a:off x="1348509" y="2225964"/>
+            <a:ext cx="5227782" cy="1862048"/>
+          </a:xfrm>
+          <a:prstGeom prst="rect">
+            <a:avLst/>
+          </a:prstGeom>
+          <a:noFill/>
+        </p:spPr>
+        <p:txBody>
+          <a:bodyPr wrap="square" rtlCol="0">
+            <a:spAutoFit/>
+          </a:bodyPr>
+          <a:lstStyle/>
+          <a:p>
+            <a:r>
+              <a:rPr lang="en-GB" sz="11500" dirty="0">
+                <a:solidFill>
+                  <a:srgbClr val="FFC000"/>
+                </a:solidFill>
+                <a:latin typeface="Goudy Stout" panose="0202090407030B020401" pitchFamily="18" charset="0"/>
+              </a:rPr>
+              <a:t>FIN</a:t>
+            </a:r>
+          </a:p>
+        </p:txBody>
+      </p:sp>
+    </p:spTree>
+    <p:extLst>
+      <p:ext uri="{BB962C8B-B14F-4D97-AF65-F5344CB8AC3E}">
+        <p14:creationId xmlns:p14="http://schemas.microsoft.com/office/powerpoint/2010/main" val="1355166141"/>
+      </p:ext>
+    </p:extLst>
+  </p:cSld>
+  <p:clrMapOvr>
+    <a:masterClrMapping/>
+  </p:clrMapOvr>
+  <p:transition spd="slow">
+    <p:cover dir="d"/>
+  </p:transition>
+  <p:timing>
+    <p:tnLst>
+      <p:par>
+        <p:cTn id="1" dur="indefinite" restart="never" nodeType="tmRoot">
+          <p:childTnLst>
+            <p:seq concurrent="1" nextAc="seek">
+              <p:cTn id="2" dur="indefinite" nodeType="mainSeq">
+                <p:childTnLst>
+                  <p:par>
+                    <p:cTn id="3" fill="hold">
+                      <p:stCondLst>
+                        <p:cond delay="indefinite"/>
+                        <p:cond evt="onBegin" delay="0">
+                          <p:tn val="2"/>
+                        </p:cond>
+                      </p:stCondLst>
+                      <p:childTnLst>
+                        <p:par>
+                          <p:cTn id="4" fill="hold">
+                            <p:stCondLst>
+                              <p:cond delay="0"/>
+                            </p:stCondLst>
+                            <p:childTnLst>
+                              <p:par>
+                                <p:cTn id="5" presetID="1" presetClass="entr" presetSubtype="0" fill="hold" grpId="0" nodeType="withEffect">
+                                  <p:stCondLst>
+                                    <p:cond delay="0"/>
+                                  </p:stCondLst>
+                                  <p:childTnLst>
+                                    <p:set>
+                                      <p:cBhvr>
+                                        <p:cTn id="6" dur="1" fill="hold">
+                                          <p:stCondLst>
+                                            <p:cond delay="0"/>
+                                          </p:stCondLst>
+                                        </p:cTn>
+                                        <p:tgtEl>
+                                          <p:spTgt spid="2"/>
+                                        </p:tgtEl>
+                                        <p:attrNameLst>
+                                          <p:attrName>style.visibility</p:attrName>
+                                        </p:attrNameLst>
+                                      </p:cBhvr>
+                                      <p:to>
+                                        <p:strVal val="visible"/>
+                                      </p:to>
+                                    </p:set>
+                                  </p:childTnLst>
+                                </p:cTn>
+                              </p:par>
+                            </p:childTnLst>
+                          </p:cTn>
+                        </p:par>
+                      </p:childTnLst>
+                    </p:cTn>
+                  </p:par>
+                </p:childTnLst>
+              </p:cTn>
+              <p:prevCondLst>
+                <p:cond evt="onPrev" delay="0">
+                  <p:tgtEl>
+                    <p:sldTgt/>
+                  </p:tgtEl>
+                </p:cond>
+              </p:prevCondLst>
+              <p:nextCondLst>
+                <p:cond evt="onNext" delay="0">
+                  <p:tgtEl>
+                    <p:sldTgt/>
+                  </p:tgtEl>
+                </p:cond>
+              </p:nextCondLst>
+            </p:seq>
+          </p:childTnLst>
+        </p:cTn>
+      </p:par>
+    </p:tnLst>
+    <p:bldLst>
+      <p:bldP spid="2" grpId="0"/>
+    </p:bldLst>
+  </p:timing>
+</p:sld>
+</file>
+
+<file path=ppt/slides/slide39.xml><?xml version="1.0" encoding="utf-8"?>
+<p:sld xmlns:a="http://schemas.openxmlformats.org/drawingml/2006/main" xmlns:r="http://schemas.openxmlformats.org/officeDocument/2006/relationships" xmlns:p="http://schemas.openxmlformats.org/presentationml/2006/main">
+  <p:cSld>
+    <p:spTree>
+      <p:nvGrpSpPr>
+        <p:cNvPr id="1" name=""/>
+        <p:cNvGrpSpPr/>
+        <p:nvPr/>
+      </p:nvGrpSpPr>
+      <p:grpSpPr>
+        <a:xfrm>
+          <a:off x="0" y="0"/>
+          <a:ext cx="0" cy="0"/>
+          <a:chOff x="0" y="0"/>
+          <a:chExt cx="0" cy="0"/>
+        </a:xfrm>
+      </p:grpSpPr>
+      <p:sp>
+        <p:nvSpPr>
+          <p:cNvPr id="2" name="Title 1">
+            <a:extLst>
+              <a:ext uri="{FF2B5EF4-FFF2-40B4-BE49-F238E27FC236}">
+                <a16:creationId xmlns:a16="http://schemas.microsoft.com/office/drawing/2014/main" id="{F9E284D2-89DF-8EC8-65E0-4D9CB003F699}"/>
+              </a:ext>
+            </a:extLst>
+          </p:cNvPr>
+          <p:cNvSpPr>
+            <a:spLocks noGrp="1"/>
+          </p:cNvSpPr>
+          <p:nvPr>
+            <p:ph type="title"/>
+          </p:nvPr>
+        </p:nvSpPr>
+        <p:spPr/>
+        <p:txBody>
+          <a:bodyPr/>
+          <a:lstStyle/>
+          <a:p>
+            <a:r>
+              <a:rPr lang="en-GB" dirty="0"/>
+              <a:t>Resources</a:t>
+            </a:r>
+          </a:p>
+        </p:txBody>
+      </p:sp>
+      <p:sp>
+        <p:nvSpPr>
+          <p:cNvPr id="3" name="Content Placeholder 2">
+            <a:extLst>
+              <a:ext uri="{FF2B5EF4-FFF2-40B4-BE49-F238E27FC236}">
+                <a16:creationId xmlns:a16="http://schemas.microsoft.com/office/drawing/2014/main" id="{0B277EDA-376D-5657-91E9-42978CB2557B}"/>
+              </a:ext>
+            </a:extLst>
+          </p:cNvPr>
+          <p:cNvSpPr>
+            <a:spLocks noGrp="1"/>
+          </p:cNvSpPr>
+          <p:nvPr>
+            <p:ph idx="1"/>
+          </p:nvPr>
+        </p:nvSpPr>
+        <p:spPr/>
+        <p:txBody>
+          <a:bodyPr/>
+          <a:lstStyle/>
+          <a:p>
+            <a:pPr marL="0" indent="0">
+              <a:buNone/>
+            </a:pPr>
+            <a:r>
+              <a:rPr lang="en-GB" dirty="0"/>
+              <a:t>openapis.org</a:t>
+            </a:r>
+          </a:p>
+          <a:p>
+            <a:pPr marL="0" indent="0">
+              <a:buNone/>
+            </a:pPr>
+            <a:r>
+              <a:rPr lang="en-GB" dirty="0"/>
+              <a:t>swagger.io</a:t>
+            </a:r>
+          </a:p>
+          <a:p>
+            <a:pPr marL="0" indent="0">
+              <a:buNone/>
+            </a:pPr>
+            <a:r>
+              <a:rPr lang="en-GB" dirty="0" err="1"/>
+              <a:t>openapi.tools</a:t>
+            </a:r>
+            <a:br>
+              <a:rPr lang="en-GB" dirty="0"/>
+            </a:br>
+            <a:endParaRPr lang="en-GB" dirty="0"/>
+          </a:p>
+          <a:p>
+            <a:pPr marL="0" indent="0">
+              <a:buNone/>
+            </a:pPr>
+            <a:r>
+              <a:rPr lang="en-GB" dirty="0"/>
+              <a:t>www.asyncapi.com</a:t>
+            </a:r>
+            <a:br>
+              <a:rPr lang="en-GB" dirty="0"/>
+            </a:br>
+            <a:endParaRPr lang="en-GB" dirty="0"/>
+          </a:p>
+          <a:p>
+            <a:pPr marL="0" indent="0">
+              <a:buNone/>
+            </a:pPr>
+            <a:r>
+              <a:rPr lang="en-GB" dirty="0"/>
+              <a:t>github.com/</a:t>
+            </a:r>
+            <a:r>
+              <a:rPr lang="en-GB" dirty="0" err="1"/>
+              <a:t>RendleLabs</a:t>
+            </a:r>
+            <a:r>
+              <a:rPr lang="en-GB" dirty="0"/>
+              <a:t>/LDNUG2022</a:t>
+            </a:r>
+          </a:p>
+        </p:txBody>
+      </p:sp>
+    </p:spTree>
+    <p:extLst>
+      <p:ext uri="{BB962C8B-B14F-4D97-AF65-F5344CB8AC3E}">
+        <p14:creationId xmlns:p14="http://schemas.microsoft.com/office/powerpoint/2010/main" val="2523374849"/>
+      </p:ext>
+    </p:extLst>
+  </p:cSld>
+  <p:clrMapOvr>
+    <a:masterClrMapping/>
+  </p:clrMapOvr>
+</p:sld>
+</file>
+
+<file path=ppt/slides/slide4.xml><?xml version="1.0" encoding="utf-8"?>
+<p:sld xmlns:a="http://schemas.openxmlformats.org/drawingml/2006/main" xmlns:r="http://schemas.openxmlformats.org/officeDocument/2006/relationships" xmlns:p="http://schemas.openxmlformats.org/presentationml/2006/main">
+  <p:cSld>
+    <p:spTree>
+      <p:nvGrpSpPr>
+        <p:cNvPr id="1" name=""/>
+        <p:cNvGrpSpPr/>
+        <p:nvPr/>
+      </p:nvGrpSpPr>
+      <p:grpSpPr>
+        <a:xfrm>
+          <a:off x="0" y="0"/>
+          <a:ext cx="0" cy="0"/>
+          <a:chOff x="0" y="0"/>
+          <a:chExt cx="0" cy="0"/>
+        </a:xfrm>
+      </p:grpSpPr>
+      <p:sp>
+        <p:nvSpPr>
+          <p:cNvPr id="2" name="Title 1">
+            <a:extLst>
+              <a:ext uri="{FF2B5EF4-FFF2-40B4-BE49-F238E27FC236}">
+                <a16:creationId xmlns:a16="http://schemas.microsoft.com/office/drawing/2014/main" id="{0FAB89F8-0B7C-8B73-E435-AD12AB23BC4F}"/>
+              </a:ext>
+            </a:extLst>
+          </p:cNvPr>
+          <p:cNvSpPr>
+            <a:spLocks noGrp="1"/>
+          </p:cNvSpPr>
+          <p:nvPr>
+            <p:ph type="title"/>
+          </p:nvPr>
+        </p:nvSpPr>
+        <p:spPr/>
+        <p:txBody>
+          <a:bodyPr/>
+          <a:lstStyle/>
+          <a:p>
+            <a:r>
+              <a:rPr lang="en-GB" dirty="0" err="1"/>
+              <a:t>OpenAPI</a:t>
+            </a:r>
+            <a:r>
+              <a:rPr lang="en-GB" dirty="0"/>
+              <a:t> Versions</a:t>
+            </a:r>
+          </a:p>
+        </p:txBody>
+      </p:sp>
+      <p:sp>
+        <p:nvSpPr>
+          <p:cNvPr id="3" name="Content Placeholder 2">
+            <a:extLst>
+              <a:ext uri="{FF2B5EF4-FFF2-40B4-BE49-F238E27FC236}">
+                <a16:creationId xmlns:a16="http://schemas.microsoft.com/office/drawing/2014/main" id="{DDC2E83E-DB3F-6263-0425-79E67BBD5DE5}"/>
+              </a:ext>
+            </a:extLst>
+          </p:cNvPr>
+          <p:cNvSpPr>
+            <a:spLocks noGrp="1"/>
+          </p:cNvSpPr>
+          <p:nvPr>
+            <p:ph idx="1"/>
+          </p:nvPr>
+        </p:nvSpPr>
+        <p:spPr/>
+        <p:txBody>
+          <a:bodyPr/>
+          <a:lstStyle/>
+          <a:p>
+            <a:r>
+              <a:rPr lang="en-GB" dirty="0"/>
+              <a:t>2.0: Swagger</a:t>
+            </a:r>
+            <a:br>
+              <a:rPr lang="en-GB" dirty="0"/>
+            </a:br>
+            <a:endParaRPr lang="en-GB" dirty="0"/>
+          </a:p>
+          <a:p>
+            <a:r>
+              <a:rPr lang="en-GB" dirty="0"/>
+              <a:t>3.0: Current</a:t>
+            </a:r>
+            <a:br>
+              <a:rPr lang="en-GB" dirty="0"/>
+            </a:br>
+            <a:endParaRPr lang="en-GB" dirty="0"/>
+          </a:p>
+          <a:p>
+            <a:r>
+              <a:rPr lang="en-GB" dirty="0"/>
+              <a:t>3.1: New &amp; Improved!</a:t>
+            </a:r>
+          </a:p>
+        </p:txBody>
+      </p:sp>
+    </p:spTree>
+    <p:extLst>
+      <p:ext uri="{BB962C8B-B14F-4D97-AF65-F5344CB8AC3E}">
+        <p14:creationId xmlns:p14="http://schemas.microsoft.com/office/powerpoint/2010/main" val="2802644267"/>
+      </p:ext>
+    </p:extLst>
+  </p:cSld>
+  <p:clrMapOvr>
+    <a:masterClrMapping/>
+  </p:clrMapOvr>
+  <p:timing>
+    <p:tnLst>
+      <p:par>
+        <p:cTn id="1" dur="indefinite" restart="never" nodeType="tmRoot">
+          <p:childTnLst>
+            <p:seq concurrent="1" nextAc="seek">
+              <p:cTn id="2" dur="indefinite" nodeType="mainSeq">
+                <p:childTnLst>
+                  <p:par>
+                    <p:cTn id="3" fill="hold">
+                      <p:stCondLst>
+                        <p:cond delay="indefinite"/>
+                      </p:stCondLst>
+                      <p:childTnLst>
+                        <p:par>
+                          <p:cTn id="4" fill="hold">
+                            <p:stCondLst>
+                              <p:cond delay="0"/>
+                            </p:stCondLst>
+                            <p:childTnLst>
+                              <p:par>
+                                <p:cTn id="5" presetID="42" presetClass="entr" presetSubtype="0" fill="hold" grpId="0" nodeType="clickEffect">
+                                  <p:stCondLst>
+                                    <p:cond delay="0"/>
+                                  </p:stCondLst>
+                                  <p:childTnLst>
+                                    <p:set>
+                                      <p:cBhvr>
+                                        <p:cTn id="6" dur="1" fill="hold">
+                                          <p:stCondLst>
+                                            <p:cond delay="0"/>
+                                          </p:stCondLst>
+                                        </p:cTn>
+                                        <p:tgtEl>
+                                          <p:spTgt spid="3">
+                                            <p:txEl>
+                                              <p:pRg st="0" end="0"/>
+                                            </p:txEl>
+                                          </p:spTgt>
+                                        </p:tgtEl>
+                                        <p:attrNameLst>
+                                          <p:attrName>style.visibility</p:attrName>
+                                        </p:attrNameLst>
+                                      </p:cBhvr>
+                                      <p:to>
+                                        <p:strVal val="visible"/>
+                                      </p:to>
+                                    </p:set>
+                                    <p:animEffect transition="in" filter="fade">
+                                      <p:cBhvr>
+                                        <p:cTn id="7" dur="1000"/>
+                                        <p:tgtEl>
+                                          <p:spTgt spid="3">
+                                            <p:txEl>
+                                              <p:pRg st="0" end="0"/>
+                                            </p:txEl>
+                                          </p:spTgt>
+                                        </p:tgtEl>
+                                      </p:cBhvr>
+                                    </p:animEffect>
+                                    <p:anim calcmode="lin" valueType="num">
+                                      <p:cBhvr>
+                                        <p:cTn id="8" dur="1000" fill="hold"/>
+                                        <p:tgtEl>
+                                          <p:spTgt spid="3">
+                                            <p:txEl>
+                                              <p:pRg st="0" end="0"/>
+                                            </p:txEl>
+                                          </p:spTgt>
+                                        </p:tgtEl>
+                                        <p:attrNameLst>
+                                          <p:attrName>ppt_x</p:attrName>
+                                        </p:attrNameLst>
+                                      </p:cBhvr>
+                                      <p:tavLst>
+                                        <p:tav tm="0">
+                                          <p:val>
+                                            <p:strVal val="#ppt_x"/>
+                                          </p:val>
+                                        </p:tav>
+                                        <p:tav tm="100000">
+                                          <p:val>
+                                            <p:strVal val="#ppt_x"/>
+                                          </p:val>
+                                        </p:tav>
+                                      </p:tavLst>
+                                    </p:anim>
+                                    <p:anim calcmode="lin" valueType="num">
+                                      <p:cBhvr>
+                                        <p:cTn id="9" dur="1000" fill="hold"/>
+                                        <p:tgtEl>
+                                          <p:spTgt spid="3">
+                                            <p:txEl>
+                                              <p:pRg st="0" end="0"/>
+                                            </p:txEl>
+                                          </p:spTgt>
+                                        </p:tgtEl>
+                                        <p:attrNameLst>
+                                          <p:attrName>ppt_y</p:attrName>
+                                        </p:attrNameLst>
+                                      </p:cBhvr>
+                                      <p:tavLst>
+                                        <p:tav tm="0">
+                                          <p:val>
+                                            <p:strVal val="#ppt_y+.1"/>
+                                          </p:val>
+                                        </p:tav>
+                                        <p:tav tm="100000">
+                                          <p:val>
+                                            <p:strVal val="#ppt_y"/>
+                                          </p:val>
+                                        </p:tav>
+                                      </p:tavLst>
+                                    </p:anim>
+                                  </p:childTnLst>
+                                </p:cTn>
+                              </p:par>
+                            </p:childTnLst>
+                          </p:cTn>
+                        </p:par>
+                      </p:childTnLst>
+                    </p:cTn>
+                  </p:par>
+                  <p:par>
+                    <p:cTn id="10" fill="hold">
+                      <p:stCondLst>
+                        <p:cond delay="indefinite"/>
+                      </p:stCondLst>
+                      <p:childTnLst>
+                        <p:par>
+                          <p:cTn id="11" fill="hold">
+                            <p:stCondLst>
+                              <p:cond delay="0"/>
+                            </p:stCondLst>
+                            <p:childTnLst>
+                              <p:par>
+                                <p:cTn id="12" presetID="42" presetClass="entr" presetSubtype="0" fill="hold" grpId="0" nodeType="clickEffect">
+                                  <p:stCondLst>
+                                    <p:cond delay="0"/>
+                                  </p:stCondLst>
+                                  <p:childTnLst>
+                                    <p:set>
+                                      <p:cBhvr>
+                                        <p:cTn id="13" dur="1" fill="hold">
+                                          <p:stCondLst>
+                                            <p:cond delay="0"/>
+                                          </p:stCondLst>
+                                        </p:cTn>
+                                        <p:tgtEl>
+                                          <p:spTgt spid="3">
+                                            <p:txEl>
+                                              <p:pRg st="1" end="1"/>
+                                            </p:txEl>
+                                          </p:spTgt>
+                                        </p:tgtEl>
+                                        <p:attrNameLst>
+                                          <p:attrName>style.visibility</p:attrName>
+                                        </p:attrNameLst>
+                                      </p:cBhvr>
+                                      <p:to>
+                                        <p:strVal val="visible"/>
+                                      </p:to>
+                                    </p:set>
+                                    <p:animEffect transition="in" filter="fade">
+                                      <p:cBhvr>
+                                        <p:cTn id="14" dur="1000"/>
+                                        <p:tgtEl>
+                                          <p:spTgt spid="3">
+                                            <p:txEl>
+                                              <p:pRg st="1" end="1"/>
+                                            </p:txEl>
+                                          </p:spTgt>
+                                        </p:tgtEl>
+                                      </p:cBhvr>
+                                    </p:animEffect>
+                                    <p:anim calcmode="lin" valueType="num">
+                                      <p:cBhvr>
+                                        <p:cTn id="15" dur="1000" fill="hold"/>
+                                        <p:tgtEl>
+                                          <p:spTgt spid="3">
+                                            <p:txEl>
+                                              <p:pRg st="1" end="1"/>
+                                            </p:txEl>
+                                          </p:spTgt>
+                                        </p:tgtEl>
+                                        <p:attrNameLst>
+                                          <p:attrName>ppt_x</p:attrName>
+                                        </p:attrNameLst>
+                                      </p:cBhvr>
+                                      <p:tavLst>
+                                        <p:tav tm="0">
+                                          <p:val>
+                                            <p:strVal val="#ppt_x"/>
+                                          </p:val>
+                                        </p:tav>
+                                        <p:tav tm="100000">
+                                          <p:val>
+                                            <p:strVal val="#ppt_x"/>
+                                          </p:val>
+                                        </p:tav>
+                                      </p:tavLst>
+                                    </p:anim>
+                                    <p:anim calcmode="lin" valueType="num">
+                                      <p:cBhvr>
+                                        <p:cTn id="16" dur="1000" fill="hold"/>
+                                        <p:tgtEl>
+                                          <p:spTgt spid="3">
+                                            <p:txEl>
+                                              <p:pRg st="1" end="1"/>
+                                            </p:txEl>
+                                          </p:spTgt>
+                                        </p:tgtEl>
+                                        <p:attrNameLst>
+                                          <p:attrName>ppt_y</p:attrName>
+                                        </p:attrNameLst>
+                                      </p:cBhvr>
+                                      <p:tavLst>
+                                        <p:tav tm="0">
+                                          <p:val>
+                                            <p:strVal val="#ppt_y+.1"/>
+                                          </p:val>
+                                        </p:tav>
+                                        <p:tav tm="100000">
+                                          <p:val>
+                                            <p:strVal val="#ppt_y"/>
+                                          </p:val>
+                                        </p:tav>
+                                      </p:tavLst>
+                                    </p:anim>
+                                  </p:childTnLst>
+                                </p:cTn>
+                              </p:par>
+                            </p:childTnLst>
+                          </p:cTn>
+                        </p:par>
+                      </p:childTnLst>
+                    </p:cTn>
+                  </p:par>
+                  <p:par>
+                    <p:cTn id="17" fill="hold">
+                      <p:stCondLst>
+                        <p:cond delay="indefinite"/>
+                      </p:stCondLst>
+                      <p:childTnLst>
+                        <p:par>
+                          <p:cTn id="18" fill="hold">
+                            <p:stCondLst>
+                              <p:cond delay="0"/>
+                            </p:stCondLst>
+                            <p:childTnLst>
+                              <p:par>
+                                <p:cTn id="19" presetID="42" presetClass="entr" presetSubtype="0" fill="hold" grpId="0" nodeType="clickEffect">
+                                  <p:stCondLst>
+                                    <p:cond delay="0"/>
+                                  </p:stCondLst>
+                                  <p:childTnLst>
+                                    <p:set>
+                                      <p:cBhvr>
+                                        <p:cTn id="20" dur="1" fill="hold">
+                                          <p:stCondLst>
+                                            <p:cond delay="0"/>
+                                          </p:stCondLst>
+                                        </p:cTn>
+                                        <p:tgtEl>
+                                          <p:spTgt spid="3">
+                                            <p:txEl>
+                                              <p:pRg st="2" end="2"/>
+                                            </p:txEl>
+                                          </p:spTgt>
+                                        </p:tgtEl>
+                                        <p:attrNameLst>
+                                          <p:attrName>style.visibility</p:attrName>
+                                        </p:attrNameLst>
+                                      </p:cBhvr>
+                                      <p:to>
+                                        <p:strVal val="visible"/>
+                                      </p:to>
+                                    </p:set>
+                                    <p:animEffect transition="in" filter="fade">
+                                      <p:cBhvr>
+                                        <p:cTn id="21" dur="1000"/>
+                                        <p:tgtEl>
+                                          <p:spTgt spid="3">
+                                            <p:txEl>
+                                              <p:pRg st="2" end="2"/>
+                                            </p:txEl>
+                                          </p:spTgt>
+                                        </p:tgtEl>
+                                      </p:cBhvr>
+                                    </p:animEffect>
+                                    <p:anim calcmode="lin" valueType="num">
+                                      <p:cBhvr>
+                                        <p:cTn id="22" dur="1000" fill="hold"/>
+                                        <p:tgtEl>
+                                          <p:spTgt spid="3">
+                                            <p:txEl>
+                                              <p:pRg st="2" end="2"/>
+                                            </p:txEl>
+                                          </p:spTgt>
+                                        </p:tgtEl>
+                                        <p:attrNameLst>
+                                          <p:attrName>ppt_x</p:attrName>
+                                        </p:attrNameLst>
+                                      </p:cBhvr>
+                                      <p:tavLst>
+                                        <p:tav tm="0">
+                                          <p:val>
+                                            <p:strVal val="#ppt_x"/>
+                                          </p:val>
+                                        </p:tav>
+                                        <p:tav tm="100000">
+                                          <p:val>
+                                            <p:strVal val="#ppt_x"/>
+                                          </p:val>
+                                        </p:tav>
+                                      </p:tavLst>
+                                    </p:anim>
+                                    <p:anim calcmode="lin" valueType="num">
+                                      <p:cBhvr>
+                                        <p:cTn id="23" dur="1000" fill="hold"/>
+                                        <p:tgtEl>
+                                          <p:spTgt spid="3">
+                                            <p:txEl>
+                                              <p:pRg st="2" end="2"/>
+                                            </p:txEl>
+                                          </p:spTgt>
+                                        </p:tgtEl>
+                                        <p:attrNameLst>
+                                          <p:attrName>ppt_y</p:attrName>
+                                        </p:attrNameLst>
+                                      </p:cBhvr>
+                                      <p:tavLst>
+                                        <p:tav tm="0">
+                                          <p:val>
+                                            <p:strVal val="#ppt_y+.1"/>
+                                          </p:val>
+                                        </p:tav>
+                                        <p:tav tm="100000">
+                                          <p:val>
+                                            <p:strVal val="#ppt_y"/>
+                                          </p:val>
+                                        </p:tav>
+                                      </p:tavLst>
+                                    </p:anim>
+                                  </p:childTnLst>
+                                </p:cTn>
+                              </p:par>
+                            </p:childTnLst>
+                          </p:cTn>
+                        </p:par>
+                      </p:childTnLst>
+                    </p:cTn>
+                  </p:par>
+                </p:childTnLst>
+              </p:cTn>
+              <p:prevCondLst>
+                <p:cond evt="onPrev" delay="0">
+                  <p:tgtEl>
+                    <p:sldTgt/>
+                  </p:tgtEl>
+                </p:cond>
+              </p:prevCondLst>
+              <p:nextCondLst>
+                <p:cond evt="onNext" delay="0">
+                  <p:tgtEl>
+                    <p:sldTgt/>
+                  </p:tgtEl>
+                </p:cond>
+              </p:nextCondLst>
+            </p:seq>
+          </p:childTnLst>
+        </p:cTn>
+      </p:par>
+    </p:tnLst>
+    <p:bldLst>
+      <p:bldP spid="3" grpId="0" build="p"/>
+    </p:bldLst>
+  </p:timing>
+</p:sld>
+</file>
+
+<file path=ppt/slides/slide5.xml><?xml version="1.0" encoding="utf-8"?>
+<p:sld xmlns:a="http://schemas.openxmlformats.org/drawingml/2006/main" xmlns:r="http://schemas.openxmlformats.org/officeDocument/2006/relationships" xmlns:p="http://schemas.openxmlformats.org/presentationml/2006/main">
+  <p:cSld>
+    <p:spTree>
+      <p:nvGrpSpPr>
+        <p:cNvPr id="1" name=""/>
+        <p:cNvGrpSpPr/>
+        <p:nvPr/>
+      </p:nvGrpSpPr>
+      <p:grpSpPr>
+        <a:xfrm>
+          <a:off x="0" y="0"/>
+          <a:ext cx="0" cy="0"/>
+          <a:chOff x="0" y="0"/>
+          <a:chExt cx="0" cy="0"/>
+        </a:xfrm>
+      </p:grpSpPr>
+      <p:sp>
+        <p:nvSpPr>
+          <p:cNvPr id="2" name="Title 1">
+            <a:extLst>
+              <a:ext uri="{FF2B5EF4-FFF2-40B4-BE49-F238E27FC236}">
+                <a16:creationId xmlns:a16="http://schemas.microsoft.com/office/drawing/2014/main" id="{0FAB89F8-0B7C-8B73-E435-AD12AB23BC4F}"/>
+              </a:ext>
+            </a:extLst>
+          </p:cNvPr>
+          <p:cNvSpPr>
+            <a:spLocks noGrp="1"/>
+          </p:cNvSpPr>
+          <p:nvPr>
+            <p:ph type="title"/>
+          </p:nvPr>
+        </p:nvSpPr>
+        <p:spPr/>
+        <p:txBody>
+          <a:bodyPr/>
+          <a:lstStyle/>
+          <a:p>
+            <a:r>
+              <a:rPr lang="en-GB" dirty="0" err="1"/>
+              <a:t>OpenAPI</a:t>
+            </a:r>
+            <a:r>
+              <a:rPr lang="en-GB" dirty="0"/>
+              <a:t> Versions</a:t>
+            </a:r>
+          </a:p>
+        </p:txBody>
+      </p:sp>
+      <p:sp>
+        <p:nvSpPr>
+          <p:cNvPr id="3" name="Content Placeholder 2">
+            <a:extLst>
+              <a:ext uri="{FF2B5EF4-FFF2-40B4-BE49-F238E27FC236}">
+                <a16:creationId xmlns:a16="http://schemas.microsoft.com/office/drawing/2014/main" id="{DDC2E83E-DB3F-6263-0425-79E67BBD5DE5}"/>
+              </a:ext>
+            </a:extLst>
+          </p:cNvPr>
+          <p:cNvSpPr>
+            <a:spLocks noGrp="1"/>
+          </p:cNvSpPr>
+          <p:nvPr>
+            <p:ph idx="1"/>
+          </p:nvPr>
+        </p:nvSpPr>
+        <p:spPr/>
+        <p:txBody>
+          <a:bodyPr/>
+          <a:lstStyle/>
+          <a:p>
+            <a:r>
+              <a:rPr lang="en-GB" dirty="0"/>
+              <a:t>2.0: Swagger</a:t>
+            </a:r>
+            <a:br>
+              <a:rPr lang="en-GB" dirty="0"/>
+            </a:br>
+            <a:endParaRPr lang="en-GB" dirty="0"/>
+          </a:p>
+          <a:p>
+            <a:r>
+              <a:rPr lang="en-GB" dirty="0"/>
+              <a:t>3.0: Current</a:t>
+            </a:r>
+            <a:br>
+              <a:rPr lang="en-GB" dirty="0"/>
+            </a:br>
+            <a:endParaRPr lang="en-GB" dirty="0"/>
+          </a:p>
+          <a:p>
+            <a:r>
+              <a:rPr lang="en-GB" dirty="0"/>
+              <a:t>3.1: New &amp; Improved!</a:t>
+            </a:r>
+          </a:p>
+        </p:txBody>
+      </p:sp>
+      <p:sp>
+        <p:nvSpPr>
+          <p:cNvPr id="4" name="TextBox 3">
+            <a:extLst>
+              <a:ext uri="{FF2B5EF4-FFF2-40B4-BE49-F238E27FC236}">
+                <a16:creationId xmlns:a16="http://schemas.microsoft.com/office/drawing/2014/main" id="{E8BEE1E8-4F67-51B1-A039-D842BF8072DE}"/>
+              </a:ext>
+            </a:extLst>
+          </p:cNvPr>
+          <p:cNvSpPr txBox="1"/>
+          <p:nvPr/>
+        </p:nvSpPr>
+        <p:spPr>
+          <a:xfrm>
+            <a:off x="8349673" y="2447637"/>
+            <a:ext cx="2262909" cy="584775"/>
+          </a:xfrm>
+          <a:prstGeom prst="rect">
+            <a:avLst/>
+          </a:prstGeom>
+          <a:noFill/>
+        </p:spPr>
+        <p:txBody>
+          <a:bodyPr wrap="square" rtlCol="0">
+            <a:spAutoFit/>
+          </a:bodyPr>
+          <a:lstStyle/>
+          <a:p>
+            <a:r>
+              <a:rPr lang="en-GB" sz="3200" b="1" dirty="0">
+                <a:solidFill>
+                  <a:srgbClr val="FFC000"/>
+                </a:solidFill>
+                <a:latin typeface="Dreaming Outloud Pro" panose="020B0604020202020204" pitchFamily="66" charset="0"/>
+                <a:cs typeface="Dreaming Outloud Pro" panose="020B0604020202020204" pitchFamily="66" charset="0"/>
+              </a:rPr>
+              <a:t>Use this one</a:t>
+            </a:r>
+          </a:p>
+        </p:txBody>
+      </p:sp>
+      <p:cxnSp>
+        <p:nvCxnSpPr>
+          <p:cNvPr id="6" name="Straight Arrow Connector 5">
+            <a:extLst>
+              <a:ext uri="{FF2B5EF4-FFF2-40B4-BE49-F238E27FC236}">
+                <a16:creationId xmlns:a16="http://schemas.microsoft.com/office/drawing/2014/main" id="{DDEE6529-350E-B192-9514-DA7239143A1C}"/>
+              </a:ext>
+            </a:extLst>
+          </p:cNvPr>
+          <p:cNvCxnSpPr>
+            <a:cxnSpLocks/>
+            <a:stCxn id="4" idx="1"/>
+          </p:cNvCxnSpPr>
+          <p:nvPr/>
+        </p:nvCxnSpPr>
+        <p:spPr>
+          <a:xfrm flipH="1">
+            <a:off x="7610764" y="2740025"/>
+            <a:ext cx="738909" cy="95539"/>
+          </a:xfrm>
+          <a:prstGeom prst="straightConnector1">
+            <a:avLst/>
+          </a:prstGeom>
+          <a:ln w="63500">
+            <a:tailEnd type="triangle"/>
+          </a:ln>
+        </p:spPr>
+        <p:style>
+          <a:lnRef idx="3">
+            <a:schemeClr val="accent4"/>
+          </a:lnRef>
+          <a:fillRef idx="0">
+            <a:schemeClr val="accent4"/>
+          </a:fillRef>
+          <a:effectRef idx="2">
+            <a:schemeClr val="accent4"/>
+          </a:effectRef>
+          <a:fontRef idx="minor">
+            <a:schemeClr val="tx1"/>
+          </a:fontRef>
+        </p:style>
+      </p:cxnSp>
+    </p:spTree>
+    <p:extLst>
+      <p:ext uri="{BB962C8B-B14F-4D97-AF65-F5344CB8AC3E}">
+        <p14:creationId xmlns:p14="http://schemas.microsoft.com/office/powerpoint/2010/main" val="529572658"/>
+      </p:ext>
+    </p:extLst>
+  </p:cSld>
+  <p:clrMapOvr>
+    <a:masterClrMapping/>
+  </p:clrMapOvr>
+  <p:timing>
+    <p:tnLst>
+      <p:par>
+        <p:cTn id="1" dur="indefinite" restart="never" nodeType="tmRoot">
+          <p:childTnLst>
+            <p:seq concurrent="1" nextAc="seek">
+              <p:cTn id="2" dur="indefinite" nodeType="mainSeq">
+                <p:childTnLst>
+                  <p:par>
+                    <p:cTn id="3" fill="hold">
+                      <p:stCondLst>
+                        <p:cond delay="indefinite"/>
+                      </p:stCondLst>
+                      <p:childTnLst>
+                        <p:par>
+                          <p:cTn id="4" fill="hold">
+                            <p:stCondLst>
+                              <p:cond delay="0"/>
+                            </p:stCondLst>
+                            <p:childTnLst>
+                              <p:par>
+                                <p:cTn id="5" presetID="42" presetClass="entr" presetSubtype="0" fill="hold" grpId="0" nodeType="clickEffect">
+                                  <p:stCondLst>
+                                    <p:cond delay="0"/>
+                                  </p:stCondLst>
+                                  <p:childTnLst>
+                                    <p:set>
+                                      <p:cBhvr>
+                                        <p:cTn id="6" dur="1" fill="hold">
+                                          <p:stCondLst>
+                                            <p:cond delay="0"/>
+                                          </p:stCondLst>
+                                        </p:cTn>
+                                        <p:tgtEl>
+                                          <p:spTgt spid="3">
+                                            <p:txEl>
+                                              <p:pRg st="0" end="0"/>
+                                            </p:txEl>
+                                          </p:spTgt>
+                                        </p:tgtEl>
+                                        <p:attrNameLst>
+                                          <p:attrName>style.visibility</p:attrName>
+                                        </p:attrNameLst>
+                                      </p:cBhvr>
+                                      <p:to>
+                                        <p:strVal val="visible"/>
+                                      </p:to>
+                                    </p:set>
+                                    <p:animEffect transition="in" filter="fade">
+                                      <p:cBhvr>
+                                        <p:cTn id="7" dur="1000"/>
+                                        <p:tgtEl>
+                                          <p:spTgt spid="3">
+                                            <p:txEl>
+                                              <p:pRg st="0" end="0"/>
+                                            </p:txEl>
+                                          </p:spTgt>
+                                        </p:tgtEl>
+                                      </p:cBhvr>
+                                    </p:animEffect>
+                                    <p:anim calcmode="lin" valueType="num">
+                                      <p:cBhvr>
+                                        <p:cTn id="8" dur="1000" fill="hold"/>
+                                        <p:tgtEl>
+                                          <p:spTgt spid="3">
+                                            <p:txEl>
+                                              <p:pRg st="0" end="0"/>
+                                            </p:txEl>
+                                          </p:spTgt>
+                                        </p:tgtEl>
+                                        <p:attrNameLst>
+                                          <p:attrName>ppt_x</p:attrName>
+                                        </p:attrNameLst>
+                                      </p:cBhvr>
+                                      <p:tavLst>
+                                        <p:tav tm="0">
+                                          <p:val>
+                                            <p:strVal val="#ppt_x"/>
+                                          </p:val>
+                                        </p:tav>
+                                        <p:tav tm="100000">
+                                          <p:val>
+                                            <p:strVal val="#ppt_x"/>
+                                          </p:val>
+                                        </p:tav>
+                                      </p:tavLst>
+                                    </p:anim>
+                                    <p:anim calcmode="lin" valueType="num">
+                                      <p:cBhvr>
+                                        <p:cTn id="9" dur="1000" fill="hold"/>
+                                        <p:tgtEl>
+                                          <p:spTgt spid="3">
+                                            <p:txEl>
+                                              <p:pRg st="0" end="0"/>
+                                            </p:txEl>
+                                          </p:spTgt>
+                                        </p:tgtEl>
+                                        <p:attrNameLst>
+                                          <p:attrName>ppt_y</p:attrName>
+                                        </p:attrNameLst>
+                                      </p:cBhvr>
+                                      <p:tavLst>
+                                        <p:tav tm="0">
+                                          <p:val>
+                                            <p:strVal val="#ppt_y+.1"/>
+                                          </p:val>
+                                        </p:tav>
+                                        <p:tav tm="100000">
+                                          <p:val>
+                                            <p:strVal val="#ppt_y"/>
+                                          </p:val>
+                                        </p:tav>
+                                      </p:tavLst>
+                                    </p:anim>
+                                  </p:childTnLst>
+                                </p:cTn>
+                              </p:par>
+                            </p:childTnLst>
+                          </p:cTn>
+                        </p:par>
+                      </p:childTnLst>
+                    </p:cTn>
+                  </p:par>
+                  <p:par>
+                    <p:cTn id="10" fill="hold">
+                      <p:stCondLst>
+                        <p:cond delay="indefinite"/>
+                      </p:stCondLst>
+                      <p:childTnLst>
+                        <p:par>
+                          <p:cTn id="11" fill="hold">
+                            <p:stCondLst>
+                              <p:cond delay="0"/>
+                            </p:stCondLst>
+                            <p:childTnLst>
+                              <p:par>
+                                <p:cTn id="12" presetID="42" presetClass="entr" presetSubtype="0" fill="hold" grpId="0" nodeType="clickEffect">
+                                  <p:stCondLst>
+                                    <p:cond delay="0"/>
+                                  </p:stCondLst>
+                                  <p:childTnLst>
+                                    <p:set>
+                                      <p:cBhvr>
+                                        <p:cTn id="13" dur="1" fill="hold">
+                                          <p:stCondLst>
+                                            <p:cond delay="0"/>
+                                          </p:stCondLst>
+                                        </p:cTn>
+                                        <p:tgtEl>
+                                          <p:spTgt spid="3">
+                                            <p:txEl>
+                                              <p:pRg st="1" end="1"/>
+                                            </p:txEl>
+                                          </p:spTgt>
+                                        </p:tgtEl>
+                                        <p:attrNameLst>
+                                          <p:attrName>style.visibility</p:attrName>
+                                        </p:attrNameLst>
+                                      </p:cBhvr>
+                                      <p:to>
+                                        <p:strVal val="visible"/>
+                                      </p:to>
+                                    </p:set>
+                                    <p:animEffect transition="in" filter="fade">
+                                      <p:cBhvr>
+                                        <p:cTn id="14" dur="1000"/>
+                                        <p:tgtEl>
+                                          <p:spTgt spid="3">
+                                            <p:txEl>
+                                              <p:pRg st="1" end="1"/>
+                                            </p:txEl>
+                                          </p:spTgt>
+                                        </p:tgtEl>
+                                      </p:cBhvr>
+                                    </p:animEffect>
+                                    <p:anim calcmode="lin" valueType="num">
+                                      <p:cBhvr>
+                                        <p:cTn id="15" dur="1000" fill="hold"/>
+                                        <p:tgtEl>
+                                          <p:spTgt spid="3">
+                                            <p:txEl>
+                                              <p:pRg st="1" end="1"/>
+                                            </p:txEl>
+                                          </p:spTgt>
+                                        </p:tgtEl>
+                                        <p:attrNameLst>
+                                          <p:attrName>ppt_x</p:attrName>
+                                        </p:attrNameLst>
+                                      </p:cBhvr>
+                                      <p:tavLst>
+                                        <p:tav tm="0">
+                                          <p:val>
+                                            <p:strVal val="#ppt_x"/>
+                                          </p:val>
+                                        </p:tav>
+                                        <p:tav tm="100000">
+                                          <p:val>
+                                            <p:strVal val="#ppt_x"/>
+                                          </p:val>
+                                        </p:tav>
+                                      </p:tavLst>
+                                    </p:anim>
+                                    <p:anim calcmode="lin" valueType="num">
+                                      <p:cBhvr>
+                                        <p:cTn id="16" dur="1000" fill="hold"/>
+                                        <p:tgtEl>
+                                          <p:spTgt spid="3">
+                                            <p:txEl>
+                                              <p:pRg st="1" end="1"/>
+                                            </p:txEl>
+                                          </p:spTgt>
+                                        </p:tgtEl>
+                                        <p:attrNameLst>
+                                          <p:attrName>ppt_y</p:attrName>
+                                        </p:attrNameLst>
+                                      </p:cBhvr>
+                                      <p:tavLst>
+                                        <p:tav tm="0">
+                                          <p:val>
+                                            <p:strVal val="#ppt_y+.1"/>
+                                          </p:val>
+                                        </p:tav>
+                                        <p:tav tm="100000">
+                                          <p:val>
+                                            <p:strVal val="#ppt_y"/>
+                                          </p:val>
+                                        </p:tav>
+                                      </p:tavLst>
+                                    </p:anim>
+                                  </p:childTnLst>
+                                </p:cTn>
+                              </p:par>
+                            </p:childTnLst>
+                          </p:cTn>
+                        </p:par>
+                      </p:childTnLst>
+                    </p:cTn>
+                  </p:par>
+                  <p:par>
+                    <p:cTn id="17" fill="hold">
+                      <p:stCondLst>
+                        <p:cond delay="indefinite"/>
+                      </p:stCondLst>
+                      <p:childTnLst>
+                        <p:par>
+                          <p:cTn id="18" fill="hold">
+                            <p:stCondLst>
+                              <p:cond delay="0"/>
+                            </p:stCondLst>
+                            <p:childTnLst>
+                              <p:par>
+                                <p:cTn id="19" presetID="42" presetClass="entr" presetSubtype="0" fill="hold" grpId="0" nodeType="clickEffect">
+                                  <p:stCondLst>
+                                    <p:cond delay="0"/>
+                                  </p:stCondLst>
+                                  <p:childTnLst>
+                                    <p:set>
+                                      <p:cBhvr>
+                                        <p:cTn id="20" dur="1" fill="hold">
+                                          <p:stCondLst>
+                                            <p:cond delay="0"/>
+                                          </p:stCondLst>
+                                        </p:cTn>
+                                        <p:tgtEl>
+                                          <p:spTgt spid="3">
+                                            <p:txEl>
+                                              <p:pRg st="2" end="2"/>
+                                            </p:txEl>
+                                          </p:spTgt>
+                                        </p:tgtEl>
+                                        <p:attrNameLst>
+                                          <p:attrName>style.visibility</p:attrName>
+                                        </p:attrNameLst>
+                                      </p:cBhvr>
+                                      <p:to>
+                                        <p:strVal val="visible"/>
+                                      </p:to>
+                                    </p:set>
+                                    <p:animEffect transition="in" filter="fade">
+                                      <p:cBhvr>
+                                        <p:cTn id="21" dur="1000"/>
+                                        <p:tgtEl>
+                                          <p:spTgt spid="3">
+                                            <p:txEl>
+                                              <p:pRg st="2" end="2"/>
+                                            </p:txEl>
+                                          </p:spTgt>
+                                        </p:tgtEl>
+                                      </p:cBhvr>
+                                    </p:animEffect>
+                                    <p:anim calcmode="lin" valueType="num">
+                                      <p:cBhvr>
+                                        <p:cTn id="22" dur="1000" fill="hold"/>
+                                        <p:tgtEl>
+                                          <p:spTgt spid="3">
+                                            <p:txEl>
+                                              <p:pRg st="2" end="2"/>
+                                            </p:txEl>
+                                          </p:spTgt>
+                                        </p:tgtEl>
+                                        <p:attrNameLst>
+                                          <p:attrName>ppt_x</p:attrName>
+                                        </p:attrNameLst>
+                                      </p:cBhvr>
+                                      <p:tavLst>
+                                        <p:tav tm="0">
+                                          <p:val>
+                                            <p:strVal val="#ppt_x"/>
+                                          </p:val>
+                                        </p:tav>
+                                        <p:tav tm="100000">
+                                          <p:val>
+                                            <p:strVal val="#ppt_x"/>
+                                          </p:val>
+                                        </p:tav>
+                                      </p:tavLst>
+                                    </p:anim>
+                                    <p:anim calcmode="lin" valueType="num">
+                                      <p:cBhvr>
+                                        <p:cTn id="23" dur="1000" fill="hold"/>
+                                        <p:tgtEl>
+                                          <p:spTgt spid="3">
+                                            <p:txEl>
+                                              <p:pRg st="2" end="2"/>
+                                            </p:txEl>
+                                          </p:spTgt>
+                                        </p:tgtEl>
+                                        <p:attrNameLst>
+                                          <p:attrName>ppt_y</p:attrName>
+                                        </p:attrNameLst>
+                                      </p:cBhvr>
+                                      <p:tavLst>
+                                        <p:tav tm="0">
+                                          <p:val>
+                                            <p:strVal val="#ppt_y+.1"/>
+                                          </p:val>
+                                        </p:tav>
+                                        <p:tav tm="100000">
+                                          <p:val>
+                                            <p:strVal val="#ppt_y"/>
+                                          </p:val>
+                                        </p:tav>
+                                      </p:tavLst>
+                                    </p:anim>
+                                  </p:childTnLst>
+                                </p:cTn>
+                              </p:par>
+                            </p:childTnLst>
+                          </p:cTn>
+                        </p:par>
+                      </p:childTnLst>
+                    </p:cTn>
+                  </p:par>
+                </p:childTnLst>
+              </p:cTn>
+              <p:prevCondLst>
+                <p:cond evt="onPrev" delay="0">
+                  <p:tgtEl>
+                    <p:sldTgt/>
+                  </p:tgtEl>
+                </p:cond>
+              </p:prevCondLst>
+              <p:nextCondLst>
+                <p:cond evt="onNext" delay="0">
+                  <p:tgtEl>
+                    <p:sldTgt/>
+                  </p:tgtEl>
+                </p:cond>
+              </p:nextCondLst>
+            </p:seq>
+          </p:childTnLst>
+        </p:cTn>
+      </p:par>
+    </p:tnLst>
+    <p:bldLst>
+      <p:bldP spid="3" grpId="0" build="p"/>
+    </p:bldLst>
+  </p:timing>
+</p:sld>
+</file>
+
+<file path=ppt/slides/slide6.xml><?xml version="1.0" encoding="utf-8"?>
+<p:sld xmlns:a="http://schemas.openxmlformats.org/drawingml/2006/main" xmlns:r="http://schemas.openxmlformats.org/officeDocument/2006/relationships" xmlns:p="http://schemas.openxmlformats.org/presentationml/2006/main">
+  <p:cSld>
+    <p:spTree>
+      <p:nvGrpSpPr>
+        <p:cNvPr id="1" name=""/>
+        <p:cNvGrpSpPr/>
+        <p:nvPr/>
+      </p:nvGrpSpPr>
+      <p:grpSpPr>
+        <a:xfrm>
+          <a:off x="0" y="0"/>
+          <a:ext cx="0" cy="0"/>
+          <a:chOff x="0" y="0"/>
+          <a:chExt cx="0" cy="0"/>
+        </a:xfrm>
+      </p:grpSpPr>
+      <p:sp>
+        <p:nvSpPr>
+          <p:cNvPr id="2" name="Title 1">
+            <a:extLst>
+              <a:ext uri="{FF2B5EF4-FFF2-40B4-BE49-F238E27FC236}">
+                <a16:creationId xmlns:a16="http://schemas.microsoft.com/office/drawing/2014/main" id="{9DFD2610-0983-0787-4D39-A74FAFE77550}"/>
+              </a:ext>
+            </a:extLst>
+          </p:cNvPr>
+          <p:cNvSpPr>
+            <a:spLocks noGrp="1"/>
+          </p:cNvSpPr>
+          <p:nvPr>
+            <p:ph type="title"/>
+          </p:nvPr>
+        </p:nvSpPr>
+        <p:spPr/>
+        <p:txBody>
+          <a:bodyPr/>
+          <a:lstStyle/>
+          <a:p>
+            <a:r>
+              <a:rPr lang="en-GB" dirty="0"/>
+              <a:t>Implementation</a:t>
+            </a:r>
+          </a:p>
+        </p:txBody>
+      </p:sp>
+      <p:sp>
+        <p:nvSpPr>
+          <p:cNvPr id="3" name="Text Placeholder 2">
+            <a:extLst>
+              <a:ext uri="{FF2B5EF4-FFF2-40B4-BE49-F238E27FC236}">
+                <a16:creationId xmlns:a16="http://schemas.microsoft.com/office/drawing/2014/main" id="{69AA8414-64BE-09C9-0E7A-B891BDA4E28C}"/>
+              </a:ext>
+            </a:extLst>
+          </p:cNvPr>
+          <p:cNvSpPr>
+            <a:spLocks noGrp="1"/>
+          </p:cNvSpPr>
+          <p:nvPr>
+            <p:ph type="body" idx="1"/>
+          </p:nvPr>
+        </p:nvSpPr>
+        <p:spPr/>
+        <p:txBody>
+          <a:bodyPr/>
+          <a:lstStyle/>
+          <a:p>
+            <a:endParaRPr lang="en-GB"/>
+          </a:p>
+        </p:txBody>
+      </p:sp>
+    </p:spTree>
+    <p:extLst>
+      <p:ext uri="{BB962C8B-B14F-4D97-AF65-F5344CB8AC3E}">
+        <p14:creationId xmlns:p14="http://schemas.microsoft.com/office/powerpoint/2010/main" val="3611666907"/>
+      </p:ext>
+    </p:extLst>
+  </p:cSld>
+  <p:clrMapOvr>
+    <a:masterClrMapping/>
+  </p:clrMapOvr>
+</p:sld>
+</file>
+
+<file path=ppt/slides/slide7.xml><?xml version="1.0" encoding="utf-8"?>
+<p:sld xmlns:a="http://schemas.openxmlformats.org/drawingml/2006/main" xmlns:r="http://schemas.openxmlformats.org/officeDocument/2006/relationships" xmlns:p="http://schemas.openxmlformats.org/presentationml/2006/main">
+  <p:cSld>
+    <p:spTree>
+      <p:nvGrpSpPr>
+        <p:cNvPr id="1" name=""/>
+        <p:cNvGrpSpPr/>
+        <p:nvPr/>
+      </p:nvGrpSpPr>
+      <p:grpSpPr>
+        <a:xfrm>
+          <a:off x="0" y="0"/>
+          <a:ext cx="0" cy="0"/>
+          <a:chOff x="0" y="0"/>
+          <a:chExt cx="0" cy="0"/>
+        </a:xfrm>
+      </p:grpSpPr>
+      <p:sp>
+        <p:nvSpPr>
+          <p:cNvPr id="2" name="Title 1">
+            <a:extLst>
+              <a:ext uri="{FF2B5EF4-FFF2-40B4-BE49-F238E27FC236}">
+                <a16:creationId xmlns:a16="http://schemas.microsoft.com/office/drawing/2014/main" id="{CFB46E0B-2E84-CC69-2AC9-036C69EC152B}"/>
+              </a:ext>
+            </a:extLst>
+          </p:cNvPr>
+          <p:cNvSpPr>
+            <a:spLocks noGrp="1"/>
+          </p:cNvSpPr>
+          <p:nvPr>
+            <p:ph type="title"/>
+          </p:nvPr>
+        </p:nvSpPr>
+        <p:spPr/>
+        <p:txBody>
+          <a:bodyPr/>
+          <a:lstStyle/>
+          <a:p>
+            <a:r>
+              <a:rPr lang="en-GB" dirty="0" err="1"/>
+              <a:t>OpenAPI</a:t>
+            </a:r>
+            <a:r>
+              <a:rPr lang="en-GB" dirty="0"/>
+              <a:t> in .NET</a:t>
+            </a:r>
+          </a:p>
+        </p:txBody>
+      </p:sp>
+      <p:sp>
+        <p:nvSpPr>
+          <p:cNvPr id="3" name="Content Placeholder 2">
+            <a:extLst>
+              <a:ext uri="{FF2B5EF4-FFF2-40B4-BE49-F238E27FC236}">
+                <a16:creationId xmlns:a16="http://schemas.microsoft.com/office/drawing/2014/main" id="{BC657EE2-72E8-3CCF-1062-9466CACBB8DB}"/>
+              </a:ext>
+            </a:extLst>
+          </p:cNvPr>
+          <p:cNvSpPr>
+            <a:spLocks noGrp="1"/>
+          </p:cNvSpPr>
+          <p:nvPr>
+            <p:ph idx="1"/>
+          </p:nvPr>
+        </p:nvSpPr>
+        <p:spPr/>
+        <p:txBody>
+          <a:bodyPr/>
+          <a:lstStyle/>
+          <a:p>
+            <a:r>
+              <a:rPr lang="en-GB" dirty="0" err="1"/>
+              <a:t>Swashbuckle</a:t>
+            </a:r>
+            <a:endParaRPr lang="en-GB" dirty="0"/>
+          </a:p>
+          <a:p>
+            <a:r>
+              <a:rPr lang="en-GB" dirty="0" err="1"/>
+              <a:t>NSwag</a:t>
+            </a:r>
+            <a:endParaRPr lang="en-GB" dirty="0"/>
+          </a:p>
+        </p:txBody>
+      </p:sp>
+    </p:spTree>
+    <p:extLst>
+      <p:ext uri="{BB962C8B-B14F-4D97-AF65-F5344CB8AC3E}">
+        <p14:creationId xmlns:p14="http://schemas.microsoft.com/office/powerpoint/2010/main" val="2133295142"/>
+      </p:ext>
+    </p:extLst>
+  </p:cSld>
+  <p:clrMapOvr>
+    <a:masterClrMapping/>
+  </p:clrMapOvr>
+</p:sld>
+</file>
+
+<file path=ppt/slides/slide8.xml><?xml version="1.0" encoding="utf-8"?>
+<p:sld xmlns:a="http://schemas.openxmlformats.org/drawingml/2006/main" xmlns:r="http://schemas.openxmlformats.org/officeDocument/2006/relationships" xmlns:p="http://schemas.openxmlformats.org/presentationml/2006/main">
+  <p:cSld>
+    <p:spTree>
+      <p:nvGrpSpPr>
+        <p:cNvPr id="1" name=""/>
+        <p:cNvGrpSpPr/>
+        <p:nvPr/>
+      </p:nvGrpSpPr>
+      <p:grpSpPr>
+        <a:xfrm>
+          <a:off x="0" y="0"/>
+          <a:ext cx="0" cy="0"/>
+          <a:chOff x="0" y="0"/>
+          <a:chExt cx="0" cy="0"/>
+        </a:xfrm>
+      </p:grpSpPr>
+      <p:sp>
+        <p:nvSpPr>
+          <p:cNvPr id="2" name="Title 1">
+            <a:extLst>
+              <a:ext uri="{FF2B5EF4-FFF2-40B4-BE49-F238E27FC236}">
+                <a16:creationId xmlns:a16="http://schemas.microsoft.com/office/drawing/2014/main" id="{CFB46E0B-2E84-CC69-2AC9-036C69EC152B}"/>
+              </a:ext>
+            </a:extLst>
+          </p:cNvPr>
+          <p:cNvSpPr>
+            <a:spLocks noGrp="1"/>
+          </p:cNvSpPr>
+          <p:nvPr>
+            <p:ph type="title"/>
+          </p:nvPr>
+        </p:nvSpPr>
+        <p:spPr/>
+        <p:txBody>
+          <a:bodyPr/>
+          <a:lstStyle/>
+          <a:p>
+            <a:r>
+              <a:rPr lang="en-GB" dirty="0" err="1"/>
+              <a:t>OpenAPI</a:t>
+            </a:r>
+            <a:r>
+              <a:rPr lang="en-GB" dirty="0"/>
+              <a:t> in .NET</a:t>
+            </a:r>
+          </a:p>
+        </p:txBody>
+      </p:sp>
+      <p:pic>
+        <p:nvPicPr>
+          <p:cNvPr id="7" name="Picture 6" descr="Text&#10;&#10;Description automatically generated">
+            <a:extLst>
+              <a:ext uri="{FF2B5EF4-FFF2-40B4-BE49-F238E27FC236}">
+                <a16:creationId xmlns:a16="http://schemas.microsoft.com/office/drawing/2014/main" id="{076E1BC3-DA7E-7138-B3B9-A458578F93B5}"/>
+              </a:ext>
+            </a:extLst>
+          </p:cNvPr>
+          <p:cNvPicPr>
+            <a:picLocks noChangeAspect="1"/>
+          </p:cNvPicPr>
+          <p:nvPr/>
+        </p:nvPicPr>
+        <p:blipFill>
+          <a:blip r:embed="rId2">
+            <a:extLst>
+              <a:ext uri="{28A0092B-C50C-407E-A947-70E740481C1C}">
+                <a14:useLocalDpi xmlns:a14="http://schemas.microsoft.com/office/drawing/2010/main" val="0"/>
+              </a:ext>
+            </a:extLst>
+          </a:blip>
+          <a:stretch>
+            <a:fillRect/>
+          </a:stretch>
+        </p:blipFill>
+        <p:spPr>
+          <a:xfrm>
+            <a:off x="1089890" y="1027906"/>
+            <a:ext cx="10155016" cy="5979836"/>
+          </a:xfrm>
+          <a:prstGeom prst="rect">
+            <a:avLst/>
+          </a:prstGeom>
+        </p:spPr>
+      </p:pic>
+    </p:spTree>
+    <p:extLst>
+      <p:ext uri="{BB962C8B-B14F-4D97-AF65-F5344CB8AC3E}">
+        <p14:creationId xmlns:p14="http://schemas.microsoft.com/office/powerpoint/2010/main" val="1399433709"/>
+      </p:ext>
+    </p:extLst>
+  </p:cSld>
+  <p:clrMapOvr>
+    <a:masterClrMapping/>
+  </p:clrMapOvr>
+</p:sld>
+</file>
+
 <file path=ppt/slides/slide9.xml><?xml version="1.0" encoding="utf-8"?>
 <p:sld xmlns:a="http://schemas.openxmlformats.org/drawingml/2006/main" xmlns:r="http://schemas.openxmlformats.org/officeDocument/2006/relationships" xmlns:p="http://schemas.openxmlformats.org/presentationml/2006/main">
   <p:cSld>
@@ -5409,7 +8083,7 @@
           <p:cNvPr id="2" name="Title 1">
             <a:extLst>
               <a:ext uri="{FF2B5EF4-FFF2-40B4-BE49-F238E27FC236}">
-                <a16:creationId xmlns:a16="http://schemas.microsoft.com/office/drawing/2014/main" id="{4EF03EDA-FD97-7B63-8C42-0AC11307F9C0}"/>
+                <a16:creationId xmlns:a16="http://schemas.microsoft.com/office/drawing/2014/main" id="{785C56BE-15F6-5C42-D5C4-4B56BBC6CFCD}"/>
               </a:ext>
             </a:extLst>
           </p:cNvPr>
@@ -5426,41 +8100,56 @@
           <a:lstStyle/>
           <a:p>
             <a:r>
+              <a:rPr lang="en-GB" dirty="0" err="1"/>
+              <a:t>OpenAPI</a:t>
+            </a:r>
+            <a:r>
               <a:rPr lang="en-GB" dirty="0"/>
-              <a:t>Paths</a:t>
-            </a:r>
-          </a:p>
-        </p:txBody>
-      </p:sp>
-      <p:sp>
-        <p:nvSpPr>
-          <p:cNvPr id="3" name="Text Placeholder 2">
+              <a:t> everywhere else</a:t>
+            </a:r>
+          </a:p>
+        </p:txBody>
+      </p:sp>
+      <p:pic>
+        <p:nvPicPr>
+          <p:cNvPr id="13" name="Picture 12">
             <a:extLst>
               <a:ext uri="{FF2B5EF4-FFF2-40B4-BE49-F238E27FC236}">
-                <a16:creationId xmlns:a16="http://schemas.microsoft.com/office/drawing/2014/main" id="{9F84FDAE-B33C-F8A9-4254-8999ACD6B548}"/>
+                <a16:creationId xmlns:a16="http://schemas.microsoft.com/office/drawing/2014/main" id="{73AA5683-AC1D-BAD9-FD88-4B6942286EDC}"/>
               </a:ext>
             </a:extLst>
           </p:cNvPr>
-          <p:cNvSpPr>
-            <a:spLocks noGrp="1"/>
-          </p:cNvSpPr>
-          <p:nvPr>
-            <p:ph type="body" idx="1"/>
-          </p:nvPr>
-        </p:nvSpPr>
-        <p:spPr/>
-        <p:txBody>
-          <a:bodyPr/>
-          <a:lstStyle/>
-          <a:p>
-            <a:endParaRPr lang="en-GB"/>
-          </a:p>
-        </p:txBody>
-      </p:sp>
+          <p:cNvPicPr>
+            <a:picLocks noChangeAspect="1"/>
+          </p:cNvPicPr>
+          <p:nvPr/>
+        </p:nvPicPr>
+        <p:blipFill>
+          <a:blip r:embed="rId2">
+            <a:extLst>
+              <a:ext uri="{28A0092B-C50C-407E-A947-70E740481C1C}">
+                <a14:useLocalDpi xmlns:a14="http://schemas.microsoft.com/office/drawing/2010/main" val="0"/>
+              </a:ext>
+            </a:extLst>
+          </a:blip>
+          <a:stretch>
+            <a:fillRect/>
+          </a:stretch>
+        </p:blipFill>
+        <p:spPr>
+          <a:xfrm>
+            <a:off x="2412675" y="497305"/>
+            <a:ext cx="7366650" cy="6858000"/>
+          </a:xfrm>
+          <a:prstGeom prst="rect">
+            <a:avLst/>
+          </a:prstGeom>
+        </p:spPr>
+      </p:pic>
     </p:spTree>
     <p:extLst>
       <p:ext uri="{BB962C8B-B14F-4D97-AF65-F5344CB8AC3E}">
-        <p14:creationId xmlns:p14="http://schemas.microsoft.com/office/powerpoint/2010/main" val="1077859955"/>
+        <p14:creationId xmlns:p14="http://schemas.microsoft.com/office/powerpoint/2010/main" val="4175986621"/>
       </p:ext>
     </p:extLst>
   </p:cSld>
